--- a/PPT/0-前言.pptx
+++ b/PPT/0-前言.pptx
@@ -10,6 +10,7 @@
     <p:sldId id="258" r:id="rId4"/>
     <p:sldId id="259" r:id="rId5"/>
     <p:sldId id="260" r:id="rId6"/>
+    <p:sldId id="261" r:id="rId7"/>
   </p:sldIdLst>
   <p:sldSz cx="12192000" cy="6858000"/>
   <p:notesSz cx="6858000" cy="9144000"/>
@@ -108,6 +109,11 @@
       </a:defRPr>
     </a:lvl9pPr>
   </p:defaultTextStyle>
+  <p:extLst>
+    <p:ext uri="{EFAFB233-063F-42B5-8137-9DF3F51BA10A}">
+      <p15:sldGuideLst xmlns:p15="http://schemas.microsoft.com/office/powerpoint/2012/main"/>
+    </p:ext>
+  </p:extLst>
 </p:presentation>
 </file>
 
@@ -242,7 +248,7 @@
           <a:p>
             <a:fld id="{D2B4B1F1-4DA7-425D-9E74-9CCF332327A2}" type="datetimeFigureOut">
               <a:rPr lang="zh-CN" altLang="en-US" smtClean="0"/>
-              <a:t>2023/1/26</a:t>
+              <a:t>2023/1/28</a:t>
             </a:fld>
             <a:endParaRPr lang="zh-CN" altLang="en-US"/>
           </a:p>
@@ -412,7 +418,7 @@
           <a:p>
             <a:fld id="{D2B4B1F1-4DA7-425D-9E74-9CCF332327A2}" type="datetimeFigureOut">
               <a:rPr lang="zh-CN" altLang="en-US" smtClean="0"/>
-              <a:t>2023/1/26</a:t>
+              <a:t>2023/1/28</a:t>
             </a:fld>
             <a:endParaRPr lang="zh-CN" altLang="en-US"/>
           </a:p>
@@ -592,7 +598,7 @@
           <a:p>
             <a:fld id="{D2B4B1F1-4DA7-425D-9E74-9CCF332327A2}" type="datetimeFigureOut">
               <a:rPr lang="zh-CN" altLang="en-US" smtClean="0"/>
-              <a:t>2023/1/26</a:t>
+              <a:t>2023/1/28</a:t>
             </a:fld>
             <a:endParaRPr lang="zh-CN" altLang="en-US"/>
           </a:p>
@@ -792,7 +798,7 @@
           <a:p>
             <a:fld id="{D2B4B1F1-4DA7-425D-9E74-9CCF332327A2}" type="datetimeFigureOut">
               <a:rPr lang="zh-CN" altLang="en-US" smtClean="0"/>
-              <a:t>2023/1/26</a:t>
+              <a:t>2023/1/28</a:t>
             </a:fld>
             <a:endParaRPr lang="zh-CN" altLang="en-US"/>
           </a:p>
@@ -1038,7 +1044,7 @@
           <a:p>
             <a:fld id="{D2B4B1F1-4DA7-425D-9E74-9CCF332327A2}" type="datetimeFigureOut">
               <a:rPr lang="zh-CN" altLang="en-US" smtClean="0"/>
-              <a:t>2023/1/26</a:t>
+              <a:t>2023/1/28</a:t>
             </a:fld>
             <a:endParaRPr lang="zh-CN" altLang="en-US"/>
           </a:p>
@@ -1270,7 +1276,7 @@
           <a:p>
             <a:fld id="{D2B4B1F1-4DA7-425D-9E74-9CCF332327A2}" type="datetimeFigureOut">
               <a:rPr lang="zh-CN" altLang="en-US" smtClean="0"/>
-              <a:t>2023/1/26</a:t>
+              <a:t>2023/1/28</a:t>
             </a:fld>
             <a:endParaRPr lang="zh-CN" altLang="en-US"/>
           </a:p>
@@ -1637,7 +1643,7 @@
           <a:p>
             <a:fld id="{D2B4B1F1-4DA7-425D-9E74-9CCF332327A2}" type="datetimeFigureOut">
               <a:rPr lang="zh-CN" altLang="en-US" smtClean="0"/>
-              <a:t>2023/1/26</a:t>
+              <a:t>2023/1/28</a:t>
             </a:fld>
             <a:endParaRPr lang="zh-CN" altLang="en-US"/>
           </a:p>
@@ -1755,7 +1761,7 @@
           <a:p>
             <a:fld id="{D2B4B1F1-4DA7-425D-9E74-9CCF332327A2}" type="datetimeFigureOut">
               <a:rPr lang="zh-CN" altLang="en-US" smtClean="0"/>
-              <a:t>2023/1/26</a:t>
+              <a:t>2023/1/28</a:t>
             </a:fld>
             <a:endParaRPr lang="zh-CN" altLang="en-US"/>
           </a:p>
@@ -1850,7 +1856,7 @@
           <a:p>
             <a:fld id="{D2B4B1F1-4DA7-425D-9E74-9CCF332327A2}" type="datetimeFigureOut">
               <a:rPr lang="zh-CN" altLang="en-US" smtClean="0"/>
-              <a:t>2023/1/26</a:t>
+              <a:t>2023/1/28</a:t>
             </a:fld>
             <a:endParaRPr lang="zh-CN" altLang="en-US"/>
           </a:p>
@@ -2127,7 +2133,7 @@
           <a:p>
             <a:fld id="{D2B4B1F1-4DA7-425D-9E74-9CCF332327A2}" type="datetimeFigureOut">
               <a:rPr lang="zh-CN" altLang="en-US" smtClean="0"/>
-              <a:t>2023/1/26</a:t>
+              <a:t>2023/1/28</a:t>
             </a:fld>
             <a:endParaRPr lang="zh-CN" altLang="en-US"/>
           </a:p>
@@ -2380,7 +2386,7 @@
           <a:p>
             <a:fld id="{D2B4B1F1-4DA7-425D-9E74-9CCF332327A2}" type="datetimeFigureOut">
               <a:rPr lang="zh-CN" altLang="en-US" smtClean="0"/>
-              <a:t>2023/1/26</a:t>
+              <a:t>2023/1/28</a:t>
             </a:fld>
             <a:endParaRPr lang="zh-CN" altLang="en-US"/>
           </a:p>
@@ -2593,7 +2599,7 @@
           <a:p>
             <a:fld id="{D2B4B1F1-4DA7-425D-9E74-9CCF332327A2}" type="datetimeFigureOut">
               <a:rPr lang="zh-CN" altLang="en-US" smtClean="0"/>
-              <a:t>2023/1/26</a:t>
+              <a:t>2023/1/28</a:t>
             </a:fld>
             <a:endParaRPr lang="zh-CN" altLang="en-US"/>
           </a:p>
@@ -3004,7 +3010,7 @@
           <p:cNvPr id="10" name="iSHEJI-1">
             <a:extLst>
               <a:ext uri="{FF2B5EF4-FFF2-40B4-BE49-F238E27FC236}">
-                <a16:creationId xmlns:a16="http://schemas.microsoft.com/office/drawing/2014/main" xmlns="" id="{B4200114-5EBD-FC13-ECB3-F673A8764AEB}"/>
+                <a16:creationId xmlns="" xmlns:a16="http://schemas.microsoft.com/office/drawing/2014/main" id="{B4200114-5EBD-FC13-ECB3-F673A8764AEB}"/>
               </a:ext>
             </a:extLst>
           </p:cNvPr>
@@ -3061,7 +3067,7 @@
           <p:cNvPr id="13" name="iSHEJI-2">
             <a:extLst>
               <a:ext uri="{FF2B5EF4-FFF2-40B4-BE49-F238E27FC236}">
-                <a16:creationId xmlns:a16="http://schemas.microsoft.com/office/drawing/2014/main" xmlns="" id="{961D4E6A-BCB0-3883-E8B4-08048918D882}"/>
+                <a16:creationId xmlns="" xmlns:a16="http://schemas.microsoft.com/office/drawing/2014/main" id="{961D4E6A-BCB0-3883-E8B4-08048918D882}"/>
               </a:ext>
             </a:extLst>
           </p:cNvPr>
@@ -3097,7 +3103,7 @@
           <p:cNvPr id="14" name="iSHEJI-3">
             <a:extLst>
               <a:ext uri="{FF2B5EF4-FFF2-40B4-BE49-F238E27FC236}">
-                <a16:creationId xmlns:a16="http://schemas.microsoft.com/office/drawing/2014/main" xmlns="" id="{913128C2-FD54-FA7A-7F19-1877B6D45AF4}"/>
+                <a16:creationId xmlns="" xmlns:a16="http://schemas.microsoft.com/office/drawing/2014/main" id="{913128C2-FD54-FA7A-7F19-1877B6D45AF4}"/>
               </a:ext>
             </a:extLst>
           </p:cNvPr>
@@ -3195,7 +3201,7 @@
           <p:cNvPr id="15" name="iSHEJI-4">
             <a:extLst>
               <a:ext uri="{FF2B5EF4-FFF2-40B4-BE49-F238E27FC236}">
-                <a16:creationId xmlns:a16="http://schemas.microsoft.com/office/drawing/2014/main" xmlns="" id="{D818FD82-A51E-C8E9-67C4-B085A1695D24}"/>
+                <a16:creationId xmlns="" xmlns:a16="http://schemas.microsoft.com/office/drawing/2014/main" id="{D818FD82-A51E-C8E9-67C4-B085A1695D24}"/>
               </a:ext>
             </a:extLst>
           </p:cNvPr>
@@ -3295,7 +3301,7 @@
           <p:cNvPr id="20" name="iSHEJI-6">
             <a:extLst>
               <a:ext uri="{FF2B5EF4-FFF2-40B4-BE49-F238E27FC236}">
-                <a16:creationId xmlns:a16="http://schemas.microsoft.com/office/drawing/2014/main" xmlns="" id="{F9F39327-228E-5F56-87E7-B10151AD4011}"/>
+                <a16:creationId xmlns="" xmlns:a16="http://schemas.microsoft.com/office/drawing/2014/main" id="{F9F39327-228E-5F56-87E7-B10151AD4011}"/>
               </a:ext>
             </a:extLst>
           </p:cNvPr>
@@ -3364,7 +3370,7 @@
           <p:cNvPr id="22" name="iSHEJI-7">
             <a:extLst>
               <a:ext uri="{FF2B5EF4-FFF2-40B4-BE49-F238E27FC236}">
-                <a16:creationId xmlns:a16="http://schemas.microsoft.com/office/drawing/2014/main" xmlns="" id="{66A93946-C575-5884-B850-596DD83126D5}"/>
+                <a16:creationId xmlns="" xmlns:a16="http://schemas.microsoft.com/office/drawing/2014/main" id="{66A93946-C575-5884-B850-596DD83126D5}"/>
               </a:ext>
             </a:extLst>
           </p:cNvPr>
@@ -3419,7 +3425,7 @@
           <p:cNvPr id="31" name="iSHEJI-10">
             <a:extLst>
               <a:ext uri="{FF2B5EF4-FFF2-40B4-BE49-F238E27FC236}">
-                <a16:creationId xmlns:a16="http://schemas.microsoft.com/office/drawing/2014/main" xmlns="" id="{08D13A22-CB76-AD55-3EAE-B689110F3DDB}"/>
+                <a16:creationId xmlns="" xmlns:a16="http://schemas.microsoft.com/office/drawing/2014/main" id="{08D13A22-CB76-AD55-3EAE-B689110F3DDB}"/>
               </a:ext>
             </a:extLst>
           </p:cNvPr>
@@ -3462,7 +3468,7 @@
           <p:cNvPr id="26" name="iSHEJI-11">
             <a:extLst>
               <a:ext uri="{FF2B5EF4-FFF2-40B4-BE49-F238E27FC236}">
-                <a16:creationId xmlns:a16="http://schemas.microsoft.com/office/drawing/2014/main" xmlns="" id="{587D2A64-05DD-1D9C-3118-EF1387F00DCD}"/>
+                <a16:creationId xmlns="" xmlns:a16="http://schemas.microsoft.com/office/drawing/2014/main" id="{587D2A64-05DD-1D9C-3118-EF1387F00DCD}"/>
               </a:ext>
             </a:extLst>
           </p:cNvPr>
@@ -3525,7 +3531,7 @@
           <p:cNvPr id="27" name="iSHEJI-12">
             <a:extLst>
               <a:ext uri="{FF2B5EF4-FFF2-40B4-BE49-F238E27FC236}">
-                <a16:creationId xmlns:a16="http://schemas.microsoft.com/office/drawing/2014/main" xmlns="" id="{615485FE-9529-8F96-E733-DF53F13EA6FD}"/>
+                <a16:creationId xmlns="" xmlns:a16="http://schemas.microsoft.com/office/drawing/2014/main" id="{615485FE-9529-8F96-E733-DF53F13EA6FD}"/>
               </a:ext>
             </a:extLst>
           </p:cNvPr>
@@ -3590,7 +3596,7 @@
           <p:cNvPr id="28" name="iSHEJI-13">
             <a:extLst>
               <a:ext uri="{FF2B5EF4-FFF2-40B4-BE49-F238E27FC236}">
-                <a16:creationId xmlns:a16="http://schemas.microsoft.com/office/drawing/2014/main" xmlns="" id="{9F65F667-3C6B-4DF9-0DC8-3DAD2DEF8327}"/>
+                <a16:creationId xmlns="" xmlns:a16="http://schemas.microsoft.com/office/drawing/2014/main" id="{9F65F667-3C6B-4DF9-0DC8-3DAD2DEF8327}"/>
               </a:ext>
             </a:extLst>
           </p:cNvPr>
@@ -3653,7 +3659,7 @@
           <p:cNvPr id="29" name="iSHEJI-14">
             <a:extLst>
               <a:ext uri="{FF2B5EF4-FFF2-40B4-BE49-F238E27FC236}">
-                <a16:creationId xmlns:a16="http://schemas.microsoft.com/office/drawing/2014/main" xmlns="" id="{D0D1EDBA-892E-A54E-0884-860A7F59EC8B}"/>
+                <a16:creationId xmlns="" xmlns:a16="http://schemas.microsoft.com/office/drawing/2014/main" id="{D0D1EDBA-892E-A54E-0884-860A7F59EC8B}"/>
               </a:ext>
             </a:extLst>
           </p:cNvPr>
@@ -3783,7 +3789,7 @@
           <p:cNvPr id="32" name="iSHEJI-1">
             <a:extLst>
               <a:ext uri="{FF2B5EF4-FFF2-40B4-BE49-F238E27FC236}">
-                <a16:creationId xmlns:a16="http://schemas.microsoft.com/office/drawing/2014/main" xmlns="" id="{441F2787-28D0-1E21-F22C-6EC463A666B9}"/>
+                <a16:creationId xmlns="" xmlns:a16="http://schemas.microsoft.com/office/drawing/2014/main" id="{441F2787-28D0-1E21-F22C-6EC463A666B9}"/>
               </a:ext>
             </a:extLst>
           </p:cNvPr>
@@ -3842,7 +3848,7 @@
           <p:cNvPr id="33" name="iSHEJI-2">
             <a:extLst>
               <a:ext uri="{FF2B5EF4-FFF2-40B4-BE49-F238E27FC236}">
-                <a16:creationId xmlns:a16="http://schemas.microsoft.com/office/drawing/2014/main" xmlns="" id="{8496629A-A220-7E9E-A598-42703A24CC5F}"/>
+                <a16:creationId xmlns="" xmlns:a16="http://schemas.microsoft.com/office/drawing/2014/main" id="{8496629A-A220-7E9E-A598-42703A24CC5F}"/>
               </a:ext>
             </a:extLst>
           </p:cNvPr>
@@ -3897,7 +3903,7 @@
           <p:cNvPr id="13" name="iSHEJI-4">
             <a:extLst>
               <a:ext uri="{FF2B5EF4-FFF2-40B4-BE49-F238E27FC236}">
-                <a16:creationId xmlns:a16="http://schemas.microsoft.com/office/drawing/2014/main" xmlns="" id="{519CCD01-8B55-9F47-49E8-EB94BDA9B143}"/>
+                <a16:creationId xmlns="" xmlns:a16="http://schemas.microsoft.com/office/drawing/2014/main" id="{519CCD01-8B55-9F47-49E8-EB94BDA9B143}"/>
               </a:ext>
             </a:extLst>
           </p:cNvPr>
@@ -3966,7 +3972,7 @@
           <p:cNvPr id="14" name="iSHEJI-5">
             <a:extLst>
               <a:ext uri="{FF2B5EF4-FFF2-40B4-BE49-F238E27FC236}">
-                <a16:creationId xmlns:a16="http://schemas.microsoft.com/office/drawing/2014/main" xmlns="" id="{0FB4D3CB-E481-1254-B5DF-BBE0C0C41093}"/>
+                <a16:creationId xmlns="" xmlns:a16="http://schemas.microsoft.com/office/drawing/2014/main" id="{0FB4D3CB-E481-1254-B5DF-BBE0C0C41093}"/>
               </a:ext>
             </a:extLst>
           </p:cNvPr>
@@ -4040,7 +4046,7 @@
           <p:cNvPr id="28" name="iSHEJI-13">
             <a:extLst>
               <a:ext uri="{FF2B5EF4-FFF2-40B4-BE49-F238E27FC236}">
-                <a16:creationId xmlns:a16="http://schemas.microsoft.com/office/drawing/2014/main" xmlns="" id="{5E5E03D1-6CAB-EC36-48E7-8C089D23861A}"/>
+                <a16:creationId xmlns="" xmlns:a16="http://schemas.microsoft.com/office/drawing/2014/main" id="{5E5E03D1-6CAB-EC36-48E7-8C089D23861A}"/>
               </a:ext>
             </a:extLst>
           </p:cNvPr>
@@ -4109,7 +4115,7 @@
           <p:cNvPr id="29" name="iSHEJI-14">
             <a:extLst>
               <a:ext uri="{FF2B5EF4-FFF2-40B4-BE49-F238E27FC236}">
-                <a16:creationId xmlns:a16="http://schemas.microsoft.com/office/drawing/2014/main" xmlns="" id="{19BD378E-9994-29CE-A0A2-D2455449D86B}"/>
+                <a16:creationId xmlns="" xmlns:a16="http://schemas.microsoft.com/office/drawing/2014/main" id="{19BD378E-9994-29CE-A0A2-D2455449D86B}"/>
               </a:ext>
             </a:extLst>
           </p:cNvPr>
@@ -4178,7 +4184,7 @@
           <p:cNvPr id="31" name="iSHEJI-16">
             <a:extLst>
               <a:ext uri="{FF2B5EF4-FFF2-40B4-BE49-F238E27FC236}">
-                <a16:creationId xmlns:a16="http://schemas.microsoft.com/office/drawing/2014/main" xmlns="" id="{7BBD72A9-5114-8E4C-5410-B493E568AA35}"/>
+                <a16:creationId xmlns="" xmlns:a16="http://schemas.microsoft.com/office/drawing/2014/main" id="{7BBD72A9-5114-8E4C-5410-B493E568AA35}"/>
               </a:ext>
             </a:extLst>
           </p:cNvPr>
@@ -4239,7 +4245,7 @@
           <p:cNvPr id="3" name="iSHEJI-17">
             <a:extLst>
               <a:ext uri="{FF2B5EF4-FFF2-40B4-BE49-F238E27FC236}">
-                <a16:creationId xmlns:a16="http://schemas.microsoft.com/office/drawing/2014/main" xmlns="" id="{BB951A73-D8B7-1D78-3A36-BB10BEF720A5}"/>
+                <a16:creationId xmlns="" xmlns:a16="http://schemas.microsoft.com/office/drawing/2014/main" id="{BB951A73-D8B7-1D78-3A36-BB10BEF720A5}"/>
               </a:ext>
             </a:extLst>
           </p:cNvPr>
@@ -4319,7 +4325,7 @@
           <p:cNvPr id="21" name="iSHEJI-4">
             <a:extLst>
               <a:ext uri="{FF2B5EF4-FFF2-40B4-BE49-F238E27FC236}">
-                <a16:creationId xmlns:a16="http://schemas.microsoft.com/office/drawing/2014/main" xmlns="" id="{D818FD82-A51E-C8E9-67C4-B085A1695D24}"/>
+                <a16:creationId xmlns="" xmlns:a16="http://schemas.microsoft.com/office/drawing/2014/main" id="{D818FD82-A51E-C8E9-67C4-B085A1695D24}"/>
               </a:ext>
             </a:extLst>
           </p:cNvPr>
@@ -4491,7 +4497,7 @@
           <p:cNvPr id="25" name="iSHEJI-5">
             <a:extLst>
               <a:ext uri="{FF2B5EF4-FFF2-40B4-BE49-F238E27FC236}">
-                <a16:creationId xmlns:a16="http://schemas.microsoft.com/office/drawing/2014/main" xmlns="" id="{0FB4D3CB-E481-1254-B5DF-BBE0C0C41093}"/>
+                <a16:creationId xmlns="" xmlns:a16="http://schemas.microsoft.com/office/drawing/2014/main" id="{0FB4D3CB-E481-1254-B5DF-BBE0C0C41093}"/>
               </a:ext>
             </a:extLst>
           </p:cNvPr>
@@ -4565,7 +4571,7 @@
           <p:cNvPr id="34" name="iSHEJI-5">
             <a:extLst>
               <a:ext uri="{FF2B5EF4-FFF2-40B4-BE49-F238E27FC236}">
-                <a16:creationId xmlns:a16="http://schemas.microsoft.com/office/drawing/2014/main" xmlns="" id="{0FB4D3CB-E481-1254-B5DF-BBE0C0C41093}"/>
+                <a16:creationId xmlns="" xmlns:a16="http://schemas.microsoft.com/office/drawing/2014/main" id="{0FB4D3CB-E481-1254-B5DF-BBE0C0C41093}"/>
               </a:ext>
             </a:extLst>
           </p:cNvPr>
@@ -4622,6 +4628,160 @@
                 <a:cs typeface="阿里巴巴普惠体 2.0 95 ExtraBold" panose="00020600040101010101" pitchFamily="18" charset="-122"/>
               </a:rPr>
               <a:t>大致方向以及内容</a:t>
+            </a:r>
+            <a:endParaRPr lang="zh-CN" altLang="en-US" sz="2800" spc="0" dirty="0">
+              <a:solidFill>
+                <a:schemeClr val="tx1"/>
+              </a:solidFill>
+              <a:latin typeface="阿里巴巴普惠体 2.0 95 ExtraBold" panose="00020600040101010101" pitchFamily="18" charset="-122"/>
+              <a:ea typeface="阿里巴巴普惠体 2.0 95 ExtraBold" panose="00020600040101010101" pitchFamily="18" charset="-122"/>
+              <a:cs typeface="阿里巴巴普惠体 2.0 95 ExtraBold" panose="00020600040101010101" pitchFamily="18" charset="-122"/>
+            </a:endParaRPr>
+          </a:p>
+        </p:txBody>
+      </p:sp>
+      <p:sp>
+        <p:nvSpPr>
+          <p:cNvPr id="15" name="iSHEJI-14">
+            <a:extLst>
+              <a:ext uri="{FF2B5EF4-FFF2-40B4-BE49-F238E27FC236}">
+                <a16:creationId xmlns="" xmlns:a16="http://schemas.microsoft.com/office/drawing/2014/main" id="{19BD378E-9994-29CE-A0A2-D2455449D86B}"/>
+              </a:ext>
+            </a:extLst>
+          </p:cNvPr>
+          <p:cNvSpPr/>
+          <p:nvPr/>
+        </p:nvSpPr>
+        <p:spPr>
+          <a:xfrm>
+            <a:off x="2293819" y="4887077"/>
+            <a:ext cx="382699" cy="553998"/>
+          </a:xfrm>
+          <a:prstGeom prst="rect">
+            <a:avLst/>
+          </a:prstGeom>
+          <a:noFill/>
+          <a:ln>
+            <a:noFill/>
+          </a:ln>
+        </p:spPr>
+        <p:style>
+          <a:lnRef idx="2">
+            <a:schemeClr val="accent1">
+              <a:shade val="50000"/>
+            </a:schemeClr>
+          </a:lnRef>
+          <a:fillRef idx="1">
+            <a:schemeClr val="accent1"/>
+          </a:fillRef>
+          <a:effectRef idx="0">
+            <a:schemeClr val="accent1"/>
+          </a:effectRef>
+          <a:fontRef idx="minor">
+            <a:schemeClr val="lt1"/>
+          </a:fontRef>
+        </p:style>
+        <p:txBody>
+          <a:bodyPr wrap="square" lIns="0" tIns="0" rIns="0" bIns="0" rtlCol="0" anchor="ctr">
+            <a:spAutoFit/>
+          </a:bodyPr>
+          <a:lstStyle/>
+          <a:p>
+            <a:r>
+              <a:rPr lang="en-US" altLang="zh-CN" sz="3600" dirty="0">
+                <a:solidFill>
+                  <a:schemeClr val="accent1"/>
+                </a:solidFill>
+                <a:latin typeface="阿里巴巴普惠体 2.0 95 ExtraBold" panose="00020600040101010101" pitchFamily="18" charset="-122"/>
+                <a:ea typeface="阿里巴巴普惠体 2.0 95 ExtraBold" panose="00020600040101010101" pitchFamily="18" charset="-122"/>
+                <a:cs typeface="阿里巴巴普惠体 2.0 95 ExtraBold" panose="00020600040101010101" pitchFamily="18" charset="-122"/>
+              </a:rPr>
+              <a:t>4</a:t>
+            </a:r>
+            <a:r>
+              <a:rPr lang="en-US" altLang="zh-CN" sz="3600" dirty="0" smtClean="0">
+                <a:solidFill>
+                  <a:schemeClr val="accent1"/>
+                </a:solidFill>
+                <a:latin typeface="阿里巴巴普惠体 2.0 95 ExtraBold" panose="00020600040101010101" pitchFamily="18" charset="-122"/>
+                <a:ea typeface="阿里巴巴普惠体 2.0 95 ExtraBold" panose="00020600040101010101" pitchFamily="18" charset="-122"/>
+                <a:cs typeface="阿里巴巴普惠体 2.0 95 ExtraBold" panose="00020600040101010101" pitchFamily="18" charset="-122"/>
+              </a:rPr>
+              <a:t>.</a:t>
+            </a:r>
+            <a:endParaRPr lang="zh-CN" altLang="en-US" sz="3600" dirty="0">
+              <a:solidFill>
+                <a:schemeClr val="accent1"/>
+              </a:solidFill>
+              <a:latin typeface="阿里巴巴普惠体 2.0 95 ExtraBold" panose="00020600040101010101" pitchFamily="18" charset="-122"/>
+              <a:ea typeface="阿里巴巴普惠体 2.0 95 ExtraBold" panose="00020600040101010101" pitchFamily="18" charset="-122"/>
+              <a:cs typeface="阿里巴巴普惠体 2.0 95 ExtraBold" panose="00020600040101010101" pitchFamily="18" charset="-122"/>
+            </a:endParaRPr>
+          </a:p>
+        </p:txBody>
+      </p:sp>
+      <p:sp>
+        <p:nvSpPr>
+          <p:cNvPr id="16" name="iSHEJI-5">
+            <a:extLst>
+              <a:ext uri="{FF2B5EF4-FFF2-40B4-BE49-F238E27FC236}">
+                <a16:creationId xmlns="" xmlns:a16="http://schemas.microsoft.com/office/drawing/2014/main" id="{0FB4D3CB-E481-1254-B5DF-BBE0C0C41093}"/>
+              </a:ext>
+            </a:extLst>
+          </p:cNvPr>
+          <p:cNvSpPr txBox="1"/>
+          <p:nvPr/>
+        </p:nvSpPr>
+        <p:spPr>
+          <a:xfrm>
+            <a:off x="2874403" y="4948632"/>
+            <a:ext cx="3028455" cy="430887"/>
+          </a:xfrm>
+          <a:prstGeom prst="rect">
+            <a:avLst/>
+          </a:prstGeom>
+          <a:noFill/>
+        </p:spPr>
+        <p:txBody>
+          <a:bodyPr wrap="square" lIns="0" tIns="0" rIns="0" bIns="0" rtlCol="0">
+            <a:spAutoFit/>
+          </a:bodyPr>
+          <a:lstStyle>
+            <a:defPPr>
+              <a:defRPr lang="zh-CN"/>
+            </a:defPPr>
+            <a:lvl1pPr>
+              <a:defRPr sz="3200" spc="300">
+                <a:gradFill>
+                  <a:gsLst>
+                    <a:gs pos="0">
+                      <a:schemeClr val="bg1"/>
+                    </a:gs>
+                    <a:gs pos="100000">
+                      <a:schemeClr val="accent4"/>
+                    </a:gs>
+                  </a:gsLst>
+                  <a:lin ang="2700000" scaled="0"/>
+                </a:gradFill>
+                <a:latin typeface="+mj-ea"/>
+                <a:ea typeface="+mj-ea"/>
+              </a:defRPr>
+            </a:lvl1pPr>
+          </a:lstStyle>
+          <a:p>
+            <a:pPr lvl="0">
+              <a:defRPr/>
+            </a:pPr>
+            <a:r>
+              <a:rPr lang="zh-CN" altLang="en-US" sz="2800" spc="0" dirty="0" smtClean="0">
+                <a:solidFill>
+                  <a:schemeClr val="tx1"/>
+                </a:solidFill>
+                <a:latin typeface="阿里巴巴普惠体 2.0 95 ExtraBold" panose="00020600040101010101" pitchFamily="18" charset="-122"/>
+                <a:ea typeface="阿里巴巴普惠体 2.0 95 ExtraBold" panose="00020600040101010101" pitchFamily="18" charset="-122"/>
+                <a:cs typeface="阿里巴巴普惠体 2.0 95 ExtraBold" panose="00020600040101010101" pitchFamily="18" charset="-122"/>
+              </a:rPr>
+              <a:t>链接地址</a:t>
             </a:r>
             <a:endParaRPr lang="zh-CN" altLang="en-US" sz="2800" spc="0" dirty="0">
               <a:solidFill>
@@ -4676,7 +4836,7 @@
           <p:cNvPr id="32" name="iSHEJI-1">
             <a:extLst>
               <a:ext uri="{FF2B5EF4-FFF2-40B4-BE49-F238E27FC236}">
-                <a16:creationId xmlns:a16="http://schemas.microsoft.com/office/drawing/2014/main" xmlns="" id="{441F2787-28D0-1E21-F22C-6EC463A666B9}"/>
+                <a16:creationId xmlns="" xmlns:a16="http://schemas.microsoft.com/office/drawing/2014/main" id="{441F2787-28D0-1E21-F22C-6EC463A666B9}"/>
               </a:ext>
             </a:extLst>
           </p:cNvPr>
@@ -4735,7 +4895,7 @@
           <p:cNvPr id="33" name="iSHEJI-2">
             <a:extLst>
               <a:ext uri="{FF2B5EF4-FFF2-40B4-BE49-F238E27FC236}">
-                <a16:creationId xmlns:a16="http://schemas.microsoft.com/office/drawing/2014/main" xmlns="" id="{8496629A-A220-7E9E-A598-42703A24CC5F}"/>
+                <a16:creationId xmlns="" xmlns:a16="http://schemas.microsoft.com/office/drawing/2014/main" id="{8496629A-A220-7E9E-A598-42703A24CC5F}"/>
               </a:ext>
             </a:extLst>
           </p:cNvPr>
@@ -4790,7 +4950,7 @@
           <p:cNvPr id="5" name="iSHEJI-4">
             <a:extLst>
               <a:ext uri="{FF2B5EF4-FFF2-40B4-BE49-F238E27FC236}">
-                <a16:creationId xmlns:a16="http://schemas.microsoft.com/office/drawing/2014/main" xmlns="" id="{AA442847-1164-D9D3-EAAC-666A8D5FE80B}"/>
+                <a16:creationId xmlns="" xmlns:a16="http://schemas.microsoft.com/office/drawing/2014/main" id="{AA442847-1164-D9D3-EAAC-666A8D5FE80B}"/>
               </a:ext>
             </a:extLst>
           </p:cNvPr>
@@ -4870,7 +5030,7 @@
           <p:cNvPr id="10" name="iSHEJI-8">
             <a:extLst>
               <a:ext uri="{FF2B5EF4-FFF2-40B4-BE49-F238E27FC236}">
-                <a16:creationId xmlns:a16="http://schemas.microsoft.com/office/drawing/2014/main" xmlns="" id="{954189D8-6B9F-6CBC-8BD7-3755D3A8FB9D}"/>
+                <a16:creationId xmlns="" xmlns:a16="http://schemas.microsoft.com/office/drawing/2014/main" id="{954189D8-6B9F-6CBC-8BD7-3755D3A8FB9D}"/>
               </a:ext>
             </a:extLst>
           </p:cNvPr>
@@ -4987,7 +5147,7 @@
           <p:cNvPr id="12" name="iSHEJI-9">
             <a:extLst>
               <a:ext uri="{FF2B5EF4-FFF2-40B4-BE49-F238E27FC236}">
-                <a16:creationId xmlns:a16="http://schemas.microsoft.com/office/drawing/2014/main" xmlns="" id="{8F6B881E-7CB0-07FF-3526-D6C3EE0C5255}"/>
+                <a16:creationId xmlns="" xmlns:a16="http://schemas.microsoft.com/office/drawing/2014/main" id="{8F6B881E-7CB0-07FF-3526-D6C3EE0C5255}"/>
               </a:ext>
             </a:extLst>
           </p:cNvPr>
@@ -5031,7 +5191,7 @@
           <p:cNvPr id="11" name="iSHEJI-8">
             <a:extLst>
               <a:ext uri="{FF2B5EF4-FFF2-40B4-BE49-F238E27FC236}">
-                <a16:creationId xmlns:a16="http://schemas.microsoft.com/office/drawing/2014/main" xmlns="" id="{954189D8-6B9F-6CBC-8BD7-3755D3A8FB9D}"/>
+                <a16:creationId xmlns="" xmlns:a16="http://schemas.microsoft.com/office/drawing/2014/main" id="{954189D8-6B9F-6CBC-8BD7-3755D3A8FB9D}"/>
               </a:ext>
             </a:extLst>
           </p:cNvPr>
@@ -5159,7 +5319,7 @@
           <p:cNvPr id="13" name="iSHEJI-8">
             <a:extLst>
               <a:ext uri="{FF2B5EF4-FFF2-40B4-BE49-F238E27FC236}">
-                <a16:creationId xmlns:a16="http://schemas.microsoft.com/office/drawing/2014/main" xmlns="" id="{954189D8-6B9F-6CBC-8BD7-3755D3A8FB9D}"/>
+                <a16:creationId xmlns="" xmlns:a16="http://schemas.microsoft.com/office/drawing/2014/main" id="{954189D8-6B9F-6CBC-8BD7-3755D3A8FB9D}"/>
               </a:ext>
             </a:extLst>
           </p:cNvPr>
@@ -5281,7 +5441,7 @@
           <p:cNvPr id="14" name="iSHEJI-4">
             <a:extLst>
               <a:ext uri="{FF2B5EF4-FFF2-40B4-BE49-F238E27FC236}">
-                <a16:creationId xmlns:a16="http://schemas.microsoft.com/office/drawing/2014/main" xmlns="" id="{D818FD82-A51E-C8E9-67C4-B085A1695D24}"/>
+                <a16:creationId xmlns="" xmlns:a16="http://schemas.microsoft.com/office/drawing/2014/main" id="{D818FD82-A51E-C8E9-67C4-B085A1695D24}"/>
               </a:ext>
             </a:extLst>
           </p:cNvPr>
@@ -5490,7 +5650,7 @@
           <p:cNvPr id="32" name="iSHEJI-1">
             <a:extLst>
               <a:ext uri="{FF2B5EF4-FFF2-40B4-BE49-F238E27FC236}">
-                <a16:creationId xmlns:a16="http://schemas.microsoft.com/office/drawing/2014/main" xmlns="" id="{441F2787-28D0-1E21-F22C-6EC463A666B9}"/>
+                <a16:creationId xmlns="" xmlns:a16="http://schemas.microsoft.com/office/drawing/2014/main" id="{441F2787-28D0-1E21-F22C-6EC463A666B9}"/>
               </a:ext>
             </a:extLst>
           </p:cNvPr>
@@ -5549,7 +5709,7 @@
           <p:cNvPr id="33" name="iSHEJI-2">
             <a:extLst>
               <a:ext uri="{FF2B5EF4-FFF2-40B4-BE49-F238E27FC236}">
-                <a16:creationId xmlns:a16="http://schemas.microsoft.com/office/drawing/2014/main" xmlns="" id="{8496629A-A220-7E9E-A598-42703A24CC5F}"/>
+                <a16:creationId xmlns="" xmlns:a16="http://schemas.microsoft.com/office/drawing/2014/main" id="{8496629A-A220-7E9E-A598-42703A24CC5F}"/>
               </a:ext>
             </a:extLst>
           </p:cNvPr>
@@ -5604,7 +5764,7 @@
           <p:cNvPr id="5" name="iSHEJI-4">
             <a:extLst>
               <a:ext uri="{FF2B5EF4-FFF2-40B4-BE49-F238E27FC236}">
-                <a16:creationId xmlns:a16="http://schemas.microsoft.com/office/drawing/2014/main" xmlns="" id="{AA442847-1164-D9D3-EAAC-666A8D5FE80B}"/>
+                <a16:creationId xmlns="" xmlns:a16="http://schemas.microsoft.com/office/drawing/2014/main" id="{AA442847-1164-D9D3-EAAC-666A8D5FE80B}"/>
               </a:ext>
             </a:extLst>
           </p:cNvPr>
@@ -5684,7 +5844,7 @@
           <p:cNvPr id="10" name="iSHEJI-8">
             <a:extLst>
               <a:ext uri="{FF2B5EF4-FFF2-40B4-BE49-F238E27FC236}">
-                <a16:creationId xmlns:a16="http://schemas.microsoft.com/office/drawing/2014/main" xmlns="" id="{954189D8-6B9F-6CBC-8BD7-3755D3A8FB9D}"/>
+                <a16:creationId xmlns="" xmlns:a16="http://schemas.microsoft.com/office/drawing/2014/main" id="{954189D8-6B9F-6CBC-8BD7-3755D3A8FB9D}"/>
               </a:ext>
             </a:extLst>
           </p:cNvPr>
@@ -5795,7 +5955,7 @@
           <p:cNvPr id="12" name="iSHEJI-9">
             <a:extLst>
               <a:ext uri="{FF2B5EF4-FFF2-40B4-BE49-F238E27FC236}">
-                <a16:creationId xmlns:a16="http://schemas.microsoft.com/office/drawing/2014/main" xmlns="" id="{8F6B881E-7CB0-07FF-3526-D6C3EE0C5255}"/>
+                <a16:creationId xmlns="" xmlns:a16="http://schemas.microsoft.com/office/drawing/2014/main" id="{8F6B881E-7CB0-07FF-3526-D6C3EE0C5255}"/>
               </a:ext>
             </a:extLst>
           </p:cNvPr>
@@ -5839,7 +5999,7 @@
           <p:cNvPr id="11" name="iSHEJI-8">
             <a:extLst>
               <a:ext uri="{FF2B5EF4-FFF2-40B4-BE49-F238E27FC236}">
-                <a16:creationId xmlns:a16="http://schemas.microsoft.com/office/drawing/2014/main" xmlns="" id="{954189D8-6B9F-6CBC-8BD7-3755D3A8FB9D}"/>
+                <a16:creationId xmlns="" xmlns:a16="http://schemas.microsoft.com/office/drawing/2014/main" id="{954189D8-6B9F-6CBC-8BD7-3755D3A8FB9D}"/>
               </a:ext>
             </a:extLst>
           </p:cNvPr>
@@ -5961,7 +6121,7 @@
           <p:cNvPr id="13" name="iSHEJI-8">
             <a:extLst>
               <a:ext uri="{FF2B5EF4-FFF2-40B4-BE49-F238E27FC236}">
-                <a16:creationId xmlns:a16="http://schemas.microsoft.com/office/drawing/2014/main" xmlns="" id="{954189D8-6B9F-6CBC-8BD7-3755D3A8FB9D}"/>
+                <a16:creationId xmlns="" xmlns:a16="http://schemas.microsoft.com/office/drawing/2014/main" id="{954189D8-6B9F-6CBC-8BD7-3755D3A8FB9D}"/>
               </a:ext>
             </a:extLst>
           </p:cNvPr>
@@ -6083,7 +6243,7 @@
           <p:cNvPr id="14" name="iSHEJI-4">
             <a:extLst>
               <a:ext uri="{FF2B5EF4-FFF2-40B4-BE49-F238E27FC236}">
-                <a16:creationId xmlns:a16="http://schemas.microsoft.com/office/drawing/2014/main" xmlns="" id="{D818FD82-A51E-C8E9-67C4-B085A1695D24}"/>
+                <a16:creationId xmlns="" xmlns:a16="http://schemas.microsoft.com/office/drawing/2014/main" id="{D818FD82-A51E-C8E9-67C4-B085A1695D24}"/>
               </a:ext>
             </a:extLst>
           </p:cNvPr>
@@ -6255,7 +6415,7 @@
           <p:cNvPr id="15" name="iSHEJI-8">
             <a:extLst>
               <a:ext uri="{FF2B5EF4-FFF2-40B4-BE49-F238E27FC236}">
-                <a16:creationId xmlns:a16="http://schemas.microsoft.com/office/drawing/2014/main" xmlns="" id="{954189D8-6B9F-6CBC-8BD7-3755D3A8FB9D}"/>
+                <a16:creationId xmlns="" xmlns:a16="http://schemas.microsoft.com/office/drawing/2014/main" id="{954189D8-6B9F-6CBC-8BD7-3755D3A8FB9D}"/>
               </a:ext>
             </a:extLst>
           </p:cNvPr>
@@ -6414,7 +6574,7 @@
           <p:cNvPr id="32" name="iSHEJI-1">
             <a:extLst>
               <a:ext uri="{FF2B5EF4-FFF2-40B4-BE49-F238E27FC236}">
-                <a16:creationId xmlns:a16="http://schemas.microsoft.com/office/drawing/2014/main" xmlns="" id="{441F2787-28D0-1E21-F22C-6EC463A666B9}"/>
+                <a16:creationId xmlns="" xmlns:a16="http://schemas.microsoft.com/office/drawing/2014/main" id="{441F2787-28D0-1E21-F22C-6EC463A666B9}"/>
               </a:ext>
             </a:extLst>
           </p:cNvPr>
@@ -6473,7 +6633,7 @@
           <p:cNvPr id="33" name="iSHEJI-2">
             <a:extLst>
               <a:ext uri="{FF2B5EF4-FFF2-40B4-BE49-F238E27FC236}">
-                <a16:creationId xmlns:a16="http://schemas.microsoft.com/office/drawing/2014/main" xmlns="" id="{8496629A-A220-7E9E-A598-42703A24CC5F}"/>
+                <a16:creationId xmlns="" xmlns:a16="http://schemas.microsoft.com/office/drawing/2014/main" id="{8496629A-A220-7E9E-A598-42703A24CC5F}"/>
               </a:ext>
             </a:extLst>
           </p:cNvPr>
@@ -6528,7 +6688,7 @@
           <p:cNvPr id="5" name="iSHEJI-4">
             <a:extLst>
               <a:ext uri="{FF2B5EF4-FFF2-40B4-BE49-F238E27FC236}">
-                <a16:creationId xmlns:a16="http://schemas.microsoft.com/office/drawing/2014/main" xmlns="" id="{AA442847-1164-D9D3-EAAC-666A8D5FE80B}"/>
+                <a16:creationId xmlns="" xmlns:a16="http://schemas.microsoft.com/office/drawing/2014/main" id="{AA442847-1164-D9D3-EAAC-666A8D5FE80B}"/>
               </a:ext>
             </a:extLst>
           </p:cNvPr>
@@ -6538,7 +6698,7 @@
         <p:spPr>
           <a:xfrm>
             <a:off x="735806" y="618230"/>
-            <a:ext cx="6615608" cy="830997"/>
+            <a:ext cx="6615608" cy="2492990"/>
           </a:xfrm>
           <a:prstGeom prst="rect">
             <a:avLst/>
@@ -6584,7 +6744,66 @@
                 <a:ea typeface="阿里巴巴普惠体 2.0 95 ExtraBold" panose="00020600040101010101" pitchFamily="18" charset="-122"/>
                 <a:cs typeface="阿里巴巴普惠体 2.0 95 ExtraBold" panose="00020600040101010101" pitchFamily="18" charset="-122"/>
               </a:rPr>
-              <a:t>大致方向以及内容</a:t>
+              <a:t>大致</a:t>
+            </a:r>
+            <a:r>
+              <a:rPr lang="zh-CN" altLang="en-US" sz="5400" spc="0" dirty="0" smtClean="0">
+                <a:solidFill>
+                  <a:schemeClr val="tx1"/>
+                </a:solidFill>
+                <a:latin typeface="阿里巴巴普惠体 2.0 95 ExtraBold" panose="00020600040101010101" pitchFamily="18" charset="-122"/>
+                <a:ea typeface="阿里巴巴普惠体 2.0 95 ExtraBold" panose="00020600040101010101" pitchFamily="18" charset="-122"/>
+                <a:cs typeface="阿里巴巴普惠体 2.0 95 ExtraBold" panose="00020600040101010101" pitchFamily="18" charset="-122"/>
+              </a:rPr>
+              <a:t>方向</a:t>
+            </a:r>
+            <a:endParaRPr lang="en-US" altLang="zh-CN" sz="5400" spc="0" dirty="0" smtClean="0">
+              <a:solidFill>
+                <a:schemeClr val="tx1"/>
+              </a:solidFill>
+              <a:latin typeface="阿里巴巴普惠体 2.0 95 ExtraBold" panose="00020600040101010101" pitchFamily="18" charset="-122"/>
+              <a:ea typeface="阿里巴巴普惠体 2.0 95 ExtraBold" panose="00020600040101010101" pitchFamily="18" charset="-122"/>
+              <a:cs typeface="阿里巴巴普惠体 2.0 95 ExtraBold" panose="00020600040101010101" pitchFamily="18" charset="-122"/>
+            </a:endParaRPr>
+          </a:p>
+          <a:p>
+            <a:pPr lvl="0">
+              <a:defRPr/>
+            </a:pPr>
+            <a:r>
+              <a:rPr lang="zh-CN" altLang="en-US" sz="5400" spc="0" dirty="0" smtClean="0">
+                <a:solidFill>
+                  <a:schemeClr val="tx1"/>
+                </a:solidFill>
+                <a:latin typeface="阿里巴巴普惠体 2.0 95 ExtraBold" panose="00020600040101010101" pitchFamily="18" charset="-122"/>
+                <a:ea typeface="阿里巴巴普惠体 2.0 95 ExtraBold" panose="00020600040101010101" pitchFamily="18" charset="-122"/>
+                <a:cs typeface="阿里巴巴普惠体 2.0 95 ExtraBold" panose="00020600040101010101" pitchFamily="18" charset="-122"/>
+              </a:rPr>
+              <a:t>以及</a:t>
+            </a:r>
+            <a:endParaRPr lang="en-US" altLang="zh-CN" sz="5400" spc="0" dirty="0" smtClean="0">
+              <a:solidFill>
+                <a:schemeClr val="tx1"/>
+              </a:solidFill>
+              <a:latin typeface="阿里巴巴普惠体 2.0 95 ExtraBold" panose="00020600040101010101" pitchFamily="18" charset="-122"/>
+              <a:ea typeface="阿里巴巴普惠体 2.0 95 ExtraBold" panose="00020600040101010101" pitchFamily="18" charset="-122"/>
+              <a:cs typeface="阿里巴巴普惠体 2.0 95 ExtraBold" panose="00020600040101010101" pitchFamily="18" charset="-122"/>
+            </a:endParaRPr>
+          </a:p>
+          <a:p>
+            <a:pPr lvl="0">
+              <a:defRPr/>
+            </a:pPr>
+            <a:r>
+              <a:rPr lang="zh-CN" altLang="en-US" sz="5400" spc="0" dirty="0" smtClean="0">
+                <a:solidFill>
+                  <a:schemeClr val="tx1"/>
+                </a:solidFill>
+                <a:latin typeface="阿里巴巴普惠体 2.0 95 ExtraBold" panose="00020600040101010101" pitchFamily="18" charset="-122"/>
+                <a:ea typeface="阿里巴巴普惠体 2.0 95 ExtraBold" panose="00020600040101010101" pitchFamily="18" charset="-122"/>
+                <a:cs typeface="阿里巴巴普惠体 2.0 95 ExtraBold" panose="00020600040101010101" pitchFamily="18" charset="-122"/>
+              </a:rPr>
+              <a:t>内容</a:t>
             </a:r>
             <a:endParaRPr lang="zh-CN" altLang="en-US" sz="5400" spc="0" dirty="0">
               <a:solidFill>
@@ -6602,7 +6821,7 @@
           <p:cNvPr id="14" name="iSHEJI-4">
             <a:extLst>
               <a:ext uri="{FF2B5EF4-FFF2-40B4-BE49-F238E27FC236}">
-                <a16:creationId xmlns:a16="http://schemas.microsoft.com/office/drawing/2014/main" xmlns="" id="{D818FD82-A51E-C8E9-67C4-B085A1695D24}"/>
+                <a16:creationId xmlns="" xmlns:a16="http://schemas.microsoft.com/office/drawing/2014/main" id="{D818FD82-A51E-C8E9-67C4-B085A1695D24}"/>
               </a:ext>
             </a:extLst>
           </p:cNvPr>
@@ -6769,10 +6988,645 @@
           </a:p>
         </p:txBody>
       </p:sp>
+      <p:pic>
+        <p:nvPicPr>
+          <p:cNvPr id="2" name="图片 1"/>
+          <p:cNvPicPr>
+            <a:picLocks noChangeAspect="1"/>
+          </p:cNvPicPr>
+          <p:nvPr/>
+        </p:nvPicPr>
+        <p:blipFill>
+          <a:blip r:embed="rId2"/>
+          <a:stretch>
+            <a:fillRect/>
+          </a:stretch>
+        </p:blipFill>
+        <p:spPr>
+          <a:xfrm>
+            <a:off x="5379941" y="60013"/>
+            <a:ext cx="3338546" cy="6797987"/>
+          </a:xfrm>
+          <a:prstGeom prst="rect">
+            <a:avLst/>
+          </a:prstGeom>
+        </p:spPr>
+      </p:pic>
     </p:spTree>
     <p:extLst>
       <p:ext uri="{BB962C8B-B14F-4D97-AF65-F5344CB8AC3E}">
         <p14:creationId xmlns:p14="http://schemas.microsoft.com/office/powerpoint/2010/main" val="2215765090"/>
+      </p:ext>
+    </p:extLst>
+  </p:cSld>
+  <p:clrMapOvr>
+    <a:masterClrMapping/>
+  </p:clrMapOvr>
+  <p:timing>
+    <p:tnLst>
+      <p:par>
+        <p:cTn id="1" dur="indefinite" restart="never" nodeType="tmRoot"/>
+      </p:par>
+    </p:tnLst>
+  </p:timing>
+</p:sld>
+</file>
+
+<file path=ppt/slides/slide6.xml><?xml version="1.0" encoding="utf-8"?>
+<p:sld xmlns:a="http://schemas.openxmlformats.org/drawingml/2006/main" xmlns:r="http://schemas.openxmlformats.org/officeDocument/2006/relationships" xmlns:p="http://schemas.openxmlformats.org/presentationml/2006/main">
+  <p:cSld>
+    <p:spTree>
+      <p:nvGrpSpPr>
+        <p:cNvPr id="1" name=""/>
+        <p:cNvGrpSpPr/>
+        <p:nvPr/>
+      </p:nvGrpSpPr>
+      <p:grpSpPr>
+        <a:xfrm>
+          <a:off x="0" y="0"/>
+          <a:ext cx="0" cy="0"/>
+          <a:chOff x="0" y="0"/>
+          <a:chExt cx="0" cy="0"/>
+        </a:xfrm>
+      </p:grpSpPr>
+      <p:sp>
+        <p:nvSpPr>
+          <p:cNvPr id="32" name="iSHEJI-1">
+            <a:extLst>
+              <a:ext uri="{FF2B5EF4-FFF2-40B4-BE49-F238E27FC236}">
+                <a16:creationId xmlns="" xmlns:a16="http://schemas.microsoft.com/office/drawing/2014/main" id="{441F2787-28D0-1E21-F22C-6EC463A666B9}"/>
+              </a:ext>
+            </a:extLst>
+          </p:cNvPr>
+          <p:cNvSpPr/>
+          <p:nvPr/>
+        </p:nvSpPr>
+        <p:spPr>
+          <a:xfrm>
+            <a:off x="292354" y="196102"/>
+            <a:ext cx="609600" cy="712691"/>
+          </a:xfrm>
+          <a:prstGeom prst="rect">
+            <a:avLst/>
+          </a:prstGeom>
+          <a:noFill/>
+          <a:ln w="9525">
+            <a:solidFill>
+              <a:schemeClr val="tx1">
+                <a:lumMod val="50000"/>
+                <a:lumOff val="50000"/>
+              </a:schemeClr>
+            </a:solidFill>
+            <a:prstDash val="dash"/>
+          </a:ln>
+        </p:spPr>
+        <p:style>
+          <a:lnRef idx="2">
+            <a:schemeClr val="accent1">
+              <a:shade val="50000"/>
+            </a:schemeClr>
+          </a:lnRef>
+          <a:fillRef idx="1">
+            <a:schemeClr val="accent1"/>
+          </a:fillRef>
+          <a:effectRef idx="0">
+            <a:schemeClr val="accent1"/>
+          </a:effectRef>
+          <a:fontRef idx="minor">
+            <a:schemeClr val="lt1"/>
+          </a:fontRef>
+        </p:style>
+        <p:txBody>
+          <a:bodyPr rtlCol="0" anchor="ctr"/>
+          <a:lstStyle/>
+          <a:p>
+            <a:pPr algn="ctr"/>
+            <a:endParaRPr lang="zh-CN" altLang="en-US" dirty="0">
+              <a:latin typeface="阿里巴巴普惠体 2.0 35 Thin" panose="00020600040101010101" pitchFamily="18" charset="-122"/>
+              <a:ea typeface="阿里巴巴普惠体 2.0 35 Thin" panose="00020600040101010101" pitchFamily="18" charset="-122"/>
+            </a:endParaRPr>
+          </a:p>
+        </p:txBody>
+      </p:sp>
+      <p:sp>
+        <p:nvSpPr>
+          <p:cNvPr id="33" name="iSHEJI-2">
+            <a:extLst>
+              <a:ext uri="{FF2B5EF4-FFF2-40B4-BE49-F238E27FC236}">
+                <a16:creationId xmlns="" xmlns:a16="http://schemas.microsoft.com/office/drawing/2014/main" id="{8496629A-A220-7E9E-A598-42703A24CC5F}"/>
+              </a:ext>
+            </a:extLst>
+          </p:cNvPr>
+          <p:cNvSpPr/>
+          <p:nvPr/>
+        </p:nvSpPr>
+        <p:spPr>
+          <a:xfrm>
+            <a:off x="635794" y="591391"/>
+            <a:ext cx="555420" cy="459581"/>
+          </a:xfrm>
+          <a:prstGeom prst="rect">
+            <a:avLst/>
+          </a:prstGeom>
+          <a:solidFill>
+            <a:schemeClr val="bg1"/>
+          </a:solidFill>
+          <a:ln>
+            <a:noFill/>
+          </a:ln>
+        </p:spPr>
+        <p:style>
+          <a:lnRef idx="2">
+            <a:schemeClr val="accent1">
+              <a:shade val="50000"/>
+            </a:schemeClr>
+          </a:lnRef>
+          <a:fillRef idx="1">
+            <a:schemeClr val="accent1"/>
+          </a:fillRef>
+          <a:effectRef idx="0">
+            <a:schemeClr val="accent1"/>
+          </a:effectRef>
+          <a:fontRef idx="minor">
+            <a:schemeClr val="lt1"/>
+          </a:fontRef>
+        </p:style>
+        <p:txBody>
+          <a:bodyPr rtlCol="0" anchor="ctr"/>
+          <a:lstStyle/>
+          <a:p>
+            <a:pPr algn="ctr"/>
+            <a:endParaRPr lang="zh-CN" altLang="en-US" dirty="0">
+              <a:latin typeface="阿里巴巴普惠体 2.0 35 Thin" panose="00020600040101010101" pitchFamily="18" charset="-122"/>
+              <a:ea typeface="阿里巴巴普惠体 2.0 35 Thin" panose="00020600040101010101" pitchFamily="18" charset="-122"/>
+            </a:endParaRPr>
+          </a:p>
+        </p:txBody>
+      </p:sp>
+      <p:sp>
+        <p:nvSpPr>
+          <p:cNvPr id="5" name="iSHEJI-4">
+            <a:extLst>
+              <a:ext uri="{FF2B5EF4-FFF2-40B4-BE49-F238E27FC236}">
+                <a16:creationId xmlns="" xmlns:a16="http://schemas.microsoft.com/office/drawing/2014/main" id="{AA442847-1164-D9D3-EAAC-666A8D5FE80B}"/>
+              </a:ext>
+            </a:extLst>
+          </p:cNvPr>
+          <p:cNvSpPr txBox="1"/>
+          <p:nvPr/>
+        </p:nvSpPr>
+        <p:spPr>
+          <a:xfrm>
+            <a:off x="735806" y="618230"/>
+            <a:ext cx="6615608" cy="830997"/>
+          </a:xfrm>
+          <a:prstGeom prst="rect">
+            <a:avLst/>
+          </a:prstGeom>
+          <a:noFill/>
+        </p:spPr>
+        <p:txBody>
+          <a:bodyPr wrap="square" lIns="0" tIns="0" rIns="0" bIns="0" rtlCol="0">
+            <a:spAutoFit/>
+          </a:bodyPr>
+          <a:lstStyle>
+            <a:defPPr>
+              <a:defRPr lang="zh-CN"/>
+            </a:defPPr>
+            <a:lvl1pPr>
+              <a:defRPr sz="3200" spc="300">
+                <a:gradFill>
+                  <a:gsLst>
+                    <a:gs pos="0">
+                      <a:schemeClr val="bg1"/>
+                    </a:gs>
+                    <a:gs pos="100000">
+                      <a:schemeClr val="accent4"/>
+                    </a:gs>
+                  </a:gsLst>
+                  <a:lin ang="2700000" scaled="0"/>
+                </a:gradFill>
+                <a:latin typeface="+mj-ea"/>
+                <a:ea typeface="+mj-ea"/>
+              </a:defRPr>
+            </a:lvl1pPr>
+          </a:lstStyle>
+          <a:p>
+            <a:pPr lvl="0">
+              <a:defRPr/>
+            </a:pPr>
+            <a:r>
+              <a:rPr lang="zh-CN" altLang="en-US" sz="5400" spc="0" dirty="0" smtClean="0">
+                <a:solidFill>
+                  <a:schemeClr val="tx1"/>
+                </a:solidFill>
+                <a:latin typeface="阿里巴巴普惠体 2.0 95 ExtraBold" panose="00020600040101010101" pitchFamily="18" charset="-122"/>
+                <a:ea typeface="阿里巴巴普惠体 2.0 95 ExtraBold" panose="00020600040101010101" pitchFamily="18" charset="-122"/>
+                <a:cs typeface="阿里巴巴普惠体 2.0 95 ExtraBold" panose="00020600040101010101" pitchFamily="18" charset="-122"/>
+              </a:rPr>
+              <a:t>链接地址</a:t>
+            </a:r>
+            <a:endParaRPr lang="en-US" altLang="zh-CN" sz="5400" spc="0" dirty="0" smtClean="0">
+              <a:solidFill>
+                <a:schemeClr val="tx1"/>
+              </a:solidFill>
+              <a:latin typeface="阿里巴巴普惠体 2.0 95 ExtraBold" panose="00020600040101010101" pitchFamily="18" charset="-122"/>
+              <a:ea typeface="阿里巴巴普惠体 2.0 95 ExtraBold" panose="00020600040101010101" pitchFamily="18" charset="-122"/>
+              <a:cs typeface="阿里巴巴普惠体 2.0 95 ExtraBold" panose="00020600040101010101" pitchFamily="18" charset="-122"/>
+            </a:endParaRPr>
+          </a:p>
+        </p:txBody>
+      </p:sp>
+      <p:sp>
+        <p:nvSpPr>
+          <p:cNvPr id="14" name="iSHEJI-4">
+            <a:extLst>
+              <a:ext uri="{FF2B5EF4-FFF2-40B4-BE49-F238E27FC236}">
+                <a16:creationId xmlns="" xmlns:a16="http://schemas.microsoft.com/office/drawing/2014/main" id="{D818FD82-A51E-C8E9-67C4-B085A1695D24}"/>
+              </a:ext>
+            </a:extLst>
+          </p:cNvPr>
+          <p:cNvSpPr txBox="1"/>
+          <p:nvPr/>
+        </p:nvSpPr>
+        <p:spPr>
+          <a:xfrm>
+            <a:off x="10900355" y="245285"/>
+            <a:ext cx="1068328" cy="738664"/>
+          </a:xfrm>
+          <a:prstGeom prst="rect">
+            <a:avLst/>
+          </a:prstGeom>
+          <a:noFill/>
+        </p:spPr>
+        <p:txBody>
+          <a:bodyPr wrap="square" lIns="0" tIns="0" rIns="0" bIns="0" rtlCol="0">
+            <a:spAutoFit/>
+          </a:bodyPr>
+          <a:lstStyle>
+            <a:defPPr>
+              <a:defRPr lang="zh-CN"/>
+            </a:defPPr>
+            <a:lvl1pPr>
+              <a:defRPr sz="3200" spc="300">
+                <a:gradFill>
+                  <a:gsLst>
+                    <a:gs pos="0">
+                      <a:schemeClr val="bg1"/>
+                    </a:gs>
+                    <a:gs pos="100000">
+                      <a:schemeClr val="accent4"/>
+                    </a:gs>
+                  </a:gsLst>
+                  <a:lin ang="2700000" scaled="0"/>
+                </a:gradFill>
+                <a:latin typeface="+mj-ea"/>
+                <a:ea typeface="+mj-ea"/>
+              </a:defRPr>
+            </a:lvl1pPr>
+          </a:lstStyle>
+          <a:p>
+            <a:pPr marL="0" marR="0" lvl="0" indent="0" algn="ctr" defTabSz="914400" rtl="0" eaLnBrk="1" fontAlgn="auto" latinLnBrk="0" hangingPunct="1">
+              <a:lnSpc>
+                <a:spcPct val="100000"/>
+              </a:lnSpc>
+              <a:spcBef>
+                <a:spcPts val="0"/>
+              </a:spcBef>
+              <a:spcAft>
+                <a:spcPts val="0"/>
+              </a:spcAft>
+              <a:buClrTx/>
+              <a:buSzTx/>
+              <a:buFontTx/>
+              <a:buNone/>
+              <a:tabLst/>
+              <a:defRPr/>
+            </a:pPr>
+            <a:r>
+              <a:rPr kumimoji="0" lang="en-US" altLang="zh-CN" sz="1600" i="0" u="none" strike="noStrike" kern="1200" cap="none" spc="0" normalizeH="0" baseline="0" noProof="0" dirty="0" smtClean="0">
+                <a:ln>
+                  <a:noFill/>
+                </a:ln>
+                <a:solidFill>
+                  <a:schemeClr val="tx1"/>
+                </a:solidFill>
+                <a:effectLst/>
+                <a:uLnTx/>
+                <a:uFillTx/>
+                <a:latin typeface="阿里巴巴普惠体 2.0 35 Thin" panose="00020600040101010101" pitchFamily="18" charset="-122"/>
+                <a:ea typeface="阿里巴巴普惠体 2.0 35 Thin" panose="00020600040101010101" pitchFamily="18" charset="-122"/>
+                <a:cs typeface="阿里巴巴普惠体 2.0 35 Thin" panose="00020600040101010101" pitchFamily="18" charset="-122"/>
+              </a:rPr>
+              <a:t>Mineself </a:t>
+            </a:r>
+          </a:p>
+          <a:p>
+            <a:pPr marL="0" marR="0" lvl="0" indent="0" algn="ctr" defTabSz="914400" rtl="0" eaLnBrk="1" fontAlgn="auto" latinLnBrk="0" hangingPunct="1">
+              <a:lnSpc>
+                <a:spcPct val="100000"/>
+              </a:lnSpc>
+              <a:spcBef>
+                <a:spcPts val="0"/>
+              </a:spcBef>
+              <a:spcAft>
+                <a:spcPts val="0"/>
+              </a:spcAft>
+              <a:buClrTx/>
+              <a:buSzTx/>
+              <a:buFontTx/>
+              <a:buNone/>
+              <a:tabLst/>
+              <a:defRPr/>
+            </a:pPr>
+            <a:r>
+              <a:rPr kumimoji="0" lang="en-US" altLang="zh-CN" sz="1600" i="0" u="none" strike="noStrike" kern="1200" cap="none" spc="0" normalizeH="0" baseline="0" noProof="0" dirty="0" smtClean="0">
+                <a:ln>
+                  <a:noFill/>
+                </a:ln>
+                <a:solidFill>
+                  <a:schemeClr val="tx1"/>
+                </a:solidFill>
+                <a:effectLst/>
+                <a:uLnTx/>
+                <a:uFillTx/>
+                <a:latin typeface="阿里巴巴普惠体 2.0 35 Thin" panose="00020600040101010101" pitchFamily="18" charset="-122"/>
+                <a:ea typeface="阿里巴巴普惠体 2.0 35 Thin" panose="00020600040101010101" pitchFamily="18" charset="-122"/>
+                <a:cs typeface="阿里巴巴普惠体 2.0 35 Thin" panose="00020600040101010101" pitchFamily="18" charset="-122"/>
+              </a:rPr>
+              <a:t>BRP </a:t>
+            </a:r>
+          </a:p>
+          <a:p>
+            <a:pPr marL="0" marR="0" lvl="0" indent="0" algn="ctr" defTabSz="914400" rtl="0" eaLnBrk="1" fontAlgn="auto" latinLnBrk="0" hangingPunct="1">
+              <a:lnSpc>
+                <a:spcPct val="100000"/>
+              </a:lnSpc>
+              <a:spcBef>
+                <a:spcPts val="0"/>
+              </a:spcBef>
+              <a:spcAft>
+                <a:spcPts val="0"/>
+              </a:spcAft>
+              <a:buClrTx/>
+              <a:buSzTx/>
+              <a:buFontTx/>
+              <a:buNone/>
+              <a:tabLst/>
+              <a:defRPr/>
+            </a:pPr>
+            <a:r>
+              <a:rPr kumimoji="0" lang="en-US" altLang="zh-CN" sz="1600" i="0" u="none" strike="noStrike" kern="1200" cap="none" spc="0" normalizeH="0" baseline="0" noProof="0" dirty="0" smtClean="0">
+                <a:ln>
+                  <a:noFill/>
+                </a:ln>
+                <a:solidFill>
+                  <a:schemeClr val="tx1"/>
+                </a:solidFill>
+                <a:effectLst/>
+                <a:uLnTx/>
+                <a:uFillTx/>
+                <a:latin typeface="阿里巴巴普惠体 2.0 35 Thin" panose="00020600040101010101" pitchFamily="18" charset="-122"/>
+                <a:ea typeface="阿里巴巴普惠体 2.0 35 Thin" panose="00020600040101010101" pitchFamily="18" charset="-122"/>
+                <a:cs typeface="阿里巴巴普惠体 2.0 35 Thin" panose="00020600040101010101" pitchFamily="18" charset="-122"/>
+              </a:rPr>
+              <a:t>Shader</a:t>
+            </a:r>
+            <a:endParaRPr kumimoji="0" lang="zh-CN" altLang="en-US" sz="1600" i="0" u="none" strike="noStrike" kern="1200" cap="none" spc="0" normalizeH="0" baseline="0" noProof="0" dirty="0">
+              <a:ln>
+                <a:noFill/>
+              </a:ln>
+              <a:solidFill>
+                <a:schemeClr val="tx1"/>
+              </a:solidFill>
+              <a:effectLst/>
+              <a:uLnTx/>
+              <a:uFillTx/>
+              <a:latin typeface="阿里巴巴普惠体 2.0 35 Thin" panose="00020600040101010101" pitchFamily="18" charset="-122"/>
+              <a:ea typeface="阿里巴巴普惠体 2.0 35 Thin" panose="00020600040101010101" pitchFamily="18" charset="-122"/>
+              <a:cs typeface="阿里巴巴普惠体 2.0 35 Thin" panose="00020600040101010101" pitchFamily="18" charset="-122"/>
+            </a:endParaRPr>
+          </a:p>
+        </p:txBody>
+      </p:sp>
+      <p:sp>
+        <p:nvSpPr>
+          <p:cNvPr id="7" name="iSHEJI-8">
+            <a:extLst>
+              <a:ext uri="{FF2B5EF4-FFF2-40B4-BE49-F238E27FC236}">
+                <a16:creationId xmlns="" xmlns:a16="http://schemas.microsoft.com/office/drawing/2014/main" id="{954189D8-6B9F-6CBC-8BD7-3755D3A8FB9D}"/>
+              </a:ext>
+            </a:extLst>
+          </p:cNvPr>
+          <p:cNvSpPr txBox="1"/>
+          <p:nvPr/>
+        </p:nvSpPr>
+        <p:spPr>
+          <a:xfrm>
+            <a:off x="1425135" y="2312394"/>
+            <a:ext cx="3255507" cy="615553"/>
+          </a:xfrm>
+          <a:prstGeom prst="rect">
+            <a:avLst/>
+          </a:prstGeom>
+          <a:noFill/>
+        </p:spPr>
+        <p:txBody>
+          <a:bodyPr wrap="square" lIns="0" tIns="0" rIns="0" bIns="0" rtlCol="0">
+            <a:spAutoFit/>
+          </a:bodyPr>
+          <a:lstStyle>
+            <a:defPPr>
+              <a:defRPr lang="zh-CN"/>
+            </a:defPPr>
+            <a:lvl1pPr>
+              <a:defRPr sz="3200" spc="300">
+                <a:gradFill>
+                  <a:gsLst>
+                    <a:gs pos="0">
+                      <a:schemeClr val="bg1"/>
+                    </a:gs>
+                    <a:gs pos="100000">
+                      <a:schemeClr val="accent4"/>
+                    </a:gs>
+                  </a:gsLst>
+                  <a:lin ang="2700000" scaled="0"/>
+                </a:gradFill>
+                <a:latin typeface="+mj-ea"/>
+                <a:ea typeface="+mj-ea"/>
+              </a:defRPr>
+            </a:lvl1pPr>
+          </a:lstStyle>
+          <a:p>
+            <a:pPr marL="0" marR="0" lvl="0" indent="0" defTabSz="914400" rtl="0" eaLnBrk="1" fontAlgn="auto" latinLnBrk="0" hangingPunct="1">
+              <a:lnSpc>
+                <a:spcPct val="100000"/>
+              </a:lnSpc>
+              <a:spcBef>
+                <a:spcPts val="0"/>
+              </a:spcBef>
+              <a:spcAft>
+                <a:spcPts val="0"/>
+              </a:spcAft>
+              <a:buClrTx/>
+              <a:buSzTx/>
+              <a:buFontTx/>
+              <a:buNone/>
+              <a:tabLst/>
+              <a:defRPr/>
+            </a:pPr>
+            <a:r>
+              <a:rPr lang="zh-CN" altLang="en-US" sz="4000" spc="0" dirty="0">
+                <a:solidFill>
+                  <a:schemeClr val="accent1"/>
+                </a:solidFill>
+                <a:latin typeface="阿里巴巴普惠体 2.0 95 ExtraBold" panose="00020600040101010101" pitchFamily="18" charset="-122"/>
+                <a:ea typeface="阿里巴巴普惠体 2.0 95 ExtraBold" panose="00020600040101010101" pitchFamily="18" charset="-122"/>
+                <a:cs typeface="阿里巴巴普惠体 2.0 95 ExtraBold" panose="00020600040101010101" pitchFamily="18" charset="-122"/>
+                <a:hlinkClick r:id="rId2"/>
+              </a:rPr>
+              <a:t>语</a:t>
+            </a:r>
+            <a:r>
+              <a:rPr lang="zh-CN" altLang="en-US" sz="4000" spc="0" dirty="0" smtClean="0">
+                <a:solidFill>
+                  <a:schemeClr val="accent1"/>
+                </a:solidFill>
+                <a:latin typeface="阿里巴巴普惠体 2.0 95 ExtraBold" panose="00020600040101010101" pitchFamily="18" charset="-122"/>
+                <a:ea typeface="阿里巴巴普惠体 2.0 95 ExtraBold" panose="00020600040101010101" pitchFamily="18" charset="-122"/>
+                <a:cs typeface="阿里巴巴普惠体 2.0 95 ExtraBold" panose="00020600040101010101" pitchFamily="18" charset="-122"/>
+                <a:hlinkClick r:id="rId2"/>
+              </a:rPr>
+              <a:t>雀文档链接</a:t>
+            </a:r>
+            <a:endParaRPr kumimoji="0" lang="en-US" altLang="zh-CN" sz="4000" i="0" u="none" strike="noStrike" kern="1200" cap="none" spc="0" normalizeH="0" baseline="0" noProof="0" dirty="0">
+              <a:ln>
+                <a:noFill/>
+              </a:ln>
+              <a:solidFill>
+                <a:schemeClr val="accent1"/>
+              </a:solidFill>
+              <a:effectLst/>
+              <a:uLnTx/>
+              <a:uFillTx/>
+              <a:latin typeface="阿里巴巴普惠体 2.0 95 ExtraBold" panose="00020600040101010101" pitchFamily="18" charset="-122"/>
+              <a:ea typeface="阿里巴巴普惠体 2.0 95 ExtraBold" panose="00020600040101010101" pitchFamily="18" charset="-122"/>
+              <a:cs typeface="阿里巴巴普惠体 2.0 95 ExtraBold" panose="00020600040101010101" pitchFamily="18" charset="-122"/>
+            </a:endParaRPr>
+          </a:p>
+        </p:txBody>
+      </p:sp>
+      <p:sp>
+        <p:nvSpPr>
+          <p:cNvPr id="8" name="iSHEJI-8">
+            <a:extLst>
+              <a:ext uri="{FF2B5EF4-FFF2-40B4-BE49-F238E27FC236}">
+                <a16:creationId xmlns="" xmlns:a16="http://schemas.microsoft.com/office/drawing/2014/main" id="{954189D8-6B9F-6CBC-8BD7-3755D3A8FB9D}"/>
+              </a:ext>
+            </a:extLst>
+          </p:cNvPr>
+          <p:cNvSpPr txBox="1"/>
+          <p:nvPr/>
+        </p:nvSpPr>
+        <p:spPr>
+          <a:xfrm>
+            <a:off x="1425135" y="4406668"/>
+            <a:ext cx="7907124" cy="615553"/>
+          </a:xfrm>
+          <a:prstGeom prst="rect">
+            <a:avLst/>
+          </a:prstGeom>
+          <a:noFill/>
+        </p:spPr>
+        <p:txBody>
+          <a:bodyPr wrap="square" lIns="0" tIns="0" rIns="0" bIns="0" rtlCol="0">
+            <a:spAutoFit/>
+          </a:bodyPr>
+          <a:lstStyle>
+            <a:defPPr>
+              <a:defRPr lang="zh-CN"/>
+            </a:defPPr>
+            <a:lvl1pPr>
+              <a:defRPr sz="3200" spc="300">
+                <a:gradFill>
+                  <a:gsLst>
+                    <a:gs pos="0">
+                      <a:schemeClr val="bg1"/>
+                    </a:gs>
+                    <a:gs pos="100000">
+                      <a:schemeClr val="accent4"/>
+                    </a:gs>
+                  </a:gsLst>
+                  <a:lin ang="2700000" scaled="0"/>
+                </a:gradFill>
+                <a:latin typeface="+mj-ea"/>
+                <a:ea typeface="+mj-ea"/>
+              </a:defRPr>
+            </a:lvl1pPr>
+          </a:lstStyle>
+          <a:p>
+            <a:pPr marL="0" marR="0" lvl="0" indent="0" defTabSz="914400" rtl="0" eaLnBrk="1" fontAlgn="auto" latinLnBrk="0" hangingPunct="1">
+              <a:lnSpc>
+                <a:spcPct val="100000"/>
+              </a:lnSpc>
+              <a:spcBef>
+                <a:spcPts val="0"/>
+              </a:spcBef>
+              <a:spcAft>
+                <a:spcPts val="0"/>
+              </a:spcAft>
+              <a:buClrTx/>
+              <a:buSzTx/>
+              <a:buFontTx/>
+              <a:buNone/>
+              <a:tabLst/>
+              <a:defRPr/>
+            </a:pPr>
+            <a:r>
+              <a:rPr lang="en-US" altLang="zh-CN" sz="4000" spc="0" dirty="0" smtClean="0">
+                <a:solidFill>
+                  <a:schemeClr val="accent1"/>
+                </a:solidFill>
+                <a:latin typeface="阿里巴巴普惠体 2.0 95 ExtraBold" panose="00020600040101010101" pitchFamily="18" charset="-122"/>
+                <a:ea typeface="阿里巴巴普惠体 2.0 95 ExtraBold" panose="00020600040101010101" pitchFamily="18" charset="-122"/>
+                <a:cs typeface="阿里巴巴普惠体 2.0 95 ExtraBold" panose="00020600040101010101" pitchFamily="18" charset="-122"/>
+                <a:hlinkClick r:id="rId3"/>
+              </a:rPr>
+              <a:t>Github</a:t>
+            </a:r>
+            <a:r>
+              <a:rPr lang="zh-CN" altLang="en-US" sz="4000" spc="0" dirty="0" smtClean="0">
+                <a:solidFill>
+                  <a:schemeClr val="accent1"/>
+                </a:solidFill>
+                <a:latin typeface="阿里巴巴普惠体 2.0 95 ExtraBold" panose="00020600040101010101" pitchFamily="18" charset="-122"/>
+                <a:ea typeface="阿里巴巴普惠体 2.0 95 ExtraBold" panose="00020600040101010101" pitchFamily="18" charset="-122"/>
+                <a:cs typeface="阿里巴巴普惠体 2.0 95 ExtraBold" panose="00020600040101010101" pitchFamily="18" charset="-122"/>
+                <a:hlinkClick r:id="rId3"/>
+              </a:rPr>
+              <a:t>链接</a:t>
+            </a:r>
+            <a:endParaRPr kumimoji="0" lang="en-US" altLang="zh-CN" sz="4000" i="0" u="none" strike="noStrike" kern="1200" cap="none" spc="0" normalizeH="0" baseline="0" noProof="0" dirty="0">
+              <a:ln>
+                <a:noFill/>
+              </a:ln>
+              <a:solidFill>
+                <a:schemeClr val="accent1"/>
+              </a:solidFill>
+              <a:effectLst/>
+              <a:uLnTx/>
+              <a:uFillTx/>
+              <a:latin typeface="阿里巴巴普惠体 2.0 95 ExtraBold" panose="00020600040101010101" pitchFamily="18" charset="-122"/>
+              <a:ea typeface="阿里巴巴普惠体 2.0 95 ExtraBold" panose="00020600040101010101" pitchFamily="18" charset="-122"/>
+              <a:cs typeface="阿里巴巴普惠体 2.0 95 ExtraBold" panose="00020600040101010101" pitchFamily="18" charset="-122"/>
+            </a:endParaRPr>
+          </a:p>
+        </p:txBody>
+      </p:sp>
+    </p:spTree>
+    <p:extLst>
+      <p:ext uri="{BB962C8B-B14F-4D97-AF65-F5344CB8AC3E}">
+        <p14:creationId xmlns:p14="http://schemas.microsoft.com/office/powerpoint/2010/main" val="4234375156"/>
       </p:ext>
     </p:extLst>
   </p:cSld>

--- a/PPT/0-前言.pptx
+++ b/PPT/0-前言.pptx
@@ -159,10 +159,9 @@
           </a:lstStyle>
           <a:p>
             <a:r>
-              <a:rPr lang="zh-CN" altLang="en-US" smtClean="0"/>
+              <a:rPr lang="zh-CN" altLang="en-US"/>
               <a:t>单击此处编辑母版标题样式</a:t>
             </a:r>
-            <a:endParaRPr lang="zh-CN" altLang="en-US"/>
           </a:p>
         </p:txBody>
       </p:sp>
@@ -224,10 +223,9 @@
           </a:lstStyle>
           <a:p>
             <a:r>
-              <a:rPr lang="zh-CN" altLang="en-US" smtClean="0"/>
+              <a:rPr lang="zh-CN" altLang="en-US"/>
               <a:t>单击此处编辑母版副标题样式</a:t>
             </a:r>
-            <a:endParaRPr lang="zh-CN" altLang="en-US"/>
           </a:p>
         </p:txBody>
       </p:sp>
@@ -248,7 +246,7 @@
           <a:p>
             <a:fld id="{D2B4B1F1-4DA7-425D-9E74-9CCF332327A2}" type="datetimeFigureOut">
               <a:rPr lang="zh-CN" altLang="en-US" smtClean="0"/>
-              <a:t>2023/1/28</a:t>
+              <a:t>2023/1/29</a:t>
             </a:fld>
             <a:endParaRPr lang="zh-CN" altLang="en-US"/>
           </a:p>
@@ -342,10 +340,9 @@
           <a:lstStyle/>
           <a:p>
             <a:r>
-              <a:rPr lang="zh-CN" altLang="en-US" smtClean="0"/>
+              <a:rPr lang="zh-CN" altLang="en-US"/>
               <a:t>单击此处编辑母版标题样式</a:t>
             </a:r>
-            <a:endParaRPr lang="zh-CN" altLang="en-US"/>
           </a:p>
         </p:txBody>
       </p:sp>
@@ -366,38 +363,37 @@
           <a:p>
             <a:pPr lvl="0"/>
             <a:r>
-              <a:rPr lang="zh-CN" altLang="en-US" smtClean="0"/>
+              <a:rPr lang="zh-CN" altLang="en-US"/>
               <a:t>单击此处编辑母版文本样式</a:t>
             </a:r>
           </a:p>
           <a:p>
             <a:pPr lvl="1"/>
             <a:r>
-              <a:rPr lang="zh-CN" altLang="en-US" smtClean="0"/>
+              <a:rPr lang="zh-CN" altLang="en-US"/>
               <a:t>第二级</a:t>
             </a:r>
           </a:p>
           <a:p>
             <a:pPr lvl="2"/>
             <a:r>
-              <a:rPr lang="zh-CN" altLang="en-US" smtClean="0"/>
+              <a:rPr lang="zh-CN" altLang="en-US"/>
               <a:t>第三级</a:t>
             </a:r>
           </a:p>
           <a:p>
             <a:pPr lvl="3"/>
             <a:r>
-              <a:rPr lang="zh-CN" altLang="en-US" smtClean="0"/>
+              <a:rPr lang="zh-CN" altLang="en-US"/>
               <a:t>第四级</a:t>
             </a:r>
           </a:p>
           <a:p>
             <a:pPr lvl="4"/>
             <a:r>
-              <a:rPr lang="zh-CN" altLang="en-US" smtClean="0"/>
+              <a:rPr lang="zh-CN" altLang="en-US"/>
               <a:t>第五级</a:t>
             </a:r>
-            <a:endParaRPr lang="zh-CN" altLang="en-US"/>
           </a:p>
         </p:txBody>
       </p:sp>
@@ -418,7 +414,7 @@
           <a:p>
             <a:fld id="{D2B4B1F1-4DA7-425D-9E74-9CCF332327A2}" type="datetimeFigureOut">
               <a:rPr lang="zh-CN" altLang="en-US" smtClean="0"/>
-              <a:t>2023/1/28</a:t>
+              <a:t>2023/1/29</a:t>
             </a:fld>
             <a:endParaRPr lang="zh-CN" altLang="en-US"/>
           </a:p>
@@ -517,10 +513,9 @@
           <a:lstStyle/>
           <a:p>
             <a:r>
-              <a:rPr lang="zh-CN" altLang="en-US" smtClean="0"/>
+              <a:rPr lang="zh-CN" altLang="en-US"/>
               <a:t>单击此处编辑母版标题样式</a:t>
             </a:r>
-            <a:endParaRPr lang="zh-CN" altLang="en-US"/>
           </a:p>
         </p:txBody>
       </p:sp>
@@ -546,38 +541,37 @@
           <a:p>
             <a:pPr lvl="0"/>
             <a:r>
-              <a:rPr lang="zh-CN" altLang="en-US" smtClean="0"/>
+              <a:rPr lang="zh-CN" altLang="en-US"/>
               <a:t>单击此处编辑母版文本样式</a:t>
             </a:r>
           </a:p>
           <a:p>
             <a:pPr lvl="1"/>
             <a:r>
-              <a:rPr lang="zh-CN" altLang="en-US" smtClean="0"/>
+              <a:rPr lang="zh-CN" altLang="en-US"/>
               <a:t>第二级</a:t>
             </a:r>
           </a:p>
           <a:p>
             <a:pPr lvl="2"/>
             <a:r>
-              <a:rPr lang="zh-CN" altLang="en-US" smtClean="0"/>
+              <a:rPr lang="zh-CN" altLang="en-US"/>
               <a:t>第三级</a:t>
             </a:r>
           </a:p>
           <a:p>
             <a:pPr lvl="3"/>
             <a:r>
-              <a:rPr lang="zh-CN" altLang="en-US" smtClean="0"/>
+              <a:rPr lang="zh-CN" altLang="en-US"/>
               <a:t>第四级</a:t>
             </a:r>
           </a:p>
           <a:p>
             <a:pPr lvl="4"/>
             <a:r>
-              <a:rPr lang="zh-CN" altLang="en-US" smtClean="0"/>
+              <a:rPr lang="zh-CN" altLang="en-US"/>
               <a:t>第五级</a:t>
             </a:r>
-            <a:endParaRPr lang="zh-CN" altLang="en-US"/>
           </a:p>
         </p:txBody>
       </p:sp>
@@ -598,7 +592,7 @@
           <a:p>
             <a:fld id="{D2B4B1F1-4DA7-425D-9E74-9CCF332327A2}" type="datetimeFigureOut">
               <a:rPr lang="zh-CN" altLang="en-US" smtClean="0"/>
-              <a:t>2023/1/28</a:t>
+              <a:t>2023/1/29</a:t>
             </a:fld>
             <a:endParaRPr lang="zh-CN" altLang="en-US"/>
           </a:p>
@@ -722,10 +716,9 @@
           <a:lstStyle/>
           <a:p>
             <a:r>
-              <a:rPr lang="zh-CN" altLang="en-US" smtClean="0"/>
+              <a:rPr lang="zh-CN" altLang="en-US"/>
               <a:t>单击此处编辑母版标题样式</a:t>
             </a:r>
-            <a:endParaRPr lang="zh-CN" altLang="en-US"/>
           </a:p>
         </p:txBody>
       </p:sp>
@@ -746,38 +739,37 @@
           <a:p>
             <a:pPr lvl="0"/>
             <a:r>
-              <a:rPr lang="zh-CN" altLang="en-US" smtClean="0"/>
+              <a:rPr lang="zh-CN" altLang="en-US"/>
               <a:t>单击此处编辑母版文本样式</a:t>
             </a:r>
           </a:p>
           <a:p>
             <a:pPr lvl="1"/>
             <a:r>
-              <a:rPr lang="zh-CN" altLang="en-US" smtClean="0"/>
+              <a:rPr lang="zh-CN" altLang="en-US"/>
               <a:t>第二级</a:t>
             </a:r>
           </a:p>
           <a:p>
             <a:pPr lvl="2"/>
             <a:r>
-              <a:rPr lang="zh-CN" altLang="en-US" smtClean="0"/>
+              <a:rPr lang="zh-CN" altLang="en-US"/>
               <a:t>第三级</a:t>
             </a:r>
           </a:p>
           <a:p>
             <a:pPr lvl="3"/>
             <a:r>
-              <a:rPr lang="zh-CN" altLang="en-US" smtClean="0"/>
+              <a:rPr lang="zh-CN" altLang="en-US"/>
               <a:t>第四级</a:t>
             </a:r>
           </a:p>
           <a:p>
             <a:pPr lvl="4"/>
             <a:r>
-              <a:rPr lang="zh-CN" altLang="en-US" smtClean="0"/>
+              <a:rPr lang="zh-CN" altLang="en-US"/>
               <a:t>第五级</a:t>
             </a:r>
-            <a:endParaRPr lang="zh-CN" altLang="en-US"/>
           </a:p>
         </p:txBody>
       </p:sp>
@@ -798,7 +790,7 @@
           <a:p>
             <a:fld id="{D2B4B1F1-4DA7-425D-9E74-9CCF332327A2}" type="datetimeFigureOut">
               <a:rPr lang="zh-CN" altLang="en-US" smtClean="0"/>
-              <a:t>2023/1/28</a:t>
+              <a:t>2023/1/29</a:t>
             </a:fld>
             <a:endParaRPr lang="zh-CN" altLang="en-US"/>
           </a:p>
@@ -901,10 +893,9 @@
           </a:lstStyle>
           <a:p>
             <a:r>
-              <a:rPr lang="zh-CN" altLang="en-US" smtClean="0"/>
+              <a:rPr lang="zh-CN" altLang="en-US"/>
               <a:t>单击此处编辑母版标题样式</a:t>
             </a:r>
-            <a:endParaRPr lang="zh-CN" altLang="en-US"/>
           </a:p>
         </p:txBody>
       </p:sp>
@@ -1021,7 +1012,7 @@
           <a:p>
             <a:pPr lvl="0"/>
             <a:r>
-              <a:rPr lang="zh-CN" altLang="en-US" smtClean="0"/>
+              <a:rPr lang="zh-CN" altLang="en-US"/>
               <a:t>单击此处编辑母版文本样式</a:t>
             </a:r>
           </a:p>
@@ -1044,7 +1035,7 @@
           <a:p>
             <a:fld id="{D2B4B1F1-4DA7-425D-9E74-9CCF332327A2}" type="datetimeFigureOut">
               <a:rPr lang="zh-CN" altLang="en-US" smtClean="0"/>
-              <a:t>2023/1/28</a:t>
+              <a:t>2023/1/29</a:t>
             </a:fld>
             <a:endParaRPr lang="zh-CN" altLang="en-US"/>
           </a:p>
@@ -1138,10 +1129,9 @@
           <a:lstStyle/>
           <a:p>
             <a:r>
-              <a:rPr lang="zh-CN" altLang="en-US" smtClean="0"/>
+              <a:rPr lang="zh-CN" altLang="en-US"/>
               <a:t>单击此处编辑母版标题样式</a:t>
             </a:r>
-            <a:endParaRPr lang="zh-CN" altLang="en-US"/>
           </a:p>
         </p:txBody>
       </p:sp>
@@ -1167,38 +1157,37 @@
           <a:p>
             <a:pPr lvl="0"/>
             <a:r>
-              <a:rPr lang="zh-CN" altLang="en-US" smtClean="0"/>
+              <a:rPr lang="zh-CN" altLang="en-US"/>
               <a:t>单击此处编辑母版文本样式</a:t>
             </a:r>
           </a:p>
           <a:p>
             <a:pPr lvl="1"/>
             <a:r>
-              <a:rPr lang="zh-CN" altLang="en-US" smtClean="0"/>
+              <a:rPr lang="zh-CN" altLang="en-US"/>
               <a:t>第二级</a:t>
             </a:r>
           </a:p>
           <a:p>
             <a:pPr lvl="2"/>
             <a:r>
-              <a:rPr lang="zh-CN" altLang="en-US" smtClean="0"/>
+              <a:rPr lang="zh-CN" altLang="en-US"/>
               <a:t>第三级</a:t>
             </a:r>
           </a:p>
           <a:p>
             <a:pPr lvl="3"/>
             <a:r>
-              <a:rPr lang="zh-CN" altLang="en-US" smtClean="0"/>
+              <a:rPr lang="zh-CN" altLang="en-US"/>
               <a:t>第四级</a:t>
             </a:r>
           </a:p>
           <a:p>
             <a:pPr lvl="4"/>
             <a:r>
-              <a:rPr lang="zh-CN" altLang="en-US" smtClean="0"/>
+              <a:rPr lang="zh-CN" altLang="en-US"/>
               <a:t>第五级</a:t>
             </a:r>
-            <a:endParaRPr lang="zh-CN" altLang="en-US"/>
           </a:p>
         </p:txBody>
       </p:sp>
@@ -1224,38 +1213,37 @@
           <a:p>
             <a:pPr lvl="0"/>
             <a:r>
-              <a:rPr lang="zh-CN" altLang="en-US" smtClean="0"/>
+              <a:rPr lang="zh-CN" altLang="en-US"/>
               <a:t>单击此处编辑母版文本样式</a:t>
             </a:r>
           </a:p>
           <a:p>
             <a:pPr lvl="1"/>
             <a:r>
-              <a:rPr lang="zh-CN" altLang="en-US" smtClean="0"/>
+              <a:rPr lang="zh-CN" altLang="en-US"/>
               <a:t>第二级</a:t>
             </a:r>
           </a:p>
           <a:p>
             <a:pPr lvl="2"/>
             <a:r>
-              <a:rPr lang="zh-CN" altLang="en-US" smtClean="0"/>
+              <a:rPr lang="zh-CN" altLang="en-US"/>
               <a:t>第三级</a:t>
             </a:r>
           </a:p>
           <a:p>
             <a:pPr lvl="3"/>
             <a:r>
-              <a:rPr lang="zh-CN" altLang="en-US" smtClean="0"/>
+              <a:rPr lang="zh-CN" altLang="en-US"/>
               <a:t>第四级</a:t>
             </a:r>
           </a:p>
           <a:p>
             <a:pPr lvl="4"/>
             <a:r>
-              <a:rPr lang="zh-CN" altLang="en-US" smtClean="0"/>
+              <a:rPr lang="zh-CN" altLang="en-US"/>
               <a:t>第五级</a:t>
             </a:r>
-            <a:endParaRPr lang="zh-CN" altLang="en-US"/>
           </a:p>
         </p:txBody>
       </p:sp>
@@ -1276,7 +1264,7 @@
           <a:p>
             <a:fld id="{D2B4B1F1-4DA7-425D-9E74-9CCF332327A2}" type="datetimeFigureOut">
               <a:rPr lang="zh-CN" altLang="en-US" smtClean="0"/>
-              <a:t>2023/1/28</a:t>
+              <a:t>2023/1/29</a:t>
             </a:fld>
             <a:endParaRPr lang="zh-CN" altLang="en-US"/>
           </a:p>
@@ -1375,10 +1363,9 @@
           <a:lstStyle/>
           <a:p>
             <a:r>
-              <a:rPr lang="zh-CN" altLang="en-US" smtClean="0"/>
+              <a:rPr lang="zh-CN" altLang="en-US"/>
               <a:t>单击此处编辑母版标题样式</a:t>
             </a:r>
-            <a:endParaRPr lang="zh-CN" altLang="en-US"/>
           </a:p>
         </p:txBody>
       </p:sp>
@@ -1441,7 +1428,7 @@
           <a:p>
             <a:pPr lvl="0"/>
             <a:r>
-              <a:rPr lang="zh-CN" altLang="en-US" smtClean="0"/>
+              <a:rPr lang="zh-CN" altLang="en-US"/>
               <a:t>单击此处编辑母版文本样式</a:t>
             </a:r>
           </a:p>
@@ -1469,38 +1456,37 @@
           <a:p>
             <a:pPr lvl="0"/>
             <a:r>
-              <a:rPr lang="zh-CN" altLang="en-US" smtClean="0"/>
+              <a:rPr lang="zh-CN" altLang="en-US"/>
               <a:t>单击此处编辑母版文本样式</a:t>
             </a:r>
           </a:p>
           <a:p>
             <a:pPr lvl="1"/>
             <a:r>
-              <a:rPr lang="zh-CN" altLang="en-US" smtClean="0"/>
+              <a:rPr lang="zh-CN" altLang="en-US"/>
               <a:t>第二级</a:t>
             </a:r>
           </a:p>
           <a:p>
             <a:pPr lvl="2"/>
             <a:r>
-              <a:rPr lang="zh-CN" altLang="en-US" smtClean="0"/>
+              <a:rPr lang="zh-CN" altLang="en-US"/>
               <a:t>第三级</a:t>
             </a:r>
           </a:p>
           <a:p>
             <a:pPr lvl="3"/>
             <a:r>
-              <a:rPr lang="zh-CN" altLang="en-US" smtClean="0"/>
+              <a:rPr lang="zh-CN" altLang="en-US"/>
               <a:t>第四级</a:t>
             </a:r>
           </a:p>
           <a:p>
             <a:pPr lvl="4"/>
             <a:r>
-              <a:rPr lang="zh-CN" altLang="en-US" smtClean="0"/>
+              <a:rPr lang="zh-CN" altLang="en-US"/>
               <a:t>第五级</a:t>
             </a:r>
-            <a:endParaRPr lang="zh-CN" altLang="en-US"/>
           </a:p>
         </p:txBody>
       </p:sp>
@@ -1563,7 +1549,7 @@
           <a:p>
             <a:pPr lvl="0"/>
             <a:r>
-              <a:rPr lang="zh-CN" altLang="en-US" smtClean="0"/>
+              <a:rPr lang="zh-CN" altLang="en-US"/>
               <a:t>单击此处编辑母版文本样式</a:t>
             </a:r>
           </a:p>
@@ -1591,38 +1577,37 @@
           <a:p>
             <a:pPr lvl="0"/>
             <a:r>
-              <a:rPr lang="zh-CN" altLang="en-US" smtClean="0"/>
+              <a:rPr lang="zh-CN" altLang="en-US"/>
               <a:t>单击此处编辑母版文本样式</a:t>
             </a:r>
           </a:p>
           <a:p>
             <a:pPr lvl="1"/>
             <a:r>
-              <a:rPr lang="zh-CN" altLang="en-US" smtClean="0"/>
+              <a:rPr lang="zh-CN" altLang="en-US"/>
               <a:t>第二级</a:t>
             </a:r>
           </a:p>
           <a:p>
             <a:pPr lvl="2"/>
             <a:r>
-              <a:rPr lang="zh-CN" altLang="en-US" smtClean="0"/>
+              <a:rPr lang="zh-CN" altLang="en-US"/>
               <a:t>第三级</a:t>
             </a:r>
           </a:p>
           <a:p>
             <a:pPr lvl="3"/>
             <a:r>
-              <a:rPr lang="zh-CN" altLang="en-US" smtClean="0"/>
+              <a:rPr lang="zh-CN" altLang="en-US"/>
               <a:t>第四级</a:t>
             </a:r>
           </a:p>
           <a:p>
             <a:pPr lvl="4"/>
             <a:r>
-              <a:rPr lang="zh-CN" altLang="en-US" smtClean="0"/>
+              <a:rPr lang="zh-CN" altLang="en-US"/>
               <a:t>第五级</a:t>
             </a:r>
-            <a:endParaRPr lang="zh-CN" altLang="en-US"/>
           </a:p>
         </p:txBody>
       </p:sp>
@@ -1643,7 +1628,7 @@
           <a:p>
             <a:fld id="{D2B4B1F1-4DA7-425D-9E74-9CCF332327A2}" type="datetimeFigureOut">
               <a:rPr lang="zh-CN" altLang="en-US" smtClean="0"/>
-              <a:t>2023/1/28</a:t>
+              <a:t>2023/1/29</a:t>
             </a:fld>
             <a:endParaRPr lang="zh-CN" altLang="en-US"/>
           </a:p>
@@ -1737,10 +1722,9 @@
           <a:lstStyle/>
           <a:p>
             <a:r>
-              <a:rPr lang="zh-CN" altLang="en-US" smtClean="0"/>
+              <a:rPr lang="zh-CN" altLang="en-US"/>
               <a:t>单击此处编辑母版标题样式</a:t>
             </a:r>
-            <a:endParaRPr lang="zh-CN" altLang="en-US"/>
           </a:p>
         </p:txBody>
       </p:sp>
@@ -1761,7 +1745,7 @@
           <a:p>
             <a:fld id="{D2B4B1F1-4DA7-425D-9E74-9CCF332327A2}" type="datetimeFigureOut">
               <a:rPr lang="zh-CN" altLang="en-US" smtClean="0"/>
-              <a:t>2023/1/28</a:t>
+              <a:t>2023/1/29</a:t>
             </a:fld>
             <a:endParaRPr lang="zh-CN" altLang="en-US"/>
           </a:p>
@@ -1856,7 +1840,7 @@
           <a:p>
             <a:fld id="{D2B4B1F1-4DA7-425D-9E74-9CCF332327A2}" type="datetimeFigureOut">
               <a:rPr lang="zh-CN" altLang="en-US" smtClean="0"/>
-              <a:t>2023/1/28</a:t>
+              <a:t>2023/1/29</a:t>
             </a:fld>
             <a:endParaRPr lang="zh-CN" altLang="en-US"/>
           </a:p>
@@ -1959,10 +1943,9 @@
           </a:lstStyle>
           <a:p>
             <a:r>
-              <a:rPr lang="zh-CN" altLang="en-US" smtClean="0"/>
+              <a:rPr lang="zh-CN" altLang="en-US"/>
               <a:t>单击此处编辑母版标题样式</a:t>
             </a:r>
-            <a:endParaRPr lang="zh-CN" altLang="en-US"/>
           </a:p>
         </p:txBody>
       </p:sp>
@@ -2016,38 +1999,37 @@
           <a:p>
             <a:pPr lvl="0"/>
             <a:r>
-              <a:rPr lang="zh-CN" altLang="en-US" smtClean="0"/>
+              <a:rPr lang="zh-CN" altLang="en-US"/>
               <a:t>单击此处编辑母版文本样式</a:t>
             </a:r>
           </a:p>
           <a:p>
             <a:pPr lvl="1"/>
             <a:r>
-              <a:rPr lang="zh-CN" altLang="en-US" smtClean="0"/>
+              <a:rPr lang="zh-CN" altLang="en-US"/>
               <a:t>第二级</a:t>
             </a:r>
           </a:p>
           <a:p>
             <a:pPr lvl="2"/>
             <a:r>
-              <a:rPr lang="zh-CN" altLang="en-US" smtClean="0"/>
+              <a:rPr lang="zh-CN" altLang="en-US"/>
               <a:t>第三级</a:t>
             </a:r>
           </a:p>
           <a:p>
             <a:pPr lvl="3"/>
             <a:r>
-              <a:rPr lang="zh-CN" altLang="en-US" smtClean="0"/>
+              <a:rPr lang="zh-CN" altLang="en-US"/>
               <a:t>第四级</a:t>
             </a:r>
           </a:p>
           <a:p>
             <a:pPr lvl="4"/>
             <a:r>
-              <a:rPr lang="zh-CN" altLang="en-US" smtClean="0"/>
+              <a:rPr lang="zh-CN" altLang="en-US"/>
               <a:t>第五级</a:t>
             </a:r>
-            <a:endParaRPr lang="zh-CN" altLang="en-US"/>
           </a:p>
         </p:txBody>
       </p:sp>
@@ -2110,7 +2092,7 @@
           <a:p>
             <a:pPr lvl="0"/>
             <a:r>
-              <a:rPr lang="zh-CN" altLang="en-US" smtClean="0"/>
+              <a:rPr lang="zh-CN" altLang="en-US"/>
               <a:t>单击此处编辑母版文本样式</a:t>
             </a:r>
           </a:p>
@@ -2133,7 +2115,7 @@
           <a:p>
             <a:fld id="{D2B4B1F1-4DA7-425D-9E74-9CCF332327A2}" type="datetimeFigureOut">
               <a:rPr lang="zh-CN" altLang="en-US" smtClean="0"/>
-              <a:t>2023/1/28</a:t>
+              <a:t>2023/1/29</a:t>
             </a:fld>
             <a:endParaRPr lang="zh-CN" altLang="en-US"/>
           </a:p>
@@ -2236,10 +2218,9 @@
           </a:lstStyle>
           <a:p>
             <a:r>
-              <a:rPr lang="zh-CN" altLang="en-US" smtClean="0"/>
+              <a:rPr lang="zh-CN" altLang="en-US"/>
               <a:t>单击此处编辑母版标题样式</a:t>
             </a:r>
-            <a:endParaRPr lang="zh-CN" altLang="en-US"/>
           </a:p>
         </p:txBody>
       </p:sp>
@@ -2363,7 +2344,7 @@
           <a:p>
             <a:pPr lvl="0"/>
             <a:r>
-              <a:rPr lang="zh-CN" altLang="en-US" smtClean="0"/>
+              <a:rPr lang="zh-CN" altLang="en-US"/>
               <a:t>单击此处编辑母版文本样式</a:t>
             </a:r>
           </a:p>
@@ -2386,7 +2367,7 @@
           <a:p>
             <a:fld id="{D2B4B1F1-4DA7-425D-9E74-9CCF332327A2}" type="datetimeFigureOut">
               <a:rPr lang="zh-CN" altLang="en-US" smtClean="0"/>
-              <a:t>2023/1/28</a:t>
+              <a:t>2023/1/29</a:t>
             </a:fld>
             <a:endParaRPr lang="zh-CN" altLang="en-US"/>
           </a:p>
@@ -2495,10 +2476,9 @@
           <a:lstStyle/>
           <a:p>
             <a:r>
-              <a:rPr lang="zh-CN" altLang="en-US" smtClean="0"/>
+              <a:rPr lang="zh-CN" altLang="en-US"/>
               <a:t>单击此处编辑母版标题样式</a:t>
             </a:r>
-            <a:endParaRPr lang="zh-CN" altLang="en-US"/>
           </a:p>
         </p:txBody>
       </p:sp>
@@ -2529,38 +2509,37 @@
           <a:p>
             <a:pPr lvl="0"/>
             <a:r>
-              <a:rPr lang="zh-CN" altLang="en-US" smtClean="0"/>
+              <a:rPr lang="zh-CN" altLang="en-US"/>
               <a:t>单击此处编辑母版文本样式</a:t>
             </a:r>
           </a:p>
           <a:p>
             <a:pPr lvl="1"/>
             <a:r>
-              <a:rPr lang="zh-CN" altLang="en-US" smtClean="0"/>
+              <a:rPr lang="zh-CN" altLang="en-US"/>
               <a:t>第二级</a:t>
             </a:r>
           </a:p>
           <a:p>
             <a:pPr lvl="2"/>
             <a:r>
-              <a:rPr lang="zh-CN" altLang="en-US" smtClean="0"/>
+              <a:rPr lang="zh-CN" altLang="en-US"/>
               <a:t>第三级</a:t>
             </a:r>
           </a:p>
           <a:p>
             <a:pPr lvl="3"/>
             <a:r>
-              <a:rPr lang="zh-CN" altLang="en-US" smtClean="0"/>
+              <a:rPr lang="zh-CN" altLang="en-US"/>
               <a:t>第四级</a:t>
             </a:r>
           </a:p>
           <a:p>
             <a:pPr lvl="4"/>
             <a:r>
-              <a:rPr lang="zh-CN" altLang="en-US" smtClean="0"/>
+              <a:rPr lang="zh-CN" altLang="en-US"/>
               <a:t>第五级</a:t>
             </a:r>
-            <a:endParaRPr lang="zh-CN" altLang="en-US"/>
           </a:p>
         </p:txBody>
       </p:sp>
@@ -2599,7 +2578,7 @@
           <a:p>
             <a:fld id="{D2B4B1F1-4DA7-425D-9E74-9CCF332327A2}" type="datetimeFigureOut">
               <a:rPr lang="zh-CN" altLang="en-US" smtClean="0"/>
-              <a:t>2023/1/28</a:t>
+              <a:t>2023/1/29</a:t>
             </a:fld>
             <a:endParaRPr lang="zh-CN" altLang="en-US"/>
           </a:p>
@@ -3010,7 +2989,7 @@
           <p:cNvPr id="10" name="iSHEJI-1">
             <a:extLst>
               <a:ext uri="{FF2B5EF4-FFF2-40B4-BE49-F238E27FC236}">
-                <a16:creationId xmlns="" xmlns:a16="http://schemas.microsoft.com/office/drawing/2014/main" id="{B4200114-5EBD-FC13-ECB3-F673A8764AEB}"/>
+                <a16:creationId xmlns:a16="http://schemas.microsoft.com/office/drawing/2014/main" id="{B4200114-5EBD-FC13-ECB3-F673A8764AEB}"/>
               </a:ext>
             </a:extLst>
           </p:cNvPr>
@@ -3067,7 +3046,7 @@
           <p:cNvPr id="13" name="iSHEJI-2">
             <a:extLst>
               <a:ext uri="{FF2B5EF4-FFF2-40B4-BE49-F238E27FC236}">
-                <a16:creationId xmlns="" xmlns:a16="http://schemas.microsoft.com/office/drawing/2014/main" id="{961D4E6A-BCB0-3883-E8B4-08048918D882}"/>
+                <a16:creationId xmlns:a16="http://schemas.microsoft.com/office/drawing/2014/main" id="{961D4E6A-BCB0-3883-E8B4-08048918D882}"/>
               </a:ext>
             </a:extLst>
           </p:cNvPr>
@@ -3103,7 +3082,7 @@
           <p:cNvPr id="14" name="iSHEJI-3">
             <a:extLst>
               <a:ext uri="{FF2B5EF4-FFF2-40B4-BE49-F238E27FC236}">
-                <a16:creationId xmlns="" xmlns:a16="http://schemas.microsoft.com/office/drawing/2014/main" id="{913128C2-FD54-FA7A-7F19-1877B6D45AF4}"/>
+                <a16:creationId xmlns:a16="http://schemas.microsoft.com/office/drawing/2014/main" id="{913128C2-FD54-FA7A-7F19-1877B6D45AF4}"/>
               </a:ext>
             </a:extLst>
           </p:cNvPr>
@@ -3165,7 +3144,7 @@
               <a:defRPr/>
             </a:pPr>
             <a:r>
-              <a:rPr lang="zh-CN" altLang="en-US" sz="8000" spc="0" dirty="0">
+              <a:rPr lang="zh-CN" altLang="en-US" sz="8000" b="1" spc="0" dirty="0">
                 <a:solidFill>
                   <a:schemeClr val="bg1">
                     <a:lumMod val="95000"/>
@@ -3177,7 +3156,7 @@
               </a:rPr>
               <a:t>前言</a:t>
             </a:r>
-            <a:endParaRPr kumimoji="0" lang="zh-CN" altLang="en-US" sz="8000" i="0" u="none" strike="noStrike" kern="1200" cap="none" spc="0" normalizeH="0" baseline="0" noProof="0" dirty="0">
+            <a:endParaRPr kumimoji="0" lang="zh-CN" altLang="en-US" sz="8000" b="1" i="0" u="none" strike="noStrike" kern="1200" cap="none" spc="0" normalizeH="0" baseline="0" noProof="0" dirty="0">
               <a:ln>
                 <a:noFill/>
               </a:ln>
@@ -3201,7 +3180,7 @@
           <p:cNvPr id="15" name="iSHEJI-4">
             <a:extLst>
               <a:ext uri="{FF2B5EF4-FFF2-40B4-BE49-F238E27FC236}">
-                <a16:creationId xmlns="" xmlns:a16="http://schemas.microsoft.com/office/drawing/2014/main" id="{D818FD82-A51E-C8E9-67C4-B085A1695D24}"/>
+                <a16:creationId xmlns:a16="http://schemas.microsoft.com/office/drawing/2014/main" id="{D818FD82-A51E-C8E9-67C4-B085A1695D24}"/>
               </a:ext>
             </a:extLst>
           </p:cNvPr>
@@ -3263,7 +3242,7 @@
               <a:defRPr/>
             </a:pPr>
             <a:r>
-              <a:rPr kumimoji="0" lang="en-US" altLang="zh-CN" sz="1600" i="0" u="none" strike="noStrike" kern="1200" cap="none" spc="0" normalizeH="0" baseline="0" noProof="0" dirty="0" smtClean="0">
+              <a:rPr kumimoji="0" lang="en-US" altLang="zh-CN" sz="1600" i="0" u="none" strike="noStrike" kern="1200" cap="none" spc="0" normalizeH="0" baseline="0" noProof="0" dirty="0">
                 <a:ln>
                   <a:noFill/>
                 </a:ln>
@@ -3301,7 +3280,7 @@
           <p:cNvPr id="20" name="iSHEJI-6">
             <a:extLst>
               <a:ext uri="{FF2B5EF4-FFF2-40B4-BE49-F238E27FC236}">
-                <a16:creationId xmlns="" xmlns:a16="http://schemas.microsoft.com/office/drawing/2014/main" id="{F9F39327-228E-5F56-87E7-B10151AD4011}"/>
+                <a16:creationId xmlns:a16="http://schemas.microsoft.com/office/drawing/2014/main" id="{F9F39327-228E-5F56-87E7-B10151AD4011}"/>
               </a:ext>
             </a:extLst>
           </p:cNvPr>
@@ -3344,7 +3323,7 @@
               <a:defRPr/>
             </a:pPr>
             <a:r>
-              <a:rPr lang="en-US" altLang="zh-CN" sz="8000" dirty="0">
+              <a:rPr lang="en-US" altLang="zh-CN" sz="8000" b="1" dirty="0">
                 <a:solidFill>
                   <a:schemeClr val="accent1"/>
                 </a:solidFill>
@@ -3354,7 +3333,7 @@
               </a:rPr>
               <a:t>-0-</a:t>
             </a:r>
-            <a:endParaRPr lang="zh-CN" altLang="en-US" sz="8000" dirty="0">
+            <a:endParaRPr lang="zh-CN" altLang="en-US" sz="8000" b="1" dirty="0">
               <a:solidFill>
                 <a:schemeClr val="accent1"/>
               </a:solidFill>
@@ -3370,7 +3349,7 @@
           <p:cNvPr id="22" name="iSHEJI-7">
             <a:extLst>
               <a:ext uri="{FF2B5EF4-FFF2-40B4-BE49-F238E27FC236}">
-                <a16:creationId xmlns="" xmlns:a16="http://schemas.microsoft.com/office/drawing/2014/main" id="{66A93946-C575-5884-B850-596DD83126D5}"/>
+                <a16:creationId xmlns:a16="http://schemas.microsoft.com/office/drawing/2014/main" id="{66A93946-C575-5884-B850-596DD83126D5}"/>
               </a:ext>
             </a:extLst>
           </p:cNvPr>
@@ -3425,7 +3404,7 @@
           <p:cNvPr id="31" name="iSHEJI-10">
             <a:extLst>
               <a:ext uri="{FF2B5EF4-FFF2-40B4-BE49-F238E27FC236}">
-                <a16:creationId xmlns="" xmlns:a16="http://schemas.microsoft.com/office/drawing/2014/main" id="{08D13A22-CB76-AD55-3EAE-B689110F3DDB}"/>
+                <a16:creationId xmlns:a16="http://schemas.microsoft.com/office/drawing/2014/main" id="{08D13A22-CB76-AD55-3EAE-B689110F3DDB}"/>
               </a:ext>
             </a:extLst>
           </p:cNvPr>
@@ -3468,7 +3447,7 @@
           <p:cNvPr id="26" name="iSHEJI-11">
             <a:extLst>
               <a:ext uri="{FF2B5EF4-FFF2-40B4-BE49-F238E27FC236}">
-                <a16:creationId xmlns="" xmlns:a16="http://schemas.microsoft.com/office/drawing/2014/main" id="{587D2A64-05DD-1D9C-3118-EF1387F00DCD}"/>
+                <a16:creationId xmlns:a16="http://schemas.microsoft.com/office/drawing/2014/main" id="{587D2A64-05DD-1D9C-3118-EF1387F00DCD}"/>
               </a:ext>
             </a:extLst>
           </p:cNvPr>
@@ -3531,7 +3510,7 @@
           <p:cNvPr id="27" name="iSHEJI-12">
             <a:extLst>
               <a:ext uri="{FF2B5EF4-FFF2-40B4-BE49-F238E27FC236}">
-                <a16:creationId xmlns="" xmlns:a16="http://schemas.microsoft.com/office/drawing/2014/main" id="{615485FE-9529-8F96-E733-DF53F13EA6FD}"/>
+                <a16:creationId xmlns:a16="http://schemas.microsoft.com/office/drawing/2014/main" id="{615485FE-9529-8F96-E733-DF53F13EA6FD}"/>
               </a:ext>
             </a:extLst>
           </p:cNvPr>
@@ -3596,7 +3575,7 @@
           <p:cNvPr id="28" name="iSHEJI-13">
             <a:extLst>
               <a:ext uri="{FF2B5EF4-FFF2-40B4-BE49-F238E27FC236}">
-                <a16:creationId xmlns="" xmlns:a16="http://schemas.microsoft.com/office/drawing/2014/main" id="{9F65F667-3C6B-4DF9-0DC8-3DAD2DEF8327}"/>
+                <a16:creationId xmlns:a16="http://schemas.microsoft.com/office/drawing/2014/main" id="{9F65F667-3C6B-4DF9-0DC8-3DAD2DEF8327}"/>
               </a:ext>
             </a:extLst>
           </p:cNvPr>
@@ -3659,7 +3638,7 @@
           <p:cNvPr id="29" name="iSHEJI-14">
             <a:extLst>
               <a:ext uri="{FF2B5EF4-FFF2-40B4-BE49-F238E27FC236}">
-                <a16:creationId xmlns="" xmlns:a16="http://schemas.microsoft.com/office/drawing/2014/main" id="{D0D1EDBA-892E-A54E-0884-860A7F59EC8B}"/>
+                <a16:creationId xmlns:a16="http://schemas.microsoft.com/office/drawing/2014/main" id="{D0D1EDBA-892E-A54E-0884-860A7F59EC8B}"/>
               </a:ext>
             </a:extLst>
           </p:cNvPr>
@@ -3757,13 +3736,6 @@
   <p:clrMapOvr>
     <a:masterClrMapping/>
   </p:clrMapOvr>
-  <p:timing>
-    <p:tnLst>
-      <p:par>
-        <p:cTn id="1" dur="indefinite" restart="never" nodeType="tmRoot"/>
-      </p:par>
-    </p:tnLst>
-  </p:timing>
 </p:sld>
 </file>
 
@@ -3789,7 +3761,7 @@
           <p:cNvPr id="32" name="iSHEJI-1">
             <a:extLst>
               <a:ext uri="{FF2B5EF4-FFF2-40B4-BE49-F238E27FC236}">
-                <a16:creationId xmlns="" xmlns:a16="http://schemas.microsoft.com/office/drawing/2014/main" id="{441F2787-28D0-1E21-F22C-6EC463A666B9}"/>
+                <a16:creationId xmlns:a16="http://schemas.microsoft.com/office/drawing/2014/main" id="{441F2787-28D0-1E21-F22C-6EC463A666B9}"/>
               </a:ext>
             </a:extLst>
           </p:cNvPr>
@@ -3848,7 +3820,7 @@
           <p:cNvPr id="33" name="iSHEJI-2">
             <a:extLst>
               <a:ext uri="{FF2B5EF4-FFF2-40B4-BE49-F238E27FC236}">
-                <a16:creationId xmlns="" xmlns:a16="http://schemas.microsoft.com/office/drawing/2014/main" id="{8496629A-A220-7E9E-A598-42703A24CC5F}"/>
+                <a16:creationId xmlns:a16="http://schemas.microsoft.com/office/drawing/2014/main" id="{8496629A-A220-7E9E-A598-42703A24CC5F}"/>
               </a:ext>
             </a:extLst>
           </p:cNvPr>
@@ -3903,7 +3875,7 @@
           <p:cNvPr id="13" name="iSHEJI-4">
             <a:extLst>
               <a:ext uri="{FF2B5EF4-FFF2-40B4-BE49-F238E27FC236}">
-                <a16:creationId xmlns="" xmlns:a16="http://schemas.microsoft.com/office/drawing/2014/main" id="{519CCD01-8B55-9F47-49E8-EB94BDA9B143}"/>
+                <a16:creationId xmlns:a16="http://schemas.microsoft.com/office/drawing/2014/main" id="{519CCD01-8B55-9F47-49E8-EB94BDA9B143}"/>
               </a:ext>
             </a:extLst>
           </p:cNvPr>
@@ -3972,7 +3944,7 @@
           <p:cNvPr id="14" name="iSHEJI-5">
             <a:extLst>
               <a:ext uri="{FF2B5EF4-FFF2-40B4-BE49-F238E27FC236}">
-                <a16:creationId xmlns="" xmlns:a16="http://schemas.microsoft.com/office/drawing/2014/main" id="{0FB4D3CB-E481-1254-B5DF-BBE0C0C41093}"/>
+                <a16:creationId xmlns:a16="http://schemas.microsoft.com/office/drawing/2014/main" id="{0FB4D3CB-E481-1254-B5DF-BBE0C0C41093}"/>
               </a:ext>
             </a:extLst>
           </p:cNvPr>
@@ -4020,7 +3992,7 @@
               <a:defRPr/>
             </a:pPr>
             <a:r>
-              <a:rPr lang="zh-CN" altLang="en-US" sz="2800" spc="0" dirty="0" smtClean="0">
+              <a:rPr lang="zh-CN" altLang="en-US" sz="2800" spc="0" dirty="0">
                 <a:solidFill>
                   <a:schemeClr val="tx1"/>
                 </a:solidFill>
@@ -4030,14 +4002,6 @@
               </a:rPr>
               <a:t>为什么要做</a:t>
             </a:r>
-            <a:endParaRPr lang="zh-CN" altLang="en-US" sz="2800" spc="0" dirty="0">
-              <a:solidFill>
-                <a:schemeClr val="tx1"/>
-              </a:solidFill>
-              <a:latin typeface="阿里巴巴普惠体 2.0 95 ExtraBold" panose="00020600040101010101" pitchFamily="18" charset="-122"/>
-              <a:ea typeface="阿里巴巴普惠体 2.0 95 ExtraBold" panose="00020600040101010101" pitchFamily="18" charset="-122"/>
-              <a:cs typeface="阿里巴巴普惠体 2.0 95 ExtraBold" panose="00020600040101010101" pitchFamily="18" charset="-122"/>
-            </a:endParaRPr>
           </a:p>
         </p:txBody>
       </p:sp>
@@ -4046,7 +4010,7 @@
           <p:cNvPr id="28" name="iSHEJI-13">
             <a:extLst>
               <a:ext uri="{FF2B5EF4-FFF2-40B4-BE49-F238E27FC236}">
-                <a16:creationId xmlns="" xmlns:a16="http://schemas.microsoft.com/office/drawing/2014/main" id="{5E5E03D1-6CAB-EC36-48E7-8C089D23861A}"/>
+                <a16:creationId xmlns:a16="http://schemas.microsoft.com/office/drawing/2014/main" id="{5E5E03D1-6CAB-EC36-48E7-8C089D23861A}"/>
               </a:ext>
             </a:extLst>
           </p:cNvPr>
@@ -4115,7 +4079,7 @@
           <p:cNvPr id="29" name="iSHEJI-14">
             <a:extLst>
               <a:ext uri="{FF2B5EF4-FFF2-40B4-BE49-F238E27FC236}">
-                <a16:creationId xmlns="" xmlns:a16="http://schemas.microsoft.com/office/drawing/2014/main" id="{19BD378E-9994-29CE-A0A2-D2455449D86B}"/>
+                <a16:creationId xmlns:a16="http://schemas.microsoft.com/office/drawing/2014/main" id="{19BD378E-9994-29CE-A0A2-D2455449D86B}"/>
               </a:ext>
             </a:extLst>
           </p:cNvPr>
@@ -4184,7 +4148,7 @@
           <p:cNvPr id="31" name="iSHEJI-16">
             <a:extLst>
               <a:ext uri="{FF2B5EF4-FFF2-40B4-BE49-F238E27FC236}">
-                <a16:creationId xmlns="" xmlns:a16="http://schemas.microsoft.com/office/drawing/2014/main" id="{7BBD72A9-5114-8E4C-5410-B493E568AA35}"/>
+                <a16:creationId xmlns:a16="http://schemas.microsoft.com/office/drawing/2014/main" id="{7BBD72A9-5114-8E4C-5410-B493E568AA35}"/>
               </a:ext>
             </a:extLst>
           </p:cNvPr>
@@ -4245,7 +4209,7 @@
           <p:cNvPr id="3" name="iSHEJI-17">
             <a:extLst>
               <a:ext uri="{FF2B5EF4-FFF2-40B4-BE49-F238E27FC236}">
-                <a16:creationId xmlns="" xmlns:a16="http://schemas.microsoft.com/office/drawing/2014/main" id="{BB951A73-D8B7-1D78-3A36-BB10BEF720A5}"/>
+                <a16:creationId xmlns:a16="http://schemas.microsoft.com/office/drawing/2014/main" id="{BB951A73-D8B7-1D78-3A36-BB10BEF720A5}"/>
               </a:ext>
             </a:extLst>
           </p:cNvPr>
@@ -4325,7 +4289,7 @@
           <p:cNvPr id="21" name="iSHEJI-4">
             <a:extLst>
               <a:ext uri="{FF2B5EF4-FFF2-40B4-BE49-F238E27FC236}">
-                <a16:creationId xmlns="" xmlns:a16="http://schemas.microsoft.com/office/drawing/2014/main" id="{D818FD82-A51E-C8E9-67C4-B085A1695D24}"/>
+                <a16:creationId xmlns:a16="http://schemas.microsoft.com/office/drawing/2014/main" id="{D818FD82-A51E-C8E9-67C4-B085A1695D24}"/>
               </a:ext>
             </a:extLst>
           </p:cNvPr>
@@ -4387,7 +4351,7 @@
               <a:defRPr/>
             </a:pPr>
             <a:r>
-              <a:rPr kumimoji="0" lang="en-US" altLang="zh-CN" sz="1600" i="0" u="none" strike="noStrike" kern="1200" cap="none" spc="0" normalizeH="0" baseline="0" noProof="0" dirty="0" smtClean="0">
+              <a:rPr kumimoji="0" lang="en-US" altLang="zh-CN" sz="1600" i="0" u="none" strike="noStrike" kern="1200" cap="none" spc="0" normalizeH="0" baseline="0" noProof="0" dirty="0">
                 <a:ln>
                   <a:noFill/>
                 </a:ln>
@@ -4423,7 +4387,7 @@
               <a:defRPr/>
             </a:pPr>
             <a:r>
-              <a:rPr kumimoji="0" lang="en-US" altLang="zh-CN" sz="1600" i="0" u="none" strike="noStrike" kern="1200" cap="none" spc="0" normalizeH="0" baseline="0" noProof="0" dirty="0" smtClean="0">
+              <a:rPr kumimoji="0" lang="en-US" altLang="zh-CN" sz="1600" i="0" u="none" strike="noStrike" kern="1200" cap="none" spc="0" normalizeH="0" baseline="0" noProof="0" dirty="0">
                 <a:ln>
                   <a:noFill/>
                 </a:ln>
@@ -4459,7 +4423,7 @@
               <a:defRPr/>
             </a:pPr>
             <a:r>
-              <a:rPr kumimoji="0" lang="en-US" altLang="zh-CN" sz="1600" i="0" u="none" strike="noStrike" kern="1200" cap="none" spc="0" normalizeH="0" baseline="0" noProof="0" dirty="0" smtClean="0">
+              <a:rPr kumimoji="0" lang="en-US" altLang="zh-CN" sz="1600" i="0" u="none" strike="noStrike" kern="1200" cap="none" spc="0" normalizeH="0" baseline="0" noProof="0" dirty="0">
                 <a:ln>
                   <a:noFill/>
                 </a:ln>
@@ -4497,7 +4461,7 @@
           <p:cNvPr id="25" name="iSHEJI-5">
             <a:extLst>
               <a:ext uri="{FF2B5EF4-FFF2-40B4-BE49-F238E27FC236}">
-                <a16:creationId xmlns="" xmlns:a16="http://schemas.microsoft.com/office/drawing/2014/main" id="{0FB4D3CB-E481-1254-B5DF-BBE0C0C41093}"/>
+                <a16:creationId xmlns:a16="http://schemas.microsoft.com/office/drawing/2014/main" id="{0FB4D3CB-E481-1254-B5DF-BBE0C0C41093}"/>
               </a:ext>
             </a:extLst>
           </p:cNvPr>
@@ -4545,7 +4509,7 @@
               <a:defRPr/>
             </a:pPr>
             <a:r>
-              <a:rPr lang="zh-CN" altLang="en-US" sz="2800" spc="0" dirty="0" smtClean="0">
+              <a:rPr lang="zh-CN" altLang="en-US" sz="2800" spc="0" dirty="0">
                 <a:solidFill>
                   <a:schemeClr val="tx1"/>
                 </a:solidFill>
@@ -4555,14 +4519,6 @@
               </a:rPr>
               <a:t>讲解方式</a:t>
             </a:r>
-            <a:endParaRPr lang="zh-CN" altLang="en-US" sz="2800" spc="0" dirty="0">
-              <a:solidFill>
-                <a:schemeClr val="tx1"/>
-              </a:solidFill>
-              <a:latin typeface="阿里巴巴普惠体 2.0 95 ExtraBold" panose="00020600040101010101" pitchFamily="18" charset="-122"/>
-              <a:ea typeface="阿里巴巴普惠体 2.0 95 ExtraBold" panose="00020600040101010101" pitchFamily="18" charset="-122"/>
-              <a:cs typeface="阿里巴巴普惠体 2.0 95 ExtraBold" panose="00020600040101010101" pitchFamily="18" charset="-122"/>
-            </a:endParaRPr>
           </a:p>
         </p:txBody>
       </p:sp>
@@ -4571,7 +4527,7 @@
           <p:cNvPr id="34" name="iSHEJI-5">
             <a:extLst>
               <a:ext uri="{FF2B5EF4-FFF2-40B4-BE49-F238E27FC236}">
-                <a16:creationId xmlns="" xmlns:a16="http://schemas.microsoft.com/office/drawing/2014/main" id="{0FB4D3CB-E481-1254-B5DF-BBE0C0C41093}"/>
+                <a16:creationId xmlns:a16="http://schemas.microsoft.com/office/drawing/2014/main" id="{0FB4D3CB-E481-1254-B5DF-BBE0C0C41093}"/>
               </a:ext>
             </a:extLst>
           </p:cNvPr>
@@ -4619,7 +4575,7 @@
               <a:defRPr/>
             </a:pPr>
             <a:r>
-              <a:rPr lang="zh-CN" altLang="en-US" sz="2800" spc="0" dirty="0" smtClean="0">
+              <a:rPr lang="zh-CN" altLang="en-US" sz="2800" spc="0" dirty="0">
                 <a:solidFill>
                   <a:schemeClr val="tx1"/>
                 </a:solidFill>
@@ -4629,14 +4585,6 @@
               </a:rPr>
               <a:t>大致方向以及内容</a:t>
             </a:r>
-            <a:endParaRPr lang="zh-CN" altLang="en-US" sz="2800" spc="0" dirty="0">
-              <a:solidFill>
-                <a:schemeClr val="tx1"/>
-              </a:solidFill>
-              <a:latin typeface="阿里巴巴普惠体 2.0 95 ExtraBold" panose="00020600040101010101" pitchFamily="18" charset="-122"/>
-              <a:ea typeface="阿里巴巴普惠体 2.0 95 ExtraBold" panose="00020600040101010101" pitchFamily="18" charset="-122"/>
-              <a:cs typeface="阿里巴巴普惠体 2.0 95 ExtraBold" panose="00020600040101010101" pitchFamily="18" charset="-122"/>
-            </a:endParaRPr>
           </a:p>
         </p:txBody>
       </p:sp>
@@ -4645,7 +4593,7 @@
           <p:cNvPr id="15" name="iSHEJI-14">
             <a:extLst>
               <a:ext uri="{FF2B5EF4-FFF2-40B4-BE49-F238E27FC236}">
-                <a16:creationId xmlns="" xmlns:a16="http://schemas.microsoft.com/office/drawing/2014/main" id="{19BD378E-9994-29CE-A0A2-D2455449D86B}"/>
+                <a16:creationId xmlns:a16="http://schemas.microsoft.com/office/drawing/2014/main" id="{19BD378E-9994-29CE-A0A2-D2455449D86B}"/>
               </a:ext>
             </a:extLst>
           </p:cNvPr>
@@ -4696,18 +4644,7 @@
                 <a:ea typeface="阿里巴巴普惠体 2.0 95 ExtraBold" panose="00020600040101010101" pitchFamily="18" charset="-122"/>
                 <a:cs typeface="阿里巴巴普惠体 2.0 95 ExtraBold" panose="00020600040101010101" pitchFamily="18" charset="-122"/>
               </a:rPr>
-              <a:t>4</a:t>
-            </a:r>
-            <a:r>
-              <a:rPr lang="en-US" altLang="zh-CN" sz="3600" dirty="0" smtClean="0">
-                <a:solidFill>
-                  <a:schemeClr val="accent1"/>
-                </a:solidFill>
-                <a:latin typeface="阿里巴巴普惠体 2.0 95 ExtraBold" panose="00020600040101010101" pitchFamily="18" charset="-122"/>
-                <a:ea typeface="阿里巴巴普惠体 2.0 95 ExtraBold" panose="00020600040101010101" pitchFamily="18" charset="-122"/>
-                <a:cs typeface="阿里巴巴普惠体 2.0 95 ExtraBold" panose="00020600040101010101" pitchFamily="18" charset="-122"/>
-              </a:rPr>
-              <a:t>.</a:t>
+              <a:t>4.</a:t>
             </a:r>
             <a:endParaRPr lang="zh-CN" altLang="en-US" sz="3600" dirty="0">
               <a:solidFill>
@@ -4725,7 +4662,7 @@
           <p:cNvPr id="16" name="iSHEJI-5">
             <a:extLst>
               <a:ext uri="{FF2B5EF4-FFF2-40B4-BE49-F238E27FC236}">
-                <a16:creationId xmlns="" xmlns:a16="http://schemas.microsoft.com/office/drawing/2014/main" id="{0FB4D3CB-E481-1254-B5DF-BBE0C0C41093}"/>
+                <a16:creationId xmlns:a16="http://schemas.microsoft.com/office/drawing/2014/main" id="{0FB4D3CB-E481-1254-B5DF-BBE0C0C41093}"/>
               </a:ext>
             </a:extLst>
           </p:cNvPr>
@@ -4773,7 +4710,7 @@
               <a:defRPr/>
             </a:pPr>
             <a:r>
-              <a:rPr lang="zh-CN" altLang="en-US" sz="2800" spc="0" dirty="0" smtClean="0">
+              <a:rPr lang="zh-CN" altLang="en-US" sz="2800" spc="0" dirty="0">
                 <a:solidFill>
                   <a:schemeClr val="tx1"/>
                 </a:solidFill>
@@ -4783,14 +4720,6 @@
               </a:rPr>
               <a:t>链接地址</a:t>
             </a:r>
-            <a:endParaRPr lang="zh-CN" altLang="en-US" sz="2800" spc="0" dirty="0">
-              <a:solidFill>
-                <a:schemeClr val="tx1"/>
-              </a:solidFill>
-              <a:latin typeface="阿里巴巴普惠体 2.0 95 ExtraBold" panose="00020600040101010101" pitchFamily="18" charset="-122"/>
-              <a:ea typeface="阿里巴巴普惠体 2.0 95 ExtraBold" panose="00020600040101010101" pitchFamily="18" charset="-122"/>
-              <a:cs typeface="阿里巴巴普惠体 2.0 95 ExtraBold" panose="00020600040101010101" pitchFamily="18" charset="-122"/>
-            </a:endParaRPr>
           </a:p>
         </p:txBody>
       </p:sp>
@@ -4804,13 +4733,6 @@
   <p:clrMapOvr>
     <a:masterClrMapping/>
   </p:clrMapOvr>
-  <p:timing>
-    <p:tnLst>
-      <p:par>
-        <p:cTn id="1" dur="indefinite" restart="never" nodeType="tmRoot"/>
-      </p:par>
-    </p:tnLst>
-  </p:timing>
 </p:sld>
 </file>
 
@@ -4836,7 +4758,7 @@
           <p:cNvPr id="32" name="iSHEJI-1">
             <a:extLst>
               <a:ext uri="{FF2B5EF4-FFF2-40B4-BE49-F238E27FC236}">
-                <a16:creationId xmlns="" xmlns:a16="http://schemas.microsoft.com/office/drawing/2014/main" id="{441F2787-28D0-1E21-F22C-6EC463A666B9}"/>
+                <a16:creationId xmlns:a16="http://schemas.microsoft.com/office/drawing/2014/main" id="{441F2787-28D0-1E21-F22C-6EC463A666B9}"/>
               </a:ext>
             </a:extLst>
           </p:cNvPr>
@@ -4895,7 +4817,7 @@
           <p:cNvPr id="33" name="iSHEJI-2">
             <a:extLst>
               <a:ext uri="{FF2B5EF4-FFF2-40B4-BE49-F238E27FC236}">
-                <a16:creationId xmlns="" xmlns:a16="http://schemas.microsoft.com/office/drawing/2014/main" id="{8496629A-A220-7E9E-A598-42703A24CC5F}"/>
+                <a16:creationId xmlns:a16="http://schemas.microsoft.com/office/drawing/2014/main" id="{8496629A-A220-7E9E-A598-42703A24CC5F}"/>
               </a:ext>
             </a:extLst>
           </p:cNvPr>
@@ -4950,7 +4872,7 @@
           <p:cNvPr id="5" name="iSHEJI-4">
             <a:extLst>
               <a:ext uri="{FF2B5EF4-FFF2-40B4-BE49-F238E27FC236}">
-                <a16:creationId xmlns="" xmlns:a16="http://schemas.microsoft.com/office/drawing/2014/main" id="{AA442847-1164-D9D3-EAAC-666A8D5FE80B}"/>
+                <a16:creationId xmlns:a16="http://schemas.microsoft.com/office/drawing/2014/main" id="{AA442847-1164-D9D3-EAAC-666A8D5FE80B}"/>
               </a:ext>
             </a:extLst>
           </p:cNvPr>
@@ -4998,7 +4920,7 @@
               <a:defRPr/>
             </a:pPr>
             <a:r>
-              <a:rPr lang="zh-CN" altLang="en-US" sz="5400" spc="0" dirty="0" smtClean="0">
+              <a:rPr lang="zh-CN" altLang="en-US" sz="5400" spc="0" dirty="0">
                 <a:solidFill>
                   <a:schemeClr val="tx1">
                     <a:lumMod val="85000"/>
@@ -5011,17 +4933,6 @@
               </a:rPr>
               <a:t>为什么要做</a:t>
             </a:r>
-            <a:endParaRPr lang="zh-CN" altLang="en-US" sz="5400" spc="0" dirty="0">
-              <a:solidFill>
-                <a:schemeClr val="tx1">
-                  <a:lumMod val="85000"/>
-                  <a:lumOff val="15000"/>
-                </a:schemeClr>
-              </a:solidFill>
-              <a:latin typeface="阿里巴巴普惠体 2.0 95 ExtraBold" panose="00020600040101010101" pitchFamily="18" charset="-122"/>
-              <a:ea typeface="阿里巴巴普惠体 2.0 95 ExtraBold" panose="00020600040101010101" pitchFamily="18" charset="-122"/>
-              <a:cs typeface="阿里巴巴普惠体 2.0 95 ExtraBold" panose="00020600040101010101" pitchFamily="18" charset="-122"/>
-            </a:endParaRPr>
           </a:p>
         </p:txBody>
       </p:sp>
@@ -5030,7 +4941,7 @@
           <p:cNvPr id="10" name="iSHEJI-8">
             <a:extLst>
               <a:ext uri="{FF2B5EF4-FFF2-40B4-BE49-F238E27FC236}">
-                <a16:creationId xmlns="" xmlns:a16="http://schemas.microsoft.com/office/drawing/2014/main" id="{954189D8-6B9F-6CBC-8BD7-3755D3A8FB9D}"/>
+                <a16:creationId xmlns:a16="http://schemas.microsoft.com/office/drawing/2014/main" id="{954189D8-6B9F-6CBC-8BD7-3755D3A8FB9D}"/>
               </a:ext>
             </a:extLst>
           </p:cNvPr>
@@ -5092,7 +5003,7 @@
               <a:defRPr/>
             </a:pPr>
             <a:r>
-              <a:rPr kumimoji="0" lang="en-US" altLang="zh-CN" sz="4000" i="0" u="none" strike="noStrike" kern="1200" cap="none" spc="0" normalizeH="0" baseline="0" noProof="0" dirty="0" smtClean="0">
+              <a:rPr kumimoji="0" lang="en-US" altLang="zh-CN" sz="4000" i="0" u="none" strike="noStrike" kern="1200" cap="none" spc="0" normalizeH="0" baseline="0" noProof="0" dirty="0">
                 <a:ln>
                   <a:noFill/>
                 </a:ln>
@@ -5109,7 +5020,7 @@
               <a:t>1.</a:t>
             </a:r>
             <a:r>
-              <a:rPr kumimoji="0" lang="zh-CN" altLang="en-US" sz="4000" i="0" u="none" strike="noStrike" kern="1200" cap="none" spc="0" normalizeH="0" baseline="0" noProof="0" dirty="0" smtClean="0">
+              <a:rPr kumimoji="0" lang="zh-CN" altLang="en-US" sz="4000" i="0" u="none" strike="noStrike" kern="1200" cap="none" spc="0" normalizeH="0" baseline="0" noProof="0" dirty="0">
                 <a:ln>
                   <a:noFill/>
                 </a:ln>
@@ -5147,7 +5058,7 @@
           <p:cNvPr id="12" name="iSHEJI-9">
             <a:extLst>
               <a:ext uri="{FF2B5EF4-FFF2-40B4-BE49-F238E27FC236}">
-                <a16:creationId xmlns="" xmlns:a16="http://schemas.microsoft.com/office/drawing/2014/main" id="{8F6B881E-7CB0-07FF-3526-D6C3EE0C5255}"/>
+                <a16:creationId xmlns:a16="http://schemas.microsoft.com/office/drawing/2014/main" id="{8F6B881E-7CB0-07FF-3526-D6C3EE0C5255}"/>
               </a:ext>
             </a:extLst>
           </p:cNvPr>
@@ -5191,7 +5102,7 @@
           <p:cNvPr id="11" name="iSHEJI-8">
             <a:extLst>
               <a:ext uri="{FF2B5EF4-FFF2-40B4-BE49-F238E27FC236}">
-                <a16:creationId xmlns="" xmlns:a16="http://schemas.microsoft.com/office/drawing/2014/main" id="{954189D8-6B9F-6CBC-8BD7-3755D3A8FB9D}"/>
+                <a16:creationId xmlns:a16="http://schemas.microsoft.com/office/drawing/2014/main" id="{954189D8-6B9F-6CBC-8BD7-3755D3A8FB9D}"/>
               </a:ext>
             </a:extLst>
           </p:cNvPr>
@@ -5264,7 +5175,7 @@
               <a:t>2</a:t>
             </a:r>
             <a:r>
-              <a:rPr kumimoji="0" lang="en-US" altLang="zh-CN" sz="4000" i="0" u="none" strike="noStrike" kern="1200" cap="none" spc="0" normalizeH="0" baseline="0" noProof="0" dirty="0" smtClean="0">
+              <a:rPr kumimoji="0" lang="en-US" altLang="zh-CN" sz="4000" i="0" u="none" strike="noStrike" kern="1200" cap="none" spc="0" normalizeH="0" baseline="0" noProof="0" dirty="0">
                 <a:ln>
                   <a:noFill/>
                 </a:ln>
@@ -5281,7 +5192,7 @@
               <a:t>.</a:t>
             </a:r>
             <a:r>
-              <a:rPr kumimoji="0" lang="zh-CN" altLang="en-US" sz="4000" i="0" u="none" strike="noStrike" kern="1200" cap="none" spc="0" normalizeH="0" baseline="0" noProof="0" dirty="0" smtClean="0">
+              <a:rPr kumimoji="0" lang="zh-CN" altLang="en-US" sz="4000" i="0" u="none" strike="noStrike" kern="1200" cap="none" spc="0" normalizeH="0" baseline="0" noProof="0" dirty="0">
                 <a:ln>
                   <a:noFill/>
                 </a:ln>
@@ -5319,7 +5230,7 @@
           <p:cNvPr id="13" name="iSHEJI-8">
             <a:extLst>
               <a:ext uri="{FF2B5EF4-FFF2-40B4-BE49-F238E27FC236}">
-                <a16:creationId xmlns="" xmlns:a16="http://schemas.microsoft.com/office/drawing/2014/main" id="{954189D8-6B9F-6CBC-8BD7-3755D3A8FB9D}"/>
+                <a16:creationId xmlns:a16="http://schemas.microsoft.com/office/drawing/2014/main" id="{954189D8-6B9F-6CBC-8BD7-3755D3A8FB9D}"/>
               </a:ext>
             </a:extLst>
           </p:cNvPr>
@@ -5381,7 +5292,7 @@
               <a:defRPr/>
             </a:pPr>
             <a:r>
-              <a:rPr lang="en-US" altLang="zh-CN" sz="4000" spc="0" noProof="0" dirty="0" smtClean="0">
+              <a:rPr lang="en-US" altLang="zh-CN" sz="4000" spc="0" noProof="0" dirty="0">
                 <a:solidFill>
                   <a:schemeClr val="accent1"/>
                 </a:solidFill>
@@ -5392,7 +5303,7 @@
               <a:t>3</a:t>
             </a:r>
             <a:r>
-              <a:rPr kumimoji="0" lang="en-US" altLang="zh-CN" sz="4000" i="0" u="none" strike="noStrike" kern="1200" cap="none" spc="0" normalizeH="0" baseline="0" noProof="0" dirty="0" smtClean="0">
+              <a:rPr kumimoji="0" lang="en-US" altLang="zh-CN" sz="4000" i="0" u="none" strike="noStrike" kern="1200" cap="none" spc="0" normalizeH="0" baseline="0" noProof="0" dirty="0">
                 <a:ln>
                   <a:noFill/>
                 </a:ln>
@@ -5441,7 +5352,7 @@
           <p:cNvPr id="14" name="iSHEJI-4">
             <a:extLst>
               <a:ext uri="{FF2B5EF4-FFF2-40B4-BE49-F238E27FC236}">
-                <a16:creationId xmlns="" xmlns:a16="http://schemas.microsoft.com/office/drawing/2014/main" id="{D818FD82-A51E-C8E9-67C4-B085A1695D24}"/>
+                <a16:creationId xmlns:a16="http://schemas.microsoft.com/office/drawing/2014/main" id="{D818FD82-A51E-C8E9-67C4-B085A1695D24}"/>
               </a:ext>
             </a:extLst>
           </p:cNvPr>
@@ -5503,7 +5414,7 @@
               <a:defRPr/>
             </a:pPr>
             <a:r>
-              <a:rPr kumimoji="0" lang="en-US" altLang="zh-CN" sz="1600" i="0" u="none" strike="noStrike" kern="1200" cap="none" spc="0" normalizeH="0" baseline="0" noProof="0" dirty="0" smtClean="0">
+              <a:rPr kumimoji="0" lang="en-US" altLang="zh-CN" sz="1600" i="0" u="none" strike="noStrike" kern="1200" cap="none" spc="0" normalizeH="0" baseline="0" noProof="0" dirty="0">
                 <a:ln>
                   <a:noFill/>
                 </a:ln>
@@ -5539,7 +5450,7 @@
               <a:defRPr/>
             </a:pPr>
             <a:r>
-              <a:rPr kumimoji="0" lang="en-US" altLang="zh-CN" sz="1600" i="0" u="none" strike="noStrike" kern="1200" cap="none" spc="0" normalizeH="0" baseline="0" noProof="0" dirty="0" smtClean="0">
+              <a:rPr kumimoji="0" lang="en-US" altLang="zh-CN" sz="1600" i="0" u="none" strike="noStrike" kern="1200" cap="none" spc="0" normalizeH="0" baseline="0" noProof="0" dirty="0">
                 <a:ln>
                   <a:noFill/>
                 </a:ln>
@@ -5575,7 +5486,7 @@
               <a:defRPr/>
             </a:pPr>
             <a:r>
-              <a:rPr kumimoji="0" lang="en-US" altLang="zh-CN" sz="1600" i="0" u="none" strike="noStrike" kern="1200" cap="none" spc="0" normalizeH="0" baseline="0" noProof="0" dirty="0" smtClean="0">
+              <a:rPr kumimoji="0" lang="en-US" altLang="zh-CN" sz="1600" i="0" u="none" strike="noStrike" kern="1200" cap="none" spc="0" normalizeH="0" baseline="0" noProof="0" dirty="0">
                 <a:ln>
                   <a:noFill/>
                 </a:ln>
@@ -5618,13 +5529,6 @@
   <p:clrMapOvr>
     <a:masterClrMapping/>
   </p:clrMapOvr>
-  <p:timing>
-    <p:tnLst>
-      <p:par>
-        <p:cTn id="1" dur="indefinite" restart="never" nodeType="tmRoot"/>
-      </p:par>
-    </p:tnLst>
-  </p:timing>
 </p:sld>
 </file>
 
@@ -5650,7 +5554,7 @@
           <p:cNvPr id="32" name="iSHEJI-1">
             <a:extLst>
               <a:ext uri="{FF2B5EF4-FFF2-40B4-BE49-F238E27FC236}">
-                <a16:creationId xmlns="" xmlns:a16="http://schemas.microsoft.com/office/drawing/2014/main" id="{441F2787-28D0-1E21-F22C-6EC463A666B9}"/>
+                <a16:creationId xmlns:a16="http://schemas.microsoft.com/office/drawing/2014/main" id="{441F2787-28D0-1E21-F22C-6EC463A666B9}"/>
               </a:ext>
             </a:extLst>
           </p:cNvPr>
@@ -5709,7 +5613,7 @@
           <p:cNvPr id="33" name="iSHEJI-2">
             <a:extLst>
               <a:ext uri="{FF2B5EF4-FFF2-40B4-BE49-F238E27FC236}">
-                <a16:creationId xmlns="" xmlns:a16="http://schemas.microsoft.com/office/drawing/2014/main" id="{8496629A-A220-7E9E-A598-42703A24CC5F}"/>
+                <a16:creationId xmlns:a16="http://schemas.microsoft.com/office/drawing/2014/main" id="{8496629A-A220-7E9E-A598-42703A24CC5F}"/>
               </a:ext>
             </a:extLst>
           </p:cNvPr>
@@ -5764,7 +5668,7 @@
           <p:cNvPr id="5" name="iSHEJI-4">
             <a:extLst>
               <a:ext uri="{FF2B5EF4-FFF2-40B4-BE49-F238E27FC236}">
-                <a16:creationId xmlns="" xmlns:a16="http://schemas.microsoft.com/office/drawing/2014/main" id="{AA442847-1164-D9D3-EAAC-666A8D5FE80B}"/>
+                <a16:creationId xmlns:a16="http://schemas.microsoft.com/office/drawing/2014/main" id="{AA442847-1164-D9D3-EAAC-666A8D5FE80B}"/>
               </a:ext>
             </a:extLst>
           </p:cNvPr>
@@ -5812,7 +5716,7 @@
               <a:defRPr/>
             </a:pPr>
             <a:r>
-              <a:rPr lang="zh-CN" altLang="en-US" sz="5400" spc="0" dirty="0" smtClean="0">
+              <a:rPr lang="zh-CN" altLang="en-US" sz="5400" spc="0" dirty="0">
                 <a:solidFill>
                   <a:schemeClr val="tx1">
                     <a:lumMod val="85000"/>
@@ -5825,17 +5729,6 @@
               </a:rPr>
               <a:t>讲解方式</a:t>
             </a:r>
-            <a:endParaRPr lang="zh-CN" altLang="en-US" sz="5400" spc="0" dirty="0">
-              <a:solidFill>
-                <a:schemeClr val="tx1">
-                  <a:lumMod val="85000"/>
-                  <a:lumOff val="15000"/>
-                </a:schemeClr>
-              </a:solidFill>
-              <a:latin typeface="阿里巴巴普惠体 2.0 95 ExtraBold" panose="00020600040101010101" pitchFamily="18" charset="-122"/>
-              <a:ea typeface="阿里巴巴普惠体 2.0 95 ExtraBold" panose="00020600040101010101" pitchFamily="18" charset="-122"/>
-              <a:cs typeface="阿里巴巴普惠体 2.0 95 ExtraBold" panose="00020600040101010101" pitchFamily="18" charset="-122"/>
-            </a:endParaRPr>
           </a:p>
         </p:txBody>
       </p:sp>
@@ -5844,7 +5737,7 @@
           <p:cNvPr id="10" name="iSHEJI-8">
             <a:extLst>
               <a:ext uri="{FF2B5EF4-FFF2-40B4-BE49-F238E27FC236}">
-                <a16:creationId xmlns="" xmlns:a16="http://schemas.microsoft.com/office/drawing/2014/main" id="{954189D8-6B9F-6CBC-8BD7-3755D3A8FB9D}"/>
+                <a16:creationId xmlns:a16="http://schemas.microsoft.com/office/drawing/2014/main" id="{954189D8-6B9F-6CBC-8BD7-3755D3A8FB9D}"/>
               </a:ext>
             </a:extLst>
           </p:cNvPr>
@@ -5906,7 +5799,7 @@
               <a:defRPr/>
             </a:pPr>
             <a:r>
-              <a:rPr kumimoji="0" lang="en-US" altLang="zh-CN" sz="4000" i="0" u="none" strike="noStrike" kern="1200" cap="none" spc="0" normalizeH="0" baseline="0" noProof="0" dirty="0" smtClean="0">
+              <a:rPr kumimoji="0" lang="en-US" altLang="zh-CN" sz="4000" i="0" u="none" strike="noStrike" kern="1200" cap="none" spc="0" normalizeH="0" baseline="0" noProof="0" dirty="0">
                 <a:ln>
                   <a:noFill/>
                 </a:ln>
@@ -5923,15 +5816,21 @@
               <a:t>1.</a:t>
             </a:r>
             <a:r>
-              <a:rPr lang="zh-CN" altLang="en-US" sz="4000" spc="0" noProof="0" dirty="0">
+              <a:rPr kumimoji="0" lang="zh-CN" altLang="en-US" sz="4000" i="0" u="none" strike="noStrike" kern="1200" cap="none" spc="0" normalizeH="0" baseline="0" noProof="0" dirty="0">
+                <a:ln>
+                  <a:noFill/>
+                </a:ln>
                 <a:solidFill>
                   <a:schemeClr val="accent1"/>
                 </a:solidFill>
+                <a:effectLst/>
+                <a:uLnTx/>
+                <a:uFillTx/>
                 <a:latin typeface="阿里巴巴普惠体 2.0 95 ExtraBold" panose="00020600040101010101" pitchFamily="18" charset="-122"/>
                 <a:ea typeface="阿里巴巴普惠体 2.0 95 ExtraBold" panose="00020600040101010101" pitchFamily="18" charset="-122"/>
                 <a:cs typeface="阿里巴巴普惠体 2.0 95 ExtraBold" panose="00020600040101010101" pitchFamily="18" charset="-122"/>
               </a:rPr>
-              <a:t>是什么</a:t>
+              <a:t>展示</a:t>
             </a:r>
             <a:endParaRPr kumimoji="0" lang="en-US" altLang="zh-CN" sz="4000" i="0" u="none" strike="noStrike" kern="1200" cap="none" spc="0" normalizeH="0" baseline="0" noProof="0" dirty="0">
               <a:ln>
@@ -5955,7 +5854,7 @@
           <p:cNvPr id="12" name="iSHEJI-9">
             <a:extLst>
               <a:ext uri="{FF2B5EF4-FFF2-40B4-BE49-F238E27FC236}">
-                <a16:creationId xmlns="" xmlns:a16="http://schemas.microsoft.com/office/drawing/2014/main" id="{8F6B881E-7CB0-07FF-3526-D6C3EE0C5255}"/>
+                <a16:creationId xmlns:a16="http://schemas.microsoft.com/office/drawing/2014/main" id="{8F6B881E-7CB0-07FF-3526-D6C3EE0C5255}"/>
               </a:ext>
             </a:extLst>
           </p:cNvPr>
@@ -5999,7 +5898,7 @@
           <p:cNvPr id="11" name="iSHEJI-8">
             <a:extLst>
               <a:ext uri="{FF2B5EF4-FFF2-40B4-BE49-F238E27FC236}">
-                <a16:creationId xmlns="" xmlns:a16="http://schemas.microsoft.com/office/drawing/2014/main" id="{954189D8-6B9F-6CBC-8BD7-3755D3A8FB9D}"/>
+                <a16:creationId xmlns:a16="http://schemas.microsoft.com/office/drawing/2014/main" id="{954189D8-6B9F-6CBC-8BD7-3755D3A8FB9D}"/>
               </a:ext>
             </a:extLst>
           </p:cNvPr>
@@ -6072,7 +5971,7 @@
               <a:t>2</a:t>
             </a:r>
             <a:r>
-              <a:rPr kumimoji="0" lang="en-US" altLang="zh-CN" sz="4000" i="0" u="none" strike="noStrike" kern="1200" cap="none" spc="0" normalizeH="0" baseline="0" noProof="0" dirty="0" smtClean="0">
+              <a:rPr kumimoji="0" lang="en-US" altLang="zh-CN" sz="4000" i="0" u="none" strike="noStrike" kern="1200" cap="none" spc="0" normalizeH="0" baseline="0" noProof="0" dirty="0">
                 <a:ln>
                   <a:noFill/>
                 </a:ln>
@@ -6089,15 +5988,21 @@
               <a:t>.</a:t>
             </a:r>
             <a:r>
-              <a:rPr lang="zh-CN" altLang="en-US" sz="4000" spc="0" dirty="0">
+              <a:rPr kumimoji="0" lang="zh-CN" altLang="en-US" sz="4000" i="0" u="none" strike="noStrike" kern="1200" cap="none" spc="0" normalizeH="0" baseline="0" noProof="0" dirty="0">
+                <a:ln>
+                  <a:noFill/>
+                </a:ln>
                 <a:solidFill>
                   <a:schemeClr val="accent1"/>
                 </a:solidFill>
+                <a:effectLst/>
+                <a:uLnTx/>
+                <a:uFillTx/>
                 <a:latin typeface="阿里巴巴普惠体 2.0 95 ExtraBold" panose="00020600040101010101" pitchFamily="18" charset="-122"/>
                 <a:ea typeface="阿里巴巴普惠体 2.0 95 ExtraBold" panose="00020600040101010101" pitchFamily="18" charset="-122"/>
                 <a:cs typeface="阿里巴巴普惠体 2.0 95 ExtraBold" panose="00020600040101010101" pitchFamily="18" charset="-122"/>
               </a:rPr>
-              <a:t>怎么做</a:t>
+              <a:t>解析</a:t>
             </a:r>
             <a:endParaRPr kumimoji="0" lang="en-US" altLang="zh-CN" sz="4000" i="0" u="none" strike="noStrike" kern="1200" cap="none" spc="0" normalizeH="0" baseline="0" noProof="0" dirty="0">
               <a:ln>
@@ -6121,7 +6026,7 @@
           <p:cNvPr id="13" name="iSHEJI-8">
             <a:extLst>
               <a:ext uri="{FF2B5EF4-FFF2-40B4-BE49-F238E27FC236}">
-                <a16:creationId xmlns="" xmlns:a16="http://schemas.microsoft.com/office/drawing/2014/main" id="{954189D8-6B9F-6CBC-8BD7-3755D3A8FB9D}"/>
+                <a16:creationId xmlns:a16="http://schemas.microsoft.com/office/drawing/2014/main" id="{954189D8-6B9F-6CBC-8BD7-3755D3A8FB9D}"/>
               </a:ext>
             </a:extLst>
           </p:cNvPr>
@@ -6183,7 +6088,7 @@
               <a:defRPr/>
             </a:pPr>
             <a:r>
-              <a:rPr lang="en-US" altLang="zh-CN" sz="4000" spc="0" noProof="0" dirty="0" smtClean="0">
+              <a:rPr lang="en-US" altLang="zh-CN" sz="4000" spc="0" noProof="0" dirty="0">
                 <a:solidFill>
                   <a:schemeClr val="accent1"/>
                 </a:solidFill>
@@ -6194,7 +6099,7 @@
               <a:t>3</a:t>
             </a:r>
             <a:r>
-              <a:rPr kumimoji="0" lang="en-US" altLang="zh-CN" sz="4000" i="0" u="none" strike="noStrike" kern="1200" cap="none" spc="0" normalizeH="0" baseline="0" noProof="0" dirty="0" smtClean="0">
+              <a:rPr kumimoji="0" lang="en-US" altLang="zh-CN" sz="4000" i="0" u="none" strike="noStrike" kern="1200" cap="none" spc="0" normalizeH="0" baseline="0" noProof="0" dirty="0">
                 <a:ln>
                   <a:noFill/>
                 </a:ln>
@@ -6211,15 +6116,21 @@
               <a:t>.</a:t>
             </a:r>
             <a:r>
-              <a:rPr lang="zh-CN" altLang="en-US" sz="4000" spc="0" noProof="0" dirty="0">
+              <a:rPr kumimoji="0" lang="zh-CN" altLang="en-US" sz="4000" i="0" u="none" strike="noStrike" kern="1200" cap="none" spc="0" normalizeH="0" baseline="0" dirty="0">
+                <a:ln>
+                  <a:noFill/>
+                </a:ln>
                 <a:solidFill>
                   <a:schemeClr val="accent1"/>
                 </a:solidFill>
+                <a:effectLst/>
+                <a:uLnTx/>
+                <a:uFillTx/>
                 <a:latin typeface="阿里巴巴普惠体 2.0 95 ExtraBold" panose="00020600040101010101" pitchFamily="18" charset="-122"/>
                 <a:ea typeface="阿里巴巴普惠体 2.0 95 ExtraBold" panose="00020600040101010101" pitchFamily="18" charset="-122"/>
                 <a:cs typeface="阿里巴巴普惠体 2.0 95 ExtraBold" panose="00020600040101010101" pitchFamily="18" charset="-122"/>
               </a:rPr>
-              <a:t>为什么</a:t>
+              <a:t>手写</a:t>
             </a:r>
             <a:endParaRPr kumimoji="0" lang="en-US" altLang="zh-CN" sz="4000" i="0" u="none" strike="noStrike" kern="1200" cap="none" spc="0" normalizeH="0" baseline="0" noProof="0" dirty="0">
               <a:ln>
@@ -6243,7 +6154,7 @@
           <p:cNvPr id="14" name="iSHEJI-4">
             <a:extLst>
               <a:ext uri="{FF2B5EF4-FFF2-40B4-BE49-F238E27FC236}">
-                <a16:creationId xmlns="" xmlns:a16="http://schemas.microsoft.com/office/drawing/2014/main" id="{D818FD82-A51E-C8E9-67C4-B085A1695D24}"/>
+                <a16:creationId xmlns:a16="http://schemas.microsoft.com/office/drawing/2014/main" id="{D818FD82-A51E-C8E9-67C4-B085A1695D24}"/>
               </a:ext>
             </a:extLst>
           </p:cNvPr>
@@ -6305,7 +6216,7 @@
               <a:defRPr/>
             </a:pPr>
             <a:r>
-              <a:rPr kumimoji="0" lang="en-US" altLang="zh-CN" sz="1600" i="0" u="none" strike="noStrike" kern="1200" cap="none" spc="0" normalizeH="0" baseline="0" noProof="0" dirty="0" smtClean="0">
+              <a:rPr kumimoji="0" lang="en-US" altLang="zh-CN" sz="1600" i="0" u="none" strike="noStrike" kern="1200" cap="none" spc="0" normalizeH="0" baseline="0" noProof="0" dirty="0">
                 <a:ln>
                   <a:noFill/>
                 </a:ln>
@@ -6341,7 +6252,7 @@
               <a:defRPr/>
             </a:pPr>
             <a:r>
-              <a:rPr kumimoji="0" lang="en-US" altLang="zh-CN" sz="1600" i="0" u="none" strike="noStrike" kern="1200" cap="none" spc="0" normalizeH="0" baseline="0" noProof="0" dirty="0" smtClean="0">
+              <a:rPr kumimoji="0" lang="en-US" altLang="zh-CN" sz="1600" i="0" u="none" strike="noStrike" kern="1200" cap="none" spc="0" normalizeH="0" baseline="0" noProof="0" dirty="0">
                 <a:ln>
                   <a:noFill/>
                 </a:ln>
@@ -6377,7 +6288,7 @@
               <a:defRPr/>
             </a:pPr>
             <a:r>
-              <a:rPr kumimoji="0" lang="en-US" altLang="zh-CN" sz="1600" i="0" u="none" strike="noStrike" kern="1200" cap="none" spc="0" normalizeH="0" baseline="0" noProof="0" dirty="0" smtClean="0">
+              <a:rPr kumimoji="0" lang="en-US" altLang="zh-CN" sz="1600" i="0" u="none" strike="noStrike" kern="1200" cap="none" spc="0" normalizeH="0" baseline="0" noProof="0" dirty="0">
                 <a:ln>
                   <a:noFill/>
                 </a:ln>
@@ -6410,128 +6321,6 @@
           </a:p>
         </p:txBody>
       </p:sp>
-      <p:sp>
-        <p:nvSpPr>
-          <p:cNvPr id="15" name="iSHEJI-8">
-            <a:extLst>
-              <a:ext uri="{FF2B5EF4-FFF2-40B4-BE49-F238E27FC236}">
-                <a16:creationId xmlns="" xmlns:a16="http://schemas.microsoft.com/office/drawing/2014/main" id="{954189D8-6B9F-6CBC-8BD7-3755D3A8FB9D}"/>
-              </a:ext>
-            </a:extLst>
-          </p:cNvPr>
-          <p:cNvSpPr txBox="1"/>
-          <p:nvPr/>
-        </p:nvSpPr>
-        <p:spPr>
-          <a:xfrm>
-            <a:off x="1425135" y="4231635"/>
-            <a:ext cx="7907124" cy="615553"/>
-          </a:xfrm>
-          <a:prstGeom prst="rect">
-            <a:avLst/>
-          </a:prstGeom>
-          <a:noFill/>
-        </p:spPr>
-        <p:txBody>
-          <a:bodyPr wrap="square" lIns="0" tIns="0" rIns="0" bIns="0" rtlCol="0">
-            <a:spAutoFit/>
-          </a:bodyPr>
-          <a:lstStyle>
-            <a:defPPr>
-              <a:defRPr lang="zh-CN"/>
-            </a:defPPr>
-            <a:lvl1pPr>
-              <a:defRPr sz="3200" spc="300">
-                <a:gradFill>
-                  <a:gsLst>
-                    <a:gs pos="0">
-                      <a:schemeClr val="bg1"/>
-                    </a:gs>
-                    <a:gs pos="100000">
-                      <a:schemeClr val="accent4"/>
-                    </a:gs>
-                  </a:gsLst>
-                  <a:lin ang="2700000" scaled="0"/>
-                </a:gradFill>
-                <a:latin typeface="+mj-ea"/>
-                <a:ea typeface="+mj-ea"/>
-              </a:defRPr>
-            </a:lvl1pPr>
-          </a:lstStyle>
-          <a:p>
-            <a:pPr marL="0" marR="0" lvl="0" indent="0" defTabSz="914400" rtl="0" eaLnBrk="1" fontAlgn="auto" latinLnBrk="0" hangingPunct="1">
-              <a:lnSpc>
-                <a:spcPct val="100000"/>
-              </a:lnSpc>
-              <a:spcBef>
-                <a:spcPts val="0"/>
-              </a:spcBef>
-              <a:spcAft>
-                <a:spcPts val="0"/>
-              </a:spcAft>
-              <a:buClrTx/>
-              <a:buSzTx/>
-              <a:buFontTx/>
-              <a:buNone/>
-              <a:tabLst/>
-              <a:defRPr/>
-            </a:pPr>
-            <a:r>
-              <a:rPr lang="en-US" altLang="zh-CN" sz="4000" spc="0" dirty="0">
-                <a:solidFill>
-                  <a:schemeClr val="accent1"/>
-                </a:solidFill>
-                <a:latin typeface="阿里巴巴普惠体 2.0 95 ExtraBold" panose="00020600040101010101" pitchFamily="18" charset="-122"/>
-                <a:ea typeface="阿里巴巴普惠体 2.0 95 ExtraBold" panose="00020600040101010101" pitchFamily="18" charset="-122"/>
-                <a:cs typeface="阿里巴巴普惠体 2.0 95 ExtraBold" panose="00020600040101010101" pitchFamily="18" charset="-122"/>
-              </a:rPr>
-              <a:t>4</a:t>
-            </a:r>
-            <a:r>
-              <a:rPr kumimoji="0" lang="en-US" altLang="zh-CN" sz="4000" i="0" u="none" strike="noStrike" kern="1200" cap="none" spc="0" normalizeH="0" baseline="0" noProof="0" dirty="0" smtClean="0">
-                <a:ln>
-                  <a:noFill/>
-                </a:ln>
-                <a:solidFill>
-                  <a:schemeClr val="accent1"/>
-                </a:solidFill>
-                <a:effectLst/>
-                <a:uLnTx/>
-                <a:uFillTx/>
-                <a:latin typeface="阿里巴巴普惠体 2.0 95 ExtraBold" panose="00020600040101010101" pitchFamily="18" charset="-122"/>
-                <a:ea typeface="阿里巴巴普惠体 2.0 95 ExtraBold" panose="00020600040101010101" pitchFamily="18" charset="-122"/>
-                <a:cs typeface="阿里巴巴普惠体 2.0 95 ExtraBold" panose="00020600040101010101" pitchFamily="18" charset="-122"/>
-              </a:rPr>
-              <a:t>.</a:t>
-            </a:r>
-            <a:r>
-              <a:rPr lang="zh-CN" altLang="en-US" sz="4000" spc="0" dirty="0" smtClean="0">
-                <a:solidFill>
-                  <a:schemeClr val="accent1"/>
-                </a:solidFill>
-                <a:latin typeface="阿里巴巴普惠体 2.0 95 ExtraBold" panose="00020600040101010101" pitchFamily="18" charset="-122"/>
-                <a:ea typeface="阿里巴巴普惠体 2.0 95 ExtraBold" panose="00020600040101010101" pitchFamily="18" charset="-122"/>
-                <a:cs typeface="阿里巴巴普惠体 2.0 95 ExtraBold" panose="00020600040101010101" pitchFamily="18" charset="-122"/>
-              </a:rPr>
-              <a:t>手写代码</a:t>
-            </a:r>
-            <a:endParaRPr kumimoji="0" lang="en-US" altLang="zh-CN" sz="4000" i="0" u="none" strike="noStrike" kern="1200" cap="none" spc="0" normalizeH="0" baseline="0" noProof="0" dirty="0">
-              <a:ln>
-                <a:noFill/>
-              </a:ln>
-              <a:solidFill>
-                <a:schemeClr val="accent1"/>
-              </a:solidFill>
-              <a:effectLst/>
-              <a:uLnTx/>
-              <a:uFillTx/>
-              <a:latin typeface="阿里巴巴普惠体 2.0 95 ExtraBold" panose="00020600040101010101" pitchFamily="18" charset="-122"/>
-              <a:ea typeface="阿里巴巴普惠体 2.0 95 ExtraBold" panose="00020600040101010101" pitchFamily="18" charset="-122"/>
-              <a:cs typeface="阿里巴巴普惠体 2.0 95 ExtraBold" panose="00020600040101010101" pitchFamily="18" charset="-122"/>
-            </a:endParaRPr>
-          </a:p>
-        </p:txBody>
-      </p:sp>
     </p:spTree>
     <p:extLst>
       <p:ext uri="{BB962C8B-B14F-4D97-AF65-F5344CB8AC3E}">
@@ -6542,13 +6331,6 @@
   <p:clrMapOvr>
     <a:masterClrMapping/>
   </p:clrMapOvr>
-  <p:timing>
-    <p:tnLst>
-      <p:par>
-        <p:cTn id="1" dur="indefinite" restart="never" nodeType="tmRoot"/>
-      </p:par>
-    </p:tnLst>
-  </p:timing>
 </p:sld>
 </file>
 
@@ -6574,7 +6356,7 @@
           <p:cNvPr id="32" name="iSHEJI-1">
             <a:extLst>
               <a:ext uri="{FF2B5EF4-FFF2-40B4-BE49-F238E27FC236}">
-                <a16:creationId xmlns="" xmlns:a16="http://schemas.microsoft.com/office/drawing/2014/main" id="{441F2787-28D0-1E21-F22C-6EC463A666B9}"/>
+                <a16:creationId xmlns:a16="http://schemas.microsoft.com/office/drawing/2014/main" id="{441F2787-28D0-1E21-F22C-6EC463A666B9}"/>
               </a:ext>
             </a:extLst>
           </p:cNvPr>
@@ -6633,7 +6415,7 @@
           <p:cNvPr id="33" name="iSHEJI-2">
             <a:extLst>
               <a:ext uri="{FF2B5EF4-FFF2-40B4-BE49-F238E27FC236}">
-                <a16:creationId xmlns="" xmlns:a16="http://schemas.microsoft.com/office/drawing/2014/main" id="{8496629A-A220-7E9E-A598-42703A24CC5F}"/>
+                <a16:creationId xmlns:a16="http://schemas.microsoft.com/office/drawing/2014/main" id="{8496629A-A220-7E9E-A598-42703A24CC5F}"/>
               </a:ext>
             </a:extLst>
           </p:cNvPr>
@@ -6688,7 +6470,7 @@
           <p:cNvPr id="5" name="iSHEJI-4">
             <a:extLst>
               <a:ext uri="{FF2B5EF4-FFF2-40B4-BE49-F238E27FC236}">
-                <a16:creationId xmlns="" xmlns:a16="http://schemas.microsoft.com/office/drawing/2014/main" id="{AA442847-1164-D9D3-EAAC-666A8D5FE80B}"/>
+                <a16:creationId xmlns:a16="http://schemas.microsoft.com/office/drawing/2014/main" id="{AA442847-1164-D9D3-EAAC-666A8D5FE80B}"/>
               </a:ext>
             </a:extLst>
           </p:cNvPr>
@@ -6744,20 +6526,9 @@
                 <a:ea typeface="阿里巴巴普惠体 2.0 95 ExtraBold" panose="00020600040101010101" pitchFamily="18" charset="-122"/>
                 <a:cs typeface="阿里巴巴普惠体 2.0 95 ExtraBold" panose="00020600040101010101" pitchFamily="18" charset="-122"/>
               </a:rPr>
-              <a:t>大致</a:t>
-            </a:r>
-            <a:r>
-              <a:rPr lang="zh-CN" altLang="en-US" sz="5400" spc="0" dirty="0" smtClean="0">
-                <a:solidFill>
-                  <a:schemeClr val="tx1"/>
-                </a:solidFill>
-                <a:latin typeface="阿里巴巴普惠体 2.0 95 ExtraBold" panose="00020600040101010101" pitchFamily="18" charset="-122"/>
-                <a:ea typeface="阿里巴巴普惠体 2.0 95 ExtraBold" panose="00020600040101010101" pitchFamily="18" charset="-122"/>
-                <a:cs typeface="阿里巴巴普惠体 2.0 95 ExtraBold" panose="00020600040101010101" pitchFamily="18" charset="-122"/>
-              </a:rPr>
-              <a:t>方向</a:t>
-            </a:r>
-            <a:endParaRPr lang="en-US" altLang="zh-CN" sz="5400" spc="0" dirty="0" smtClean="0">
+              <a:t>大致方向</a:t>
+            </a:r>
+            <a:endParaRPr lang="en-US" altLang="zh-CN" sz="5400" spc="0" dirty="0">
               <a:solidFill>
                 <a:schemeClr val="tx1"/>
               </a:solidFill>
@@ -6771,7 +6542,7 @@
               <a:defRPr/>
             </a:pPr>
             <a:r>
-              <a:rPr lang="zh-CN" altLang="en-US" sz="5400" spc="0" dirty="0" smtClean="0">
+              <a:rPr lang="zh-CN" altLang="en-US" sz="5400" spc="0" dirty="0">
                 <a:solidFill>
                   <a:schemeClr val="tx1"/>
                 </a:solidFill>
@@ -6781,7 +6552,7 @@
               </a:rPr>
               <a:t>以及</a:t>
             </a:r>
-            <a:endParaRPr lang="en-US" altLang="zh-CN" sz="5400" spc="0" dirty="0" smtClean="0">
+            <a:endParaRPr lang="en-US" altLang="zh-CN" sz="5400" spc="0" dirty="0">
               <a:solidFill>
                 <a:schemeClr val="tx1"/>
               </a:solidFill>
@@ -6795,7 +6566,7 @@
               <a:defRPr/>
             </a:pPr>
             <a:r>
-              <a:rPr lang="zh-CN" altLang="en-US" sz="5400" spc="0" dirty="0" smtClean="0">
+              <a:rPr lang="zh-CN" altLang="en-US" sz="5400" spc="0" dirty="0">
                 <a:solidFill>
                   <a:schemeClr val="tx1"/>
                 </a:solidFill>
@@ -6805,14 +6576,6 @@
               </a:rPr>
               <a:t>内容</a:t>
             </a:r>
-            <a:endParaRPr lang="zh-CN" altLang="en-US" sz="5400" spc="0" dirty="0">
-              <a:solidFill>
-                <a:schemeClr val="tx1"/>
-              </a:solidFill>
-              <a:latin typeface="阿里巴巴普惠体 2.0 95 ExtraBold" panose="00020600040101010101" pitchFamily="18" charset="-122"/>
-              <a:ea typeface="阿里巴巴普惠体 2.0 95 ExtraBold" panose="00020600040101010101" pitchFamily="18" charset="-122"/>
-              <a:cs typeface="阿里巴巴普惠体 2.0 95 ExtraBold" panose="00020600040101010101" pitchFamily="18" charset="-122"/>
-            </a:endParaRPr>
           </a:p>
         </p:txBody>
       </p:sp>
@@ -6821,7 +6584,7 @@
           <p:cNvPr id="14" name="iSHEJI-4">
             <a:extLst>
               <a:ext uri="{FF2B5EF4-FFF2-40B4-BE49-F238E27FC236}">
-                <a16:creationId xmlns="" xmlns:a16="http://schemas.microsoft.com/office/drawing/2014/main" id="{D818FD82-A51E-C8E9-67C4-B085A1695D24}"/>
+                <a16:creationId xmlns:a16="http://schemas.microsoft.com/office/drawing/2014/main" id="{D818FD82-A51E-C8E9-67C4-B085A1695D24}"/>
               </a:ext>
             </a:extLst>
           </p:cNvPr>
@@ -6883,7 +6646,7 @@
               <a:defRPr/>
             </a:pPr>
             <a:r>
-              <a:rPr kumimoji="0" lang="en-US" altLang="zh-CN" sz="1600" i="0" u="none" strike="noStrike" kern="1200" cap="none" spc="0" normalizeH="0" baseline="0" noProof="0" dirty="0" smtClean="0">
+              <a:rPr kumimoji="0" lang="en-US" altLang="zh-CN" sz="1600" i="0" u="none" strike="noStrike" kern="1200" cap="none" spc="0" normalizeH="0" baseline="0" noProof="0" dirty="0">
                 <a:ln>
                   <a:noFill/>
                 </a:ln>
@@ -6919,7 +6682,7 @@
               <a:defRPr/>
             </a:pPr>
             <a:r>
-              <a:rPr kumimoji="0" lang="en-US" altLang="zh-CN" sz="1600" i="0" u="none" strike="noStrike" kern="1200" cap="none" spc="0" normalizeH="0" baseline="0" noProof="0" dirty="0" smtClean="0">
+              <a:rPr kumimoji="0" lang="en-US" altLang="zh-CN" sz="1600" i="0" u="none" strike="noStrike" kern="1200" cap="none" spc="0" normalizeH="0" baseline="0" noProof="0" dirty="0">
                 <a:ln>
                   <a:noFill/>
                 </a:ln>
@@ -6955,7 +6718,7 @@
               <a:defRPr/>
             </a:pPr>
             <a:r>
-              <a:rPr kumimoji="0" lang="en-US" altLang="zh-CN" sz="1600" i="0" u="none" strike="noStrike" kern="1200" cap="none" spc="0" normalizeH="0" baseline="0" noProof="0" dirty="0" smtClean="0">
+              <a:rPr kumimoji="0" lang="en-US" altLang="zh-CN" sz="1600" i="0" u="none" strike="noStrike" kern="1200" cap="none" spc="0" normalizeH="0" baseline="0" noProof="0" dirty="0">
                 <a:ln>
                   <a:noFill/>
                 </a:ln>
@@ -7022,13 +6785,6 @@
   <p:clrMapOvr>
     <a:masterClrMapping/>
   </p:clrMapOvr>
-  <p:timing>
-    <p:tnLst>
-      <p:par>
-        <p:cTn id="1" dur="indefinite" restart="never" nodeType="tmRoot"/>
-      </p:par>
-    </p:tnLst>
-  </p:timing>
 </p:sld>
 </file>
 
@@ -7054,7 +6810,7 @@
           <p:cNvPr id="32" name="iSHEJI-1">
             <a:extLst>
               <a:ext uri="{FF2B5EF4-FFF2-40B4-BE49-F238E27FC236}">
-                <a16:creationId xmlns="" xmlns:a16="http://schemas.microsoft.com/office/drawing/2014/main" id="{441F2787-28D0-1E21-F22C-6EC463A666B9}"/>
+                <a16:creationId xmlns:a16="http://schemas.microsoft.com/office/drawing/2014/main" id="{441F2787-28D0-1E21-F22C-6EC463A666B9}"/>
               </a:ext>
             </a:extLst>
           </p:cNvPr>
@@ -7113,7 +6869,7 @@
           <p:cNvPr id="33" name="iSHEJI-2">
             <a:extLst>
               <a:ext uri="{FF2B5EF4-FFF2-40B4-BE49-F238E27FC236}">
-                <a16:creationId xmlns="" xmlns:a16="http://schemas.microsoft.com/office/drawing/2014/main" id="{8496629A-A220-7E9E-A598-42703A24CC5F}"/>
+                <a16:creationId xmlns:a16="http://schemas.microsoft.com/office/drawing/2014/main" id="{8496629A-A220-7E9E-A598-42703A24CC5F}"/>
               </a:ext>
             </a:extLst>
           </p:cNvPr>
@@ -7168,7 +6924,7 @@
           <p:cNvPr id="5" name="iSHEJI-4">
             <a:extLst>
               <a:ext uri="{FF2B5EF4-FFF2-40B4-BE49-F238E27FC236}">
-                <a16:creationId xmlns="" xmlns:a16="http://schemas.microsoft.com/office/drawing/2014/main" id="{AA442847-1164-D9D3-EAAC-666A8D5FE80B}"/>
+                <a16:creationId xmlns:a16="http://schemas.microsoft.com/office/drawing/2014/main" id="{AA442847-1164-D9D3-EAAC-666A8D5FE80B}"/>
               </a:ext>
             </a:extLst>
           </p:cNvPr>
@@ -7216,7 +6972,7 @@
               <a:defRPr/>
             </a:pPr>
             <a:r>
-              <a:rPr lang="zh-CN" altLang="en-US" sz="5400" spc="0" dirty="0" smtClean="0">
+              <a:rPr lang="zh-CN" altLang="en-US" sz="5400" spc="0" dirty="0">
                 <a:solidFill>
                   <a:schemeClr val="tx1"/>
                 </a:solidFill>
@@ -7226,7 +6982,7 @@
               </a:rPr>
               <a:t>链接地址</a:t>
             </a:r>
-            <a:endParaRPr lang="en-US" altLang="zh-CN" sz="5400" spc="0" dirty="0" smtClean="0">
+            <a:endParaRPr lang="en-US" altLang="zh-CN" sz="5400" spc="0" dirty="0">
               <a:solidFill>
                 <a:schemeClr val="tx1"/>
               </a:solidFill>
@@ -7242,7 +6998,7 @@
           <p:cNvPr id="14" name="iSHEJI-4">
             <a:extLst>
               <a:ext uri="{FF2B5EF4-FFF2-40B4-BE49-F238E27FC236}">
-                <a16:creationId xmlns="" xmlns:a16="http://schemas.microsoft.com/office/drawing/2014/main" id="{D818FD82-A51E-C8E9-67C4-B085A1695D24}"/>
+                <a16:creationId xmlns:a16="http://schemas.microsoft.com/office/drawing/2014/main" id="{D818FD82-A51E-C8E9-67C4-B085A1695D24}"/>
               </a:ext>
             </a:extLst>
           </p:cNvPr>
@@ -7304,7 +7060,7 @@
               <a:defRPr/>
             </a:pPr>
             <a:r>
-              <a:rPr kumimoji="0" lang="en-US" altLang="zh-CN" sz="1600" i="0" u="none" strike="noStrike" kern="1200" cap="none" spc="0" normalizeH="0" baseline="0" noProof="0" dirty="0" smtClean="0">
+              <a:rPr kumimoji="0" lang="en-US" altLang="zh-CN" sz="1600" i="0" u="none" strike="noStrike" kern="1200" cap="none" spc="0" normalizeH="0" baseline="0" noProof="0" dirty="0">
                 <a:ln>
                   <a:noFill/>
                 </a:ln>
@@ -7340,7 +7096,7 @@
               <a:defRPr/>
             </a:pPr>
             <a:r>
-              <a:rPr kumimoji="0" lang="en-US" altLang="zh-CN" sz="1600" i="0" u="none" strike="noStrike" kern="1200" cap="none" spc="0" normalizeH="0" baseline="0" noProof="0" dirty="0" smtClean="0">
+              <a:rPr kumimoji="0" lang="en-US" altLang="zh-CN" sz="1600" i="0" u="none" strike="noStrike" kern="1200" cap="none" spc="0" normalizeH="0" baseline="0" noProof="0" dirty="0">
                 <a:ln>
                   <a:noFill/>
                 </a:ln>
@@ -7376,7 +7132,7 @@
               <a:defRPr/>
             </a:pPr>
             <a:r>
-              <a:rPr kumimoji="0" lang="en-US" altLang="zh-CN" sz="1600" i="0" u="none" strike="noStrike" kern="1200" cap="none" spc="0" normalizeH="0" baseline="0" noProof="0" dirty="0" smtClean="0">
+              <a:rPr kumimoji="0" lang="en-US" altLang="zh-CN" sz="1600" i="0" u="none" strike="noStrike" kern="1200" cap="none" spc="0" normalizeH="0" baseline="0" noProof="0" dirty="0">
                 <a:ln>
                   <a:noFill/>
                 </a:ln>
@@ -7414,7 +7170,7 @@
           <p:cNvPr id="7" name="iSHEJI-8">
             <a:extLst>
               <a:ext uri="{FF2B5EF4-FFF2-40B4-BE49-F238E27FC236}">
-                <a16:creationId xmlns="" xmlns:a16="http://schemas.microsoft.com/office/drawing/2014/main" id="{954189D8-6B9F-6CBC-8BD7-3755D3A8FB9D}"/>
+                <a16:creationId xmlns:a16="http://schemas.microsoft.com/office/drawing/2014/main" id="{954189D8-6B9F-6CBC-8BD7-3755D3A8FB9D}"/>
               </a:ext>
             </a:extLst>
           </p:cNvPr>
@@ -7485,19 +7241,7 @@
                 <a:cs typeface="阿里巴巴普惠体 2.0 95 ExtraBold" panose="00020600040101010101" pitchFamily="18" charset="-122"/>
                 <a:hlinkClick r:id="rId2"/>
               </a:rPr>
-              <a:t>语</a:t>
-            </a:r>
-            <a:r>
-              <a:rPr lang="zh-CN" altLang="en-US" sz="4000" spc="0" dirty="0" smtClean="0">
-                <a:solidFill>
-                  <a:schemeClr val="accent1"/>
-                </a:solidFill>
-                <a:latin typeface="阿里巴巴普惠体 2.0 95 ExtraBold" panose="00020600040101010101" pitchFamily="18" charset="-122"/>
-                <a:ea typeface="阿里巴巴普惠体 2.0 95 ExtraBold" panose="00020600040101010101" pitchFamily="18" charset="-122"/>
-                <a:cs typeface="阿里巴巴普惠体 2.0 95 ExtraBold" panose="00020600040101010101" pitchFamily="18" charset="-122"/>
-                <a:hlinkClick r:id="rId2"/>
-              </a:rPr>
-              <a:t>雀文档链接</a:t>
+              <a:t>语雀文档链接</a:t>
             </a:r>
             <a:endParaRPr kumimoji="0" lang="en-US" altLang="zh-CN" sz="4000" i="0" u="none" strike="noStrike" kern="1200" cap="none" spc="0" normalizeH="0" baseline="0" noProof="0" dirty="0">
               <a:ln>
@@ -7521,7 +7265,7 @@
           <p:cNvPr id="8" name="iSHEJI-8">
             <a:extLst>
               <a:ext uri="{FF2B5EF4-FFF2-40B4-BE49-F238E27FC236}">
-                <a16:creationId xmlns="" xmlns:a16="http://schemas.microsoft.com/office/drawing/2014/main" id="{954189D8-6B9F-6CBC-8BD7-3755D3A8FB9D}"/>
+                <a16:creationId xmlns:a16="http://schemas.microsoft.com/office/drawing/2014/main" id="{954189D8-6B9F-6CBC-8BD7-3755D3A8FB9D}"/>
               </a:ext>
             </a:extLst>
           </p:cNvPr>
@@ -7583,7 +7327,7 @@
               <a:defRPr/>
             </a:pPr>
             <a:r>
-              <a:rPr lang="en-US" altLang="zh-CN" sz="4000" spc="0" dirty="0" smtClean="0">
+              <a:rPr lang="en-US" altLang="zh-CN" sz="4000" spc="0" dirty="0">
                 <a:solidFill>
                   <a:schemeClr val="accent1"/>
                 </a:solidFill>
@@ -7595,7 +7339,7 @@
               <a:t>Github</a:t>
             </a:r>
             <a:r>
-              <a:rPr lang="zh-CN" altLang="en-US" sz="4000" spc="0" dirty="0" smtClean="0">
+              <a:rPr lang="zh-CN" altLang="en-US" sz="4000" spc="0" dirty="0">
                 <a:solidFill>
                   <a:schemeClr val="accent1"/>
                 </a:solidFill>
@@ -7633,13 +7377,6 @@
   <p:clrMapOvr>
     <a:masterClrMapping/>
   </p:clrMapOvr>
-  <p:timing>
-    <p:tnLst>
-      <p:par>
-        <p:cTn id="1" dur="indefinite" restart="never" nodeType="tmRoot"/>
-      </p:par>
-    </p:tnLst>
-  </p:timing>
 </p:sld>
 </file>
 

--- a/PPT/0-前言.pptx
+++ b/PPT/0-前言.pptx
@@ -246,7 +246,7 @@
           <a:p>
             <a:fld id="{D2B4B1F1-4DA7-425D-9E74-9CCF332327A2}" type="datetimeFigureOut">
               <a:rPr lang="zh-CN" altLang="en-US" smtClean="0"/>
-              <a:t>2023/1/29</a:t>
+              <a:t>2023/2/3</a:t>
             </a:fld>
             <a:endParaRPr lang="zh-CN" altLang="en-US"/>
           </a:p>
@@ -414,7 +414,7 @@
           <a:p>
             <a:fld id="{D2B4B1F1-4DA7-425D-9E74-9CCF332327A2}" type="datetimeFigureOut">
               <a:rPr lang="zh-CN" altLang="en-US" smtClean="0"/>
-              <a:t>2023/1/29</a:t>
+              <a:t>2023/2/3</a:t>
             </a:fld>
             <a:endParaRPr lang="zh-CN" altLang="en-US"/>
           </a:p>
@@ -592,7 +592,7 @@
           <a:p>
             <a:fld id="{D2B4B1F1-4DA7-425D-9E74-9CCF332327A2}" type="datetimeFigureOut">
               <a:rPr lang="zh-CN" altLang="en-US" smtClean="0"/>
-              <a:t>2023/1/29</a:t>
+              <a:t>2023/2/3</a:t>
             </a:fld>
             <a:endParaRPr lang="zh-CN" altLang="en-US"/>
           </a:p>
@@ -790,7 +790,7 @@
           <a:p>
             <a:fld id="{D2B4B1F1-4DA7-425D-9E74-9CCF332327A2}" type="datetimeFigureOut">
               <a:rPr lang="zh-CN" altLang="en-US" smtClean="0"/>
-              <a:t>2023/1/29</a:t>
+              <a:t>2023/2/3</a:t>
             </a:fld>
             <a:endParaRPr lang="zh-CN" altLang="en-US"/>
           </a:p>
@@ -1035,7 +1035,7 @@
           <a:p>
             <a:fld id="{D2B4B1F1-4DA7-425D-9E74-9CCF332327A2}" type="datetimeFigureOut">
               <a:rPr lang="zh-CN" altLang="en-US" smtClean="0"/>
-              <a:t>2023/1/29</a:t>
+              <a:t>2023/2/3</a:t>
             </a:fld>
             <a:endParaRPr lang="zh-CN" altLang="en-US"/>
           </a:p>
@@ -1264,7 +1264,7 @@
           <a:p>
             <a:fld id="{D2B4B1F1-4DA7-425D-9E74-9CCF332327A2}" type="datetimeFigureOut">
               <a:rPr lang="zh-CN" altLang="en-US" smtClean="0"/>
-              <a:t>2023/1/29</a:t>
+              <a:t>2023/2/3</a:t>
             </a:fld>
             <a:endParaRPr lang="zh-CN" altLang="en-US"/>
           </a:p>
@@ -1628,7 +1628,7 @@
           <a:p>
             <a:fld id="{D2B4B1F1-4DA7-425D-9E74-9CCF332327A2}" type="datetimeFigureOut">
               <a:rPr lang="zh-CN" altLang="en-US" smtClean="0"/>
-              <a:t>2023/1/29</a:t>
+              <a:t>2023/2/3</a:t>
             </a:fld>
             <a:endParaRPr lang="zh-CN" altLang="en-US"/>
           </a:p>
@@ -1745,7 +1745,7 @@
           <a:p>
             <a:fld id="{D2B4B1F1-4DA7-425D-9E74-9CCF332327A2}" type="datetimeFigureOut">
               <a:rPr lang="zh-CN" altLang="en-US" smtClean="0"/>
-              <a:t>2023/1/29</a:t>
+              <a:t>2023/2/3</a:t>
             </a:fld>
             <a:endParaRPr lang="zh-CN" altLang="en-US"/>
           </a:p>
@@ -1840,7 +1840,7 @@
           <a:p>
             <a:fld id="{D2B4B1F1-4DA7-425D-9E74-9CCF332327A2}" type="datetimeFigureOut">
               <a:rPr lang="zh-CN" altLang="en-US" smtClean="0"/>
-              <a:t>2023/1/29</a:t>
+              <a:t>2023/2/3</a:t>
             </a:fld>
             <a:endParaRPr lang="zh-CN" altLang="en-US"/>
           </a:p>
@@ -2115,7 +2115,7 @@
           <a:p>
             <a:fld id="{D2B4B1F1-4DA7-425D-9E74-9CCF332327A2}" type="datetimeFigureOut">
               <a:rPr lang="zh-CN" altLang="en-US" smtClean="0"/>
-              <a:t>2023/1/29</a:t>
+              <a:t>2023/2/3</a:t>
             </a:fld>
             <a:endParaRPr lang="zh-CN" altLang="en-US"/>
           </a:p>
@@ -2367,7 +2367,7 @@
           <a:p>
             <a:fld id="{D2B4B1F1-4DA7-425D-9E74-9CCF332327A2}" type="datetimeFigureOut">
               <a:rPr lang="zh-CN" altLang="en-US" smtClean="0"/>
-              <a:t>2023/1/29</a:t>
+              <a:t>2023/2/3</a:t>
             </a:fld>
             <a:endParaRPr lang="zh-CN" altLang="en-US"/>
           </a:p>
@@ -2578,7 +2578,7 @@
           <a:p>
             <a:fld id="{D2B4B1F1-4DA7-425D-9E74-9CCF332327A2}" type="datetimeFigureOut">
               <a:rPr lang="zh-CN" altLang="en-US" smtClean="0"/>
-              <a:t>2023/1/29</a:t>
+              <a:t>2023/2/3</a:t>
             </a:fld>
             <a:endParaRPr lang="zh-CN" altLang="en-US"/>
           </a:p>
@@ -3918,7 +3918,7 @@
           <a:lstStyle/>
           <a:p>
             <a:r>
-              <a:rPr lang="en-US" altLang="zh-CN" sz="3600" dirty="0">
+              <a:rPr lang="en-US" altLang="zh-CN" sz="3600" b="1" dirty="0">
                 <a:solidFill>
                   <a:schemeClr val="accent1"/>
                 </a:solidFill>
@@ -3928,7 +3928,7 @@
               </a:rPr>
               <a:t>1.</a:t>
             </a:r>
-            <a:endParaRPr lang="zh-CN" altLang="en-US" sz="3600" dirty="0">
+            <a:endParaRPr lang="zh-CN" altLang="en-US" sz="3600" b="1" dirty="0">
               <a:solidFill>
                 <a:schemeClr val="accent1"/>
               </a:solidFill>
@@ -3992,7 +3992,7 @@
               <a:defRPr/>
             </a:pPr>
             <a:r>
-              <a:rPr lang="zh-CN" altLang="en-US" sz="2800" spc="0" dirty="0">
+              <a:rPr lang="zh-CN" altLang="en-US" sz="2800" b="1" spc="0" dirty="0">
                 <a:solidFill>
                   <a:schemeClr val="tx1"/>
                 </a:solidFill>
@@ -4053,7 +4053,7 @@
           <a:lstStyle/>
           <a:p>
             <a:r>
-              <a:rPr lang="en-US" altLang="zh-CN" sz="3600" dirty="0">
+              <a:rPr lang="en-US" altLang="zh-CN" sz="3600" b="1" dirty="0">
                 <a:solidFill>
                   <a:schemeClr val="accent1"/>
                 </a:solidFill>
@@ -4063,7 +4063,7 @@
               </a:rPr>
               <a:t>2.</a:t>
             </a:r>
-            <a:endParaRPr lang="zh-CN" altLang="en-US" sz="3600" dirty="0">
+            <a:endParaRPr lang="zh-CN" altLang="en-US" sz="3600" b="1" dirty="0">
               <a:solidFill>
                 <a:schemeClr val="accent1"/>
               </a:solidFill>
@@ -4122,7 +4122,7 @@
           <a:lstStyle/>
           <a:p>
             <a:r>
-              <a:rPr lang="en-US" altLang="zh-CN" sz="3600" dirty="0">
+              <a:rPr lang="en-US" altLang="zh-CN" sz="3600" b="1" dirty="0">
                 <a:solidFill>
                   <a:schemeClr val="accent1"/>
                 </a:solidFill>
@@ -4132,7 +4132,7 @@
               </a:rPr>
               <a:t>3.</a:t>
             </a:r>
-            <a:endParaRPr lang="zh-CN" altLang="en-US" sz="3600" dirty="0">
+            <a:endParaRPr lang="zh-CN" altLang="en-US" sz="3600" b="1" dirty="0">
               <a:solidFill>
                 <a:schemeClr val="accent1"/>
               </a:solidFill>
@@ -4191,7 +4191,7 @@
           <a:lstStyle/>
           <a:p>
             <a:r>
-              <a:rPr lang="zh-CN" altLang="en-US" sz="6000" dirty="0">
+              <a:rPr lang="zh-CN" altLang="en-US" sz="6000" b="1" dirty="0">
                 <a:solidFill>
                   <a:schemeClr val="accent1"/>
                 </a:solidFill>
@@ -4252,7 +4252,7 @@
           <a:lstStyle/>
           <a:p>
             <a:r>
-              <a:rPr lang="en-US" altLang="zh-CN" sz="4400" dirty="0">
+              <a:rPr lang="en-US" altLang="zh-CN" sz="4400" b="1" dirty="0">
                 <a:solidFill>
                   <a:schemeClr val="accent1"/>
                 </a:solidFill>
@@ -4263,7 +4263,7 @@
               <a:t>C</a:t>
             </a:r>
             <a:r>
-              <a:rPr lang="en-US" altLang="zh-CN" sz="4400" dirty="0">
+              <a:rPr lang="en-US" altLang="zh-CN" sz="4400" b="1" dirty="0">
                 <a:solidFill>
                   <a:schemeClr val="tx1"/>
                 </a:solidFill>
@@ -4273,7 +4273,7 @@
               </a:rPr>
               <a:t>atalogue</a:t>
             </a:r>
-            <a:endParaRPr lang="zh-CN" altLang="en-US" sz="3200" dirty="0">
+            <a:endParaRPr lang="zh-CN" altLang="en-US" sz="3200" b="1" dirty="0">
               <a:solidFill>
                 <a:schemeClr val="tx1"/>
               </a:solidFill>
@@ -4351,7 +4351,7 @@
               <a:defRPr/>
             </a:pPr>
             <a:r>
-              <a:rPr kumimoji="0" lang="en-US" altLang="zh-CN" sz="1600" i="0" u="none" strike="noStrike" kern="1200" cap="none" spc="0" normalizeH="0" baseline="0" noProof="0" dirty="0">
+              <a:rPr kumimoji="0" lang="en-US" altLang="zh-CN" sz="1600" b="1" i="0" u="none" strike="noStrike" kern="1200" cap="none" spc="0" normalizeH="0" baseline="0" noProof="0" dirty="0">
                 <a:ln>
                   <a:noFill/>
                 </a:ln>
@@ -4387,7 +4387,7 @@
               <a:defRPr/>
             </a:pPr>
             <a:r>
-              <a:rPr kumimoji="0" lang="en-US" altLang="zh-CN" sz="1600" i="0" u="none" strike="noStrike" kern="1200" cap="none" spc="0" normalizeH="0" baseline="0" noProof="0" dirty="0">
+              <a:rPr kumimoji="0" lang="en-US" altLang="zh-CN" sz="1600" b="1" i="0" u="none" strike="noStrike" kern="1200" cap="none" spc="0" normalizeH="0" baseline="0" noProof="0" dirty="0">
                 <a:ln>
                   <a:noFill/>
                 </a:ln>
@@ -4423,7 +4423,7 @@
               <a:defRPr/>
             </a:pPr>
             <a:r>
-              <a:rPr kumimoji="0" lang="en-US" altLang="zh-CN" sz="1600" i="0" u="none" strike="noStrike" kern="1200" cap="none" spc="0" normalizeH="0" baseline="0" noProof="0" dirty="0">
+              <a:rPr kumimoji="0" lang="en-US" altLang="zh-CN" sz="1600" b="1" i="0" u="none" strike="noStrike" kern="1200" cap="none" spc="0" normalizeH="0" baseline="0" noProof="0" dirty="0">
                 <a:ln>
                   <a:noFill/>
                 </a:ln>
@@ -4439,7 +4439,7 @@
               </a:rPr>
               <a:t>Shader</a:t>
             </a:r>
-            <a:endParaRPr kumimoji="0" lang="zh-CN" altLang="en-US" sz="1600" i="0" u="none" strike="noStrike" kern="1200" cap="none" spc="0" normalizeH="0" baseline="0" noProof="0" dirty="0">
+            <a:endParaRPr kumimoji="0" lang="zh-CN" altLang="en-US" sz="1600" b="1" i="0" u="none" strike="noStrike" kern="1200" cap="none" spc="0" normalizeH="0" baseline="0" noProof="0" dirty="0">
               <a:ln>
                 <a:noFill/>
               </a:ln>
@@ -4509,7 +4509,7 @@
               <a:defRPr/>
             </a:pPr>
             <a:r>
-              <a:rPr lang="zh-CN" altLang="en-US" sz="2800" spc="0" dirty="0">
+              <a:rPr lang="zh-CN" altLang="en-US" sz="2800" b="1" spc="0" dirty="0">
                 <a:solidFill>
                   <a:schemeClr val="tx1"/>
                 </a:solidFill>
@@ -4575,7 +4575,7 @@
               <a:defRPr/>
             </a:pPr>
             <a:r>
-              <a:rPr lang="zh-CN" altLang="en-US" sz="2800" spc="0" dirty="0">
+              <a:rPr lang="zh-CN" altLang="en-US" sz="2800" b="1" spc="0" dirty="0">
                 <a:solidFill>
                   <a:schemeClr val="tx1"/>
                 </a:solidFill>
@@ -4636,7 +4636,7 @@
           <a:lstStyle/>
           <a:p>
             <a:r>
-              <a:rPr lang="en-US" altLang="zh-CN" sz="3600" dirty="0">
+              <a:rPr lang="en-US" altLang="zh-CN" sz="3600" b="1" dirty="0">
                 <a:solidFill>
                   <a:schemeClr val="accent1"/>
                 </a:solidFill>
@@ -4646,7 +4646,7 @@
               </a:rPr>
               <a:t>4.</a:t>
             </a:r>
-            <a:endParaRPr lang="zh-CN" altLang="en-US" sz="3600" dirty="0">
+            <a:endParaRPr lang="zh-CN" altLang="en-US" sz="3600" b="1" dirty="0">
               <a:solidFill>
                 <a:schemeClr val="accent1"/>
               </a:solidFill>
@@ -4710,7 +4710,7 @@
               <a:defRPr/>
             </a:pPr>
             <a:r>
-              <a:rPr lang="zh-CN" altLang="en-US" sz="2800" spc="0" dirty="0">
+              <a:rPr lang="zh-CN" altLang="en-US" sz="2800" b="1" spc="0" dirty="0">
                 <a:solidFill>
                   <a:schemeClr val="tx1"/>
                 </a:solidFill>
@@ -4920,7 +4920,7 @@
               <a:defRPr/>
             </a:pPr>
             <a:r>
-              <a:rPr lang="zh-CN" altLang="en-US" sz="5400" spc="0" dirty="0">
+              <a:rPr lang="zh-CN" altLang="en-US" sz="5400" b="1" spc="0" dirty="0">
                 <a:solidFill>
                   <a:schemeClr val="tx1">
                     <a:lumMod val="85000"/>
@@ -5414,7 +5414,7 @@
               <a:defRPr/>
             </a:pPr>
             <a:r>
-              <a:rPr kumimoji="0" lang="en-US" altLang="zh-CN" sz="1600" i="0" u="none" strike="noStrike" kern="1200" cap="none" spc="0" normalizeH="0" baseline="0" noProof="0" dirty="0">
+              <a:rPr kumimoji="0" lang="en-US" altLang="zh-CN" sz="1600" b="1" i="0" u="none" strike="noStrike" kern="1200" cap="none" spc="0" normalizeH="0" baseline="0" noProof="0" dirty="0">
                 <a:ln>
                   <a:noFill/>
                 </a:ln>
@@ -5450,7 +5450,7 @@
               <a:defRPr/>
             </a:pPr>
             <a:r>
-              <a:rPr kumimoji="0" lang="en-US" altLang="zh-CN" sz="1600" i="0" u="none" strike="noStrike" kern="1200" cap="none" spc="0" normalizeH="0" baseline="0" noProof="0" dirty="0">
+              <a:rPr kumimoji="0" lang="en-US" altLang="zh-CN" sz="1600" b="1" i="0" u="none" strike="noStrike" kern="1200" cap="none" spc="0" normalizeH="0" baseline="0" noProof="0" dirty="0">
                 <a:ln>
                   <a:noFill/>
                 </a:ln>
@@ -5486,7 +5486,7 @@
               <a:defRPr/>
             </a:pPr>
             <a:r>
-              <a:rPr kumimoji="0" lang="en-US" altLang="zh-CN" sz="1600" i="0" u="none" strike="noStrike" kern="1200" cap="none" spc="0" normalizeH="0" baseline="0" noProof="0" dirty="0">
+              <a:rPr kumimoji="0" lang="en-US" altLang="zh-CN" sz="1600" b="1" i="0" u="none" strike="noStrike" kern="1200" cap="none" spc="0" normalizeH="0" baseline="0" noProof="0" dirty="0">
                 <a:ln>
                   <a:noFill/>
                 </a:ln>
@@ -5502,7 +5502,7 @@
               </a:rPr>
               <a:t>Shader</a:t>
             </a:r>
-            <a:endParaRPr kumimoji="0" lang="zh-CN" altLang="en-US" sz="1600" i="0" u="none" strike="noStrike" kern="1200" cap="none" spc="0" normalizeH="0" baseline="0" noProof="0" dirty="0">
+            <a:endParaRPr kumimoji="0" lang="zh-CN" altLang="en-US" sz="1600" b="1" i="0" u="none" strike="noStrike" kern="1200" cap="none" spc="0" normalizeH="0" baseline="0" noProof="0" dirty="0">
               <a:ln>
                 <a:noFill/>
               </a:ln>
@@ -5716,7 +5716,7 @@
               <a:defRPr/>
             </a:pPr>
             <a:r>
-              <a:rPr lang="zh-CN" altLang="en-US" sz="5400" spc="0" dirty="0">
+              <a:rPr lang="zh-CN" altLang="en-US" sz="5400" b="1" spc="0" dirty="0">
                 <a:solidFill>
                   <a:schemeClr val="tx1">
                     <a:lumMod val="85000"/>
@@ -6216,7 +6216,7 @@
               <a:defRPr/>
             </a:pPr>
             <a:r>
-              <a:rPr kumimoji="0" lang="en-US" altLang="zh-CN" sz="1600" i="0" u="none" strike="noStrike" kern="1200" cap="none" spc="0" normalizeH="0" baseline="0" noProof="0" dirty="0">
+              <a:rPr kumimoji="0" lang="en-US" altLang="zh-CN" sz="1600" b="1" i="0" u="none" strike="noStrike" kern="1200" cap="none" spc="0" normalizeH="0" baseline="0" noProof="0" dirty="0">
                 <a:ln>
                   <a:noFill/>
                 </a:ln>
@@ -6252,7 +6252,7 @@
               <a:defRPr/>
             </a:pPr>
             <a:r>
-              <a:rPr kumimoji="0" lang="en-US" altLang="zh-CN" sz="1600" i="0" u="none" strike="noStrike" kern="1200" cap="none" spc="0" normalizeH="0" baseline="0" noProof="0" dirty="0">
+              <a:rPr kumimoji="0" lang="en-US" altLang="zh-CN" sz="1600" b="1" i="0" u="none" strike="noStrike" kern="1200" cap="none" spc="0" normalizeH="0" baseline="0" noProof="0" dirty="0">
                 <a:ln>
                   <a:noFill/>
                 </a:ln>
@@ -6288,7 +6288,7 @@
               <a:defRPr/>
             </a:pPr>
             <a:r>
-              <a:rPr kumimoji="0" lang="en-US" altLang="zh-CN" sz="1600" i="0" u="none" strike="noStrike" kern="1200" cap="none" spc="0" normalizeH="0" baseline="0" noProof="0" dirty="0">
+              <a:rPr kumimoji="0" lang="en-US" altLang="zh-CN" sz="1600" b="1" i="0" u="none" strike="noStrike" kern="1200" cap="none" spc="0" normalizeH="0" baseline="0" noProof="0" dirty="0">
                 <a:ln>
                   <a:noFill/>
                 </a:ln>
@@ -6304,7 +6304,7 @@
               </a:rPr>
               <a:t>Shader</a:t>
             </a:r>
-            <a:endParaRPr kumimoji="0" lang="zh-CN" altLang="en-US" sz="1600" i="0" u="none" strike="noStrike" kern="1200" cap="none" spc="0" normalizeH="0" baseline="0" noProof="0" dirty="0">
+            <a:endParaRPr kumimoji="0" lang="zh-CN" altLang="en-US" sz="1600" b="1" i="0" u="none" strike="noStrike" kern="1200" cap="none" spc="0" normalizeH="0" baseline="0" noProof="0" dirty="0">
               <a:ln>
                 <a:noFill/>
               </a:ln>
@@ -6317,6 +6317,139 @@
               <a:latin typeface="阿里巴巴普惠体 2.0 35 Thin" panose="00020600040101010101" pitchFamily="18" charset="-122"/>
               <a:ea typeface="阿里巴巴普惠体 2.0 35 Thin" panose="00020600040101010101" pitchFamily="18" charset="-122"/>
               <a:cs typeface="阿里巴巴普惠体 2.0 35 Thin" panose="00020600040101010101" pitchFamily="18" charset="-122"/>
+            </a:endParaRPr>
+          </a:p>
+        </p:txBody>
+      </p:sp>
+      <p:sp>
+        <p:nvSpPr>
+          <p:cNvPr id="2" name="iSHEJI-8">
+            <a:extLst>
+              <a:ext uri="{FF2B5EF4-FFF2-40B4-BE49-F238E27FC236}">
+                <a16:creationId xmlns:a16="http://schemas.microsoft.com/office/drawing/2014/main" id="{260CF7CD-E4AE-762F-DA19-50F9F6B1DA4A}"/>
+              </a:ext>
+            </a:extLst>
+          </p:cNvPr>
+          <p:cNvSpPr txBox="1"/>
+          <p:nvPr/>
+        </p:nvSpPr>
+        <p:spPr>
+          <a:xfrm>
+            <a:off x="8504329" y="5385907"/>
+            <a:ext cx="3314977" cy="1107996"/>
+          </a:xfrm>
+          <a:prstGeom prst="rect">
+            <a:avLst/>
+          </a:prstGeom>
+          <a:noFill/>
+        </p:spPr>
+        <p:txBody>
+          <a:bodyPr wrap="square" lIns="0" tIns="0" rIns="0" bIns="0" rtlCol="0">
+            <a:spAutoFit/>
+          </a:bodyPr>
+          <a:lstStyle>
+            <a:defPPr>
+              <a:defRPr lang="zh-CN"/>
+            </a:defPPr>
+            <a:lvl1pPr>
+              <a:defRPr sz="3200" spc="300">
+                <a:gradFill>
+                  <a:gsLst>
+                    <a:gs pos="0">
+                      <a:schemeClr val="bg1"/>
+                    </a:gs>
+                    <a:gs pos="100000">
+                      <a:schemeClr val="accent4"/>
+                    </a:gs>
+                  </a:gsLst>
+                  <a:lin ang="2700000" scaled="0"/>
+                </a:gradFill>
+                <a:latin typeface="+mj-ea"/>
+                <a:ea typeface="+mj-ea"/>
+              </a:defRPr>
+            </a:lvl1pPr>
+          </a:lstStyle>
+          <a:p>
+            <a:pPr marL="0" marR="0" lvl="0" indent="0" defTabSz="914400" rtl="0" eaLnBrk="1" fontAlgn="auto" latinLnBrk="0" hangingPunct="1">
+              <a:lnSpc>
+                <a:spcPct val="100000"/>
+              </a:lnSpc>
+              <a:spcBef>
+                <a:spcPts val="0"/>
+              </a:spcBef>
+              <a:spcAft>
+                <a:spcPts val="0"/>
+              </a:spcAft>
+              <a:buClrTx/>
+              <a:buSzTx/>
+              <a:buFontTx/>
+              <a:buNone/>
+              <a:tabLst/>
+              <a:defRPr/>
+            </a:pPr>
+            <a:r>
+              <a:rPr kumimoji="0" lang="zh-CN" altLang="en-US" sz="2400" i="0" u="none" strike="noStrike" kern="1200" cap="none" spc="0" normalizeH="0" baseline="0" noProof="0" dirty="0">
+                <a:ln>
+                  <a:noFill/>
+                </a:ln>
+                <a:solidFill>
+                  <a:schemeClr val="tx1"/>
+                </a:solidFill>
+                <a:effectLst/>
+                <a:uLnTx/>
+                <a:uFillTx/>
+                <a:latin typeface="阿里巴巴普惠体 2.0 95 ExtraBold" panose="00020600040101010101" pitchFamily="18" charset="-122"/>
+                <a:ea typeface="阿里巴巴普惠体 2.0 95 ExtraBold" panose="00020600040101010101" pitchFamily="18" charset="-122"/>
+                <a:cs typeface="阿里巴巴普惠体 2.0 95 ExtraBold" panose="00020600040101010101" pitchFamily="18" charset="-122"/>
+              </a:rPr>
+              <a:t>做了</a:t>
+            </a:r>
+            <a:r>
+              <a:rPr lang="zh-CN" altLang="en-US" sz="2400" spc="0" dirty="0">
+                <a:solidFill>
+                  <a:schemeClr val="tx1"/>
+                </a:solidFill>
+                <a:latin typeface="阿里巴巴普惠体 2.0 95 ExtraBold" panose="00020600040101010101" pitchFamily="18" charset="-122"/>
+                <a:ea typeface="阿里巴巴普惠体 2.0 95 ExtraBold" panose="00020600040101010101" pitchFamily="18" charset="-122"/>
+                <a:cs typeface="阿里巴巴普惠体 2.0 95 ExtraBold" panose="00020600040101010101" pitchFamily="18" charset="-122"/>
+              </a:rPr>
+              <a:t>几个</a:t>
+            </a:r>
+            <a:r>
+              <a:rPr lang="en-US" altLang="zh-CN" sz="2400" spc="0" dirty="0">
+                <a:solidFill>
+                  <a:schemeClr val="tx1"/>
+                </a:solidFill>
+                <a:latin typeface="阿里巴巴普惠体 2.0 95 ExtraBold" panose="00020600040101010101" pitchFamily="18" charset="-122"/>
+                <a:ea typeface="阿里巴巴普惠体 2.0 95 ExtraBold" panose="00020600040101010101" pitchFamily="18" charset="-122"/>
+                <a:cs typeface="阿里巴巴普惠体 2.0 95 ExtraBold" panose="00020600040101010101" pitchFamily="18" charset="-122"/>
+              </a:rPr>
+              <a:t>PPT</a:t>
+            </a:r>
+            <a:r>
+              <a:rPr lang="zh-CN" altLang="en-US" sz="2400" spc="0" dirty="0">
+                <a:solidFill>
+                  <a:schemeClr val="tx1"/>
+                </a:solidFill>
+                <a:latin typeface="阿里巴巴普惠体 2.0 95 ExtraBold" panose="00020600040101010101" pitchFamily="18" charset="-122"/>
+                <a:ea typeface="阿里巴巴普惠体 2.0 95 ExtraBold" panose="00020600040101010101" pitchFamily="18" charset="-122"/>
+                <a:cs typeface="阿里巴巴普惠体 2.0 95 ExtraBold" panose="00020600040101010101" pitchFamily="18" charset="-122"/>
+              </a:rPr>
+              <a:t>发现内容几乎和文档的一致，可能考虑直接跟着文档讲解</a:t>
+            </a:r>
+            <a:endParaRPr kumimoji="0" lang="en-US" altLang="zh-CN" sz="2400" i="0" u="none" strike="noStrike" kern="1200" cap="none" spc="0" normalizeH="0" baseline="0" noProof="0" dirty="0">
+              <a:ln>
+                <a:noFill/>
+              </a:ln>
+              <a:solidFill>
+                <a:schemeClr val="tx1"/>
+              </a:solidFill>
+              <a:effectLst/>
+              <a:uLnTx/>
+              <a:uFillTx/>
+              <a:latin typeface="阿里巴巴普惠体 2.0 95 ExtraBold" panose="00020600040101010101" pitchFamily="18" charset="-122"/>
+              <a:ea typeface="阿里巴巴普惠体 2.0 95 ExtraBold" panose="00020600040101010101" pitchFamily="18" charset="-122"/>
+              <a:cs typeface="阿里巴巴普惠体 2.0 95 ExtraBold" panose="00020600040101010101" pitchFamily="18" charset="-122"/>
             </a:endParaRPr>
           </a:p>
         </p:txBody>
@@ -6518,7 +6651,7 @@
               <a:defRPr/>
             </a:pPr>
             <a:r>
-              <a:rPr lang="zh-CN" altLang="en-US" sz="5400" spc="0" dirty="0">
+              <a:rPr lang="zh-CN" altLang="en-US" sz="5400" b="1" spc="0" dirty="0">
                 <a:solidFill>
                   <a:schemeClr val="tx1"/>
                 </a:solidFill>
@@ -6528,7 +6661,7 @@
               </a:rPr>
               <a:t>大致方向</a:t>
             </a:r>
-            <a:endParaRPr lang="en-US" altLang="zh-CN" sz="5400" spc="0" dirty="0">
+            <a:endParaRPr lang="en-US" altLang="zh-CN" sz="5400" b="1" spc="0" dirty="0">
               <a:solidFill>
                 <a:schemeClr val="tx1"/>
               </a:solidFill>
@@ -6542,7 +6675,7 @@
               <a:defRPr/>
             </a:pPr>
             <a:r>
-              <a:rPr lang="zh-CN" altLang="en-US" sz="5400" spc="0" dirty="0">
+              <a:rPr lang="zh-CN" altLang="en-US" sz="5400" b="1" spc="0" dirty="0">
                 <a:solidFill>
                   <a:schemeClr val="tx1"/>
                 </a:solidFill>
@@ -6552,7 +6685,7 @@
               </a:rPr>
               <a:t>以及</a:t>
             </a:r>
-            <a:endParaRPr lang="en-US" altLang="zh-CN" sz="5400" spc="0" dirty="0">
+            <a:endParaRPr lang="en-US" altLang="zh-CN" sz="5400" b="1" spc="0" dirty="0">
               <a:solidFill>
                 <a:schemeClr val="tx1"/>
               </a:solidFill>
@@ -6566,7 +6699,7 @@
               <a:defRPr/>
             </a:pPr>
             <a:r>
-              <a:rPr lang="zh-CN" altLang="en-US" sz="5400" spc="0" dirty="0">
+              <a:rPr lang="zh-CN" altLang="en-US" sz="5400" b="1" spc="0" dirty="0">
                 <a:solidFill>
                   <a:schemeClr val="tx1"/>
                 </a:solidFill>
@@ -6646,7 +6779,7 @@
               <a:defRPr/>
             </a:pPr>
             <a:r>
-              <a:rPr kumimoji="0" lang="en-US" altLang="zh-CN" sz="1600" i="0" u="none" strike="noStrike" kern="1200" cap="none" spc="0" normalizeH="0" baseline="0" noProof="0" dirty="0">
+              <a:rPr kumimoji="0" lang="en-US" altLang="zh-CN" sz="1600" b="1" i="0" u="none" strike="noStrike" kern="1200" cap="none" spc="0" normalizeH="0" baseline="0" noProof="0" dirty="0">
                 <a:ln>
                   <a:noFill/>
                 </a:ln>
@@ -6682,7 +6815,7 @@
               <a:defRPr/>
             </a:pPr>
             <a:r>
-              <a:rPr kumimoji="0" lang="en-US" altLang="zh-CN" sz="1600" i="0" u="none" strike="noStrike" kern="1200" cap="none" spc="0" normalizeH="0" baseline="0" noProof="0" dirty="0">
+              <a:rPr kumimoji="0" lang="en-US" altLang="zh-CN" sz="1600" b="1" i="0" u="none" strike="noStrike" kern="1200" cap="none" spc="0" normalizeH="0" baseline="0" noProof="0" dirty="0">
                 <a:ln>
                   <a:noFill/>
                 </a:ln>
@@ -6718,7 +6851,7 @@
               <a:defRPr/>
             </a:pPr>
             <a:r>
-              <a:rPr kumimoji="0" lang="en-US" altLang="zh-CN" sz="1600" i="0" u="none" strike="noStrike" kern="1200" cap="none" spc="0" normalizeH="0" baseline="0" noProof="0" dirty="0">
+              <a:rPr kumimoji="0" lang="en-US" altLang="zh-CN" sz="1600" b="1" i="0" u="none" strike="noStrike" kern="1200" cap="none" spc="0" normalizeH="0" baseline="0" noProof="0" dirty="0">
                 <a:ln>
                   <a:noFill/>
                 </a:ln>
@@ -6734,7 +6867,7 @@
               </a:rPr>
               <a:t>Shader</a:t>
             </a:r>
-            <a:endParaRPr kumimoji="0" lang="zh-CN" altLang="en-US" sz="1600" i="0" u="none" strike="noStrike" kern="1200" cap="none" spc="0" normalizeH="0" baseline="0" noProof="0" dirty="0">
+            <a:endParaRPr kumimoji="0" lang="zh-CN" altLang="en-US" sz="1600" b="1" i="0" u="none" strike="noStrike" kern="1200" cap="none" spc="0" normalizeH="0" baseline="0" noProof="0" dirty="0">
               <a:ln>
                 <a:noFill/>
               </a:ln>
@@ -6972,7 +7105,7 @@
               <a:defRPr/>
             </a:pPr>
             <a:r>
-              <a:rPr lang="zh-CN" altLang="en-US" sz="5400" spc="0" dirty="0">
+              <a:rPr lang="zh-CN" altLang="en-US" sz="5400" b="1" spc="0" dirty="0">
                 <a:solidFill>
                   <a:schemeClr val="tx1"/>
                 </a:solidFill>
@@ -6982,7 +7115,7 @@
               </a:rPr>
               <a:t>链接地址</a:t>
             </a:r>
-            <a:endParaRPr lang="en-US" altLang="zh-CN" sz="5400" spc="0" dirty="0">
+            <a:endParaRPr lang="en-US" altLang="zh-CN" sz="5400" b="1" spc="0" dirty="0">
               <a:solidFill>
                 <a:schemeClr val="tx1"/>
               </a:solidFill>
@@ -7060,7 +7193,7 @@
               <a:defRPr/>
             </a:pPr>
             <a:r>
-              <a:rPr kumimoji="0" lang="en-US" altLang="zh-CN" sz="1600" i="0" u="none" strike="noStrike" kern="1200" cap="none" spc="0" normalizeH="0" baseline="0" noProof="0" dirty="0">
+              <a:rPr kumimoji="0" lang="en-US" altLang="zh-CN" sz="1600" b="1" i="0" u="none" strike="noStrike" kern="1200" cap="none" spc="0" normalizeH="0" baseline="0" noProof="0" dirty="0">
                 <a:ln>
                   <a:noFill/>
                 </a:ln>
@@ -7096,7 +7229,7 @@
               <a:defRPr/>
             </a:pPr>
             <a:r>
-              <a:rPr kumimoji="0" lang="en-US" altLang="zh-CN" sz="1600" i="0" u="none" strike="noStrike" kern="1200" cap="none" spc="0" normalizeH="0" baseline="0" noProof="0" dirty="0">
+              <a:rPr kumimoji="0" lang="en-US" altLang="zh-CN" sz="1600" b="1" i="0" u="none" strike="noStrike" kern="1200" cap="none" spc="0" normalizeH="0" baseline="0" noProof="0" dirty="0">
                 <a:ln>
                   <a:noFill/>
                 </a:ln>
@@ -7132,7 +7265,7 @@
               <a:defRPr/>
             </a:pPr>
             <a:r>
-              <a:rPr kumimoji="0" lang="en-US" altLang="zh-CN" sz="1600" i="0" u="none" strike="noStrike" kern="1200" cap="none" spc="0" normalizeH="0" baseline="0" noProof="0" dirty="0">
+              <a:rPr kumimoji="0" lang="en-US" altLang="zh-CN" sz="1600" b="1" i="0" u="none" strike="noStrike" kern="1200" cap="none" spc="0" normalizeH="0" baseline="0" noProof="0" dirty="0">
                 <a:ln>
                   <a:noFill/>
                 </a:ln>
@@ -7148,7 +7281,7 @@
               </a:rPr>
               <a:t>Shader</a:t>
             </a:r>
-            <a:endParaRPr kumimoji="0" lang="zh-CN" altLang="en-US" sz="1600" i="0" u="none" strike="noStrike" kern="1200" cap="none" spc="0" normalizeH="0" baseline="0" noProof="0" dirty="0">
+            <a:endParaRPr kumimoji="0" lang="zh-CN" altLang="en-US" sz="1600" b="1" i="0" u="none" strike="noStrike" kern="1200" cap="none" spc="0" normalizeH="0" baseline="0" noProof="0" dirty="0">
               <a:ln>
                 <a:noFill/>
               </a:ln>

--- a/PPT/0-前言.pptx
+++ b/PPT/0-前言.pptx
@@ -4,6 +4,9 @@
   <p:sldMasterIdLst>
     <p:sldMasterId id="2147483648" r:id="rId1"/>
   </p:sldMasterIdLst>
+  <p:notesMasterIdLst>
+    <p:notesMasterId r:id="rId8"/>
+  </p:notesMasterIdLst>
   <p:sldIdLst>
     <p:sldId id="256" r:id="rId2"/>
     <p:sldId id="257" r:id="rId3"/>
@@ -117,6 +120,439 @@
 </p:presentation>
 </file>
 
+<file path=ppt/notesMasters/notesMaster1.xml><?xml version="1.0" encoding="utf-8"?>
+<p:notesMaster xmlns:a="http://schemas.openxmlformats.org/drawingml/2006/main" xmlns:r="http://schemas.openxmlformats.org/officeDocument/2006/relationships" xmlns:p="http://schemas.openxmlformats.org/presentationml/2006/main">
+  <p:cSld>
+    <p:bg>
+      <p:bgRef idx="1001">
+        <a:schemeClr val="bg1"/>
+      </p:bgRef>
+    </p:bg>
+    <p:spTree>
+      <p:nvGrpSpPr>
+        <p:cNvPr id="1" name=""/>
+        <p:cNvGrpSpPr/>
+        <p:nvPr/>
+      </p:nvGrpSpPr>
+      <p:grpSpPr>
+        <a:xfrm>
+          <a:off x="0" y="0"/>
+          <a:ext cx="0" cy="0"/>
+          <a:chOff x="0" y="0"/>
+          <a:chExt cx="0" cy="0"/>
+        </a:xfrm>
+      </p:grpSpPr>
+      <p:sp>
+        <p:nvSpPr>
+          <p:cNvPr id="2" name="页眉占位符 1"/>
+          <p:cNvSpPr>
+            <a:spLocks noGrp="1"/>
+          </p:cNvSpPr>
+          <p:nvPr>
+            <p:ph type="hdr" sz="quarter"/>
+          </p:nvPr>
+        </p:nvSpPr>
+        <p:spPr>
+          <a:xfrm>
+            <a:off x="0" y="0"/>
+            <a:ext cx="2971800" cy="458788"/>
+          </a:xfrm>
+          <a:prstGeom prst="rect">
+            <a:avLst/>
+          </a:prstGeom>
+        </p:spPr>
+        <p:txBody>
+          <a:bodyPr vert="horz" lIns="91440" tIns="45720" rIns="91440" bIns="45720" rtlCol="0"/>
+          <a:lstStyle>
+            <a:lvl1pPr algn="l">
+              <a:defRPr sz="1200"/>
+            </a:lvl1pPr>
+          </a:lstStyle>
+          <a:p>
+            <a:endParaRPr lang="zh-CN" altLang="en-US"/>
+          </a:p>
+        </p:txBody>
+      </p:sp>
+      <p:sp>
+        <p:nvSpPr>
+          <p:cNvPr id="3" name="日期占位符 2"/>
+          <p:cNvSpPr>
+            <a:spLocks noGrp="1"/>
+          </p:cNvSpPr>
+          <p:nvPr>
+            <p:ph type="dt" idx="1"/>
+          </p:nvPr>
+        </p:nvSpPr>
+        <p:spPr>
+          <a:xfrm>
+            <a:off x="3884613" y="0"/>
+            <a:ext cx="2971800" cy="458788"/>
+          </a:xfrm>
+          <a:prstGeom prst="rect">
+            <a:avLst/>
+          </a:prstGeom>
+        </p:spPr>
+        <p:txBody>
+          <a:bodyPr vert="horz" lIns="91440" tIns="45720" rIns="91440" bIns="45720" rtlCol="0"/>
+          <a:lstStyle>
+            <a:lvl1pPr algn="r">
+              <a:defRPr sz="1200"/>
+            </a:lvl1pPr>
+          </a:lstStyle>
+          <a:p>
+            <a:fld id="{B061851C-E758-4658-9C4F-393F6F115C94}" type="datetimeFigureOut">
+              <a:rPr lang="zh-CN" altLang="en-US" smtClean="0"/>
+              <a:t>2023/2/9</a:t>
+            </a:fld>
+            <a:endParaRPr lang="zh-CN" altLang="en-US"/>
+          </a:p>
+        </p:txBody>
+      </p:sp>
+      <p:sp>
+        <p:nvSpPr>
+          <p:cNvPr id="4" name="幻灯片图像占位符 3"/>
+          <p:cNvSpPr>
+            <a:spLocks noGrp="1" noRot="1" noChangeAspect="1"/>
+          </p:cNvSpPr>
+          <p:nvPr>
+            <p:ph type="sldImg" idx="2"/>
+          </p:nvPr>
+        </p:nvSpPr>
+        <p:spPr>
+          <a:xfrm>
+            <a:off x="685800" y="1143000"/>
+            <a:ext cx="5486400" cy="3086100"/>
+          </a:xfrm>
+          <a:prstGeom prst="rect">
+            <a:avLst/>
+          </a:prstGeom>
+          <a:noFill/>
+          <a:ln w="12700">
+            <a:solidFill>
+              <a:prstClr val="black"/>
+            </a:solidFill>
+          </a:ln>
+        </p:spPr>
+        <p:txBody>
+          <a:bodyPr vert="horz" lIns="91440" tIns="45720" rIns="91440" bIns="45720" rtlCol="0" anchor="ctr"/>
+          <a:lstStyle/>
+          <a:p>
+            <a:endParaRPr lang="zh-CN" altLang="en-US"/>
+          </a:p>
+        </p:txBody>
+      </p:sp>
+      <p:sp>
+        <p:nvSpPr>
+          <p:cNvPr id="5" name="备注占位符 4"/>
+          <p:cNvSpPr>
+            <a:spLocks noGrp="1"/>
+          </p:cNvSpPr>
+          <p:nvPr>
+            <p:ph type="body" sz="quarter" idx="3"/>
+          </p:nvPr>
+        </p:nvSpPr>
+        <p:spPr>
+          <a:xfrm>
+            <a:off x="685800" y="4400550"/>
+            <a:ext cx="5486400" cy="3600450"/>
+          </a:xfrm>
+          <a:prstGeom prst="rect">
+            <a:avLst/>
+          </a:prstGeom>
+        </p:spPr>
+        <p:txBody>
+          <a:bodyPr vert="horz" lIns="91440" tIns="45720" rIns="91440" bIns="45720" rtlCol="0"/>
+          <a:lstStyle/>
+          <a:p>
+            <a:pPr lvl="0"/>
+            <a:r>
+              <a:rPr lang="zh-CN" altLang="en-US"/>
+              <a:t>单击此处编辑母版文本样式</a:t>
+            </a:r>
+          </a:p>
+          <a:p>
+            <a:pPr lvl="1"/>
+            <a:r>
+              <a:rPr lang="zh-CN" altLang="en-US"/>
+              <a:t>二级</a:t>
+            </a:r>
+          </a:p>
+          <a:p>
+            <a:pPr lvl="2"/>
+            <a:r>
+              <a:rPr lang="zh-CN" altLang="en-US"/>
+              <a:t>三级</a:t>
+            </a:r>
+          </a:p>
+          <a:p>
+            <a:pPr lvl="3"/>
+            <a:r>
+              <a:rPr lang="zh-CN" altLang="en-US"/>
+              <a:t>四级</a:t>
+            </a:r>
+          </a:p>
+          <a:p>
+            <a:pPr lvl="4"/>
+            <a:r>
+              <a:rPr lang="zh-CN" altLang="en-US"/>
+              <a:t>五级</a:t>
+            </a:r>
+          </a:p>
+        </p:txBody>
+      </p:sp>
+      <p:sp>
+        <p:nvSpPr>
+          <p:cNvPr id="6" name="页脚占位符 5"/>
+          <p:cNvSpPr>
+            <a:spLocks noGrp="1"/>
+          </p:cNvSpPr>
+          <p:nvPr>
+            <p:ph type="ftr" sz="quarter" idx="4"/>
+          </p:nvPr>
+        </p:nvSpPr>
+        <p:spPr>
+          <a:xfrm>
+            <a:off x="0" y="8685213"/>
+            <a:ext cx="2971800" cy="458787"/>
+          </a:xfrm>
+          <a:prstGeom prst="rect">
+            <a:avLst/>
+          </a:prstGeom>
+        </p:spPr>
+        <p:txBody>
+          <a:bodyPr vert="horz" lIns="91440" tIns="45720" rIns="91440" bIns="45720" rtlCol="0" anchor="b"/>
+          <a:lstStyle>
+            <a:lvl1pPr algn="l">
+              <a:defRPr sz="1200"/>
+            </a:lvl1pPr>
+          </a:lstStyle>
+          <a:p>
+            <a:endParaRPr lang="zh-CN" altLang="en-US"/>
+          </a:p>
+        </p:txBody>
+      </p:sp>
+      <p:sp>
+        <p:nvSpPr>
+          <p:cNvPr id="7" name="灯片编号占位符 6"/>
+          <p:cNvSpPr>
+            <a:spLocks noGrp="1"/>
+          </p:cNvSpPr>
+          <p:nvPr>
+            <p:ph type="sldNum" sz="quarter" idx="5"/>
+          </p:nvPr>
+        </p:nvSpPr>
+        <p:spPr>
+          <a:xfrm>
+            <a:off x="3884613" y="8685213"/>
+            <a:ext cx="2971800" cy="458787"/>
+          </a:xfrm>
+          <a:prstGeom prst="rect">
+            <a:avLst/>
+          </a:prstGeom>
+        </p:spPr>
+        <p:txBody>
+          <a:bodyPr vert="horz" lIns="91440" tIns="45720" rIns="91440" bIns="45720" rtlCol="0" anchor="b"/>
+          <a:lstStyle>
+            <a:lvl1pPr algn="r">
+              <a:defRPr sz="1200"/>
+            </a:lvl1pPr>
+          </a:lstStyle>
+          <a:p>
+            <a:fld id="{04BE3E82-CE84-4D30-B93F-D138F14E174B}" type="slidenum">
+              <a:rPr lang="zh-CN" altLang="en-US" smtClean="0"/>
+              <a:t>‹#›</a:t>
+            </a:fld>
+            <a:endParaRPr lang="zh-CN" altLang="en-US"/>
+          </a:p>
+        </p:txBody>
+      </p:sp>
+    </p:spTree>
+    <p:extLst>
+      <p:ext uri="{BB962C8B-B14F-4D97-AF65-F5344CB8AC3E}">
+        <p14:creationId xmlns:p14="http://schemas.microsoft.com/office/powerpoint/2010/main" val="514772408"/>
+      </p:ext>
+    </p:extLst>
+  </p:cSld>
+  <p:clrMap bg1="lt1" tx1="dk1" bg2="lt2" tx2="dk2" accent1="accent1" accent2="accent2" accent3="accent3" accent4="accent4" accent5="accent5" accent6="accent6" hlink="hlink" folHlink="folHlink"/>
+  <p:notesStyle>
+    <a:lvl1pPr marL="0" algn="l" defTabSz="914400" rtl="0" eaLnBrk="1" latinLnBrk="0" hangingPunct="1">
+      <a:defRPr sz="1200" kern="1200">
+        <a:solidFill>
+          <a:schemeClr val="tx1"/>
+        </a:solidFill>
+        <a:latin typeface="+mn-lt"/>
+        <a:ea typeface="+mn-ea"/>
+        <a:cs typeface="+mn-cs"/>
+      </a:defRPr>
+    </a:lvl1pPr>
+    <a:lvl2pPr marL="457200" algn="l" defTabSz="914400" rtl="0" eaLnBrk="1" latinLnBrk="0" hangingPunct="1">
+      <a:defRPr sz="1200" kern="1200">
+        <a:solidFill>
+          <a:schemeClr val="tx1"/>
+        </a:solidFill>
+        <a:latin typeface="+mn-lt"/>
+        <a:ea typeface="+mn-ea"/>
+        <a:cs typeface="+mn-cs"/>
+      </a:defRPr>
+    </a:lvl2pPr>
+    <a:lvl3pPr marL="914400" algn="l" defTabSz="914400" rtl="0" eaLnBrk="1" latinLnBrk="0" hangingPunct="1">
+      <a:defRPr sz="1200" kern="1200">
+        <a:solidFill>
+          <a:schemeClr val="tx1"/>
+        </a:solidFill>
+        <a:latin typeface="+mn-lt"/>
+        <a:ea typeface="+mn-ea"/>
+        <a:cs typeface="+mn-cs"/>
+      </a:defRPr>
+    </a:lvl3pPr>
+    <a:lvl4pPr marL="1371600" algn="l" defTabSz="914400" rtl="0" eaLnBrk="1" latinLnBrk="0" hangingPunct="1">
+      <a:defRPr sz="1200" kern="1200">
+        <a:solidFill>
+          <a:schemeClr val="tx1"/>
+        </a:solidFill>
+        <a:latin typeface="+mn-lt"/>
+        <a:ea typeface="+mn-ea"/>
+        <a:cs typeface="+mn-cs"/>
+      </a:defRPr>
+    </a:lvl4pPr>
+    <a:lvl5pPr marL="1828800" algn="l" defTabSz="914400" rtl="0" eaLnBrk="1" latinLnBrk="0" hangingPunct="1">
+      <a:defRPr sz="1200" kern="1200">
+        <a:solidFill>
+          <a:schemeClr val="tx1"/>
+        </a:solidFill>
+        <a:latin typeface="+mn-lt"/>
+        <a:ea typeface="+mn-ea"/>
+        <a:cs typeface="+mn-cs"/>
+      </a:defRPr>
+    </a:lvl5pPr>
+    <a:lvl6pPr marL="2286000" algn="l" defTabSz="914400" rtl="0" eaLnBrk="1" latinLnBrk="0" hangingPunct="1">
+      <a:defRPr sz="1200" kern="1200">
+        <a:solidFill>
+          <a:schemeClr val="tx1"/>
+        </a:solidFill>
+        <a:latin typeface="+mn-lt"/>
+        <a:ea typeface="+mn-ea"/>
+        <a:cs typeface="+mn-cs"/>
+      </a:defRPr>
+    </a:lvl6pPr>
+    <a:lvl7pPr marL="2743200" algn="l" defTabSz="914400" rtl="0" eaLnBrk="1" latinLnBrk="0" hangingPunct="1">
+      <a:defRPr sz="1200" kern="1200">
+        <a:solidFill>
+          <a:schemeClr val="tx1"/>
+        </a:solidFill>
+        <a:latin typeface="+mn-lt"/>
+        <a:ea typeface="+mn-ea"/>
+        <a:cs typeface="+mn-cs"/>
+      </a:defRPr>
+    </a:lvl7pPr>
+    <a:lvl8pPr marL="3200400" algn="l" defTabSz="914400" rtl="0" eaLnBrk="1" latinLnBrk="0" hangingPunct="1">
+      <a:defRPr sz="1200" kern="1200">
+        <a:solidFill>
+          <a:schemeClr val="tx1"/>
+        </a:solidFill>
+        <a:latin typeface="+mn-lt"/>
+        <a:ea typeface="+mn-ea"/>
+        <a:cs typeface="+mn-cs"/>
+      </a:defRPr>
+    </a:lvl8pPr>
+    <a:lvl9pPr marL="3657600" algn="l" defTabSz="914400" rtl="0" eaLnBrk="1" latinLnBrk="0" hangingPunct="1">
+      <a:defRPr sz="1200" kern="1200">
+        <a:solidFill>
+          <a:schemeClr val="tx1"/>
+        </a:solidFill>
+        <a:latin typeface="+mn-lt"/>
+        <a:ea typeface="+mn-ea"/>
+        <a:cs typeface="+mn-cs"/>
+      </a:defRPr>
+    </a:lvl9pPr>
+  </p:notesStyle>
+</p:notesMaster>
+</file>
+
+<file path=ppt/notesSlides/notesSlide1.xml><?xml version="1.0" encoding="utf-8"?>
+<p:notes xmlns:a="http://schemas.openxmlformats.org/drawingml/2006/main" xmlns:r="http://schemas.openxmlformats.org/officeDocument/2006/relationships" xmlns:p="http://schemas.openxmlformats.org/presentationml/2006/main">
+  <p:cSld>
+    <p:spTree>
+      <p:nvGrpSpPr>
+        <p:cNvPr id="1" name=""/>
+        <p:cNvGrpSpPr/>
+        <p:nvPr/>
+      </p:nvGrpSpPr>
+      <p:grpSpPr>
+        <a:xfrm>
+          <a:off x="0" y="0"/>
+          <a:ext cx="0" cy="0"/>
+          <a:chOff x="0" y="0"/>
+          <a:chExt cx="0" cy="0"/>
+        </a:xfrm>
+      </p:grpSpPr>
+      <p:sp>
+        <p:nvSpPr>
+          <p:cNvPr id="2" name="幻灯片图像占位符 1"/>
+          <p:cNvSpPr>
+            <a:spLocks noGrp="1" noRot="1" noChangeAspect="1"/>
+          </p:cNvSpPr>
+          <p:nvPr>
+            <p:ph type="sldImg"/>
+          </p:nvPr>
+        </p:nvSpPr>
+        <p:spPr/>
+      </p:sp>
+      <p:sp>
+        <p:nvSpPr>
+          <p:cNvPr id="3" name="备注占位符 2"/>
+          <p:cNvSpPr>
+            <a:spLocks noGrp="1"/>
+          </p:cNvSpPr>
+          <p:nvPr>
+            <p:ph type="body" idx="1"/>
+          </p:nvPr>
+        </p:nvSpPr>
+        <p:spPr/>
+        <p:txBody>
+          <a:bodyPr/>
+          <a:lstStyle/>
+          <a:p>
+            <a:endParaRPr lang="zh-CN" altLang="en-US" dirty="0"/>
+          </a:p>
+        </p:txBody>
+      </p:sp>
+      <p:sp>
+        <p:nvSpPr>
+          <p:cNvPr id="4" name="灯片编号占位符 3"/>
+          <p:cNvSpPr>
+            <a:spLocks noGrp="1"/>
+          </p:cNvSpPr>
+          <p:nvPr>
+            <p:ph type="sldNum" sz="quarter" idx="5"/>
+          </p:nvPr>
+        </p:nvSpPr>
+        <p:spPr/>
+        <p:txBody>
+          <a:bodyPr/>
+          <a:lstStyle/>
+          <a:p>
+            <a:fld id="{04BE3E82-CE84-4D30-B93F-D138F14E174B}" type="slidenum">
+              <a:rPr lang="zh-CN" altLang="en-US" smtClean="0"/>
+              <a:t>1</a:t>
+            </a:fld>
+            <a:endParaRPr lang="zh-CN" altLang="en-US"/>
+          </a:p>
+        </p:txBody>
+      </p:sp>
+    </p:spTree>
+    <p:extLst>
+      <p:ext uri="{BB962C8B-B14F-4D97-AF65-F5344CB8AC3E}">
+        <p14:creationId xmlns:p14="http://schemas.microsoft.com/office/powerpoint/2010/main" val="1217748893"/>
+      </p:ext>
+    </p:extLst>
+  </p:cSld>
+  <p:clrMapOvr>
+    <a:masterClrMapping/>
+  </p:clrMapOvr>
+</p:notes>
+</file>
+
 <file path=ppt/slideLayouts/slideLayout1.xml><?xml version="1.0" encoding="utf-8"?>
 <p:sldLayout xmlns:a="http://schemas.openxmlformats.org/drawingml/2006/main" xmlns:r="http://schemas.openxmlformats.org/officeDocument/2006/relationships" xmlns:p="http://schemas.openxmlformats.org/presentationml/2006/main" type="title" preserve="1">
   <p:cSld name="标题幻灯片">
@@ -246,7 +682,7 @@
           <a:p>
             <a:fld id="{D2B4B1F1-4DA7-425D-9E74-9CCF332327A2}" type="datetimeFigureOut">
               <a:rPr lang="zh-CN" altLang="en-US" smtClean="0"/>
-              <a:t>2023/2/3</a:t>
+              <a:t>2023/2/9</a:t>
             </a:fld>
             <a:endParaRPr lang="zh-CN" altLang="en-US"/>
           </a:p>
@@ -414,7 +850,7 @@
           <a:p>
             <a:fld id="{D2B4B1F1-4DA7-425D-9E74-9CCF332327A2}" type="datetimeFigureOut">
               <a:rPr lang="zh-CN" altLang="en-US" smtClean="0"/>
-              <a:t>2023/2/3</a:t>
+              <a:t>2023/2/9</a:t>
             </a:fld>
             <a:endParaRPr lang="zh-CN" altLang="en-US"/>
           </a:p>
@@ -592,7 +1028,7 @@
           <a:p>
             <a:fld id="{D2B4B1F1-4DA7-425D-9E74-9CCF332327A2}" type="datetimeFigureOut">
               <a:rPr lang="zh-CN" altLang="en-US" smtClean="0"/>
-              <a:t>2023/2/3</a:t>
+              <a:t>2023/2/9</a:t>
             </a:fld>
             <a:endParaRPr lang="zh-CN" altLang="en-US"/>
           </a:p>
@@ -790,7 +1226,7 @@
           <a:p>
             <a:fld id="{D2B4B1F1-4DA7-425D-9E74-9CCF332327A2}" type="datetimeFigureOut">
               <a:rPr lang="zh-CN" altLang="en-US" smtClean="0"/>
-              <a:t>2023/2/3</a:t>
+              <a:t>2023/2/9</a:t>
             </a:fld>
             <a:endParaRPr lang="zh-CN" altLang="en-US"/>
           </a:p>
@@ -1035,7 +1471,7 @@
           <a:p>
             <a:fld id="{D2B4B1F1-4DA7-425D-9E74-9CCF332327A2}" type="datetimeFigureOut">
               <a:rPr lang="zh-CN" altLang="en-US" smtClean="0"/>
-              <a:t>2023/2/3</a:t>
+              <a:t>2023/2/9</a:t>
             </a:fld>
             <a:endParaRPr lang="zh-CN" altLang="en-US"/>
           </a:p>
@@ -1264,7 +1700,7 @@
           <a:p>
             <a:fld id="{D2B4B1F1-4DA7-425D-9E74-9CCF332327A2}" type="datetimeFigureOut">
               <a:rPr lang="zh-CN" altLang="en-US" smtClean="0"/>
-              <a:t>2023/2/3</a:t>
+              <a:t>2023/2/9</a:t>
             </a:fld>
             <a:endParaRPr lang="zh-CN" altLang="en-US"/>
           </a:p>
@@ -1628,7 +2064,7 @@
           <a:p>
             <a:fld id="{D2B4B1F1-4DA7-425D-9E74-9CCF332327A2}" type="datetimeFigureOut">
               <a:rPr lang="zh-CN" altLang="en-US" smtClean="0"/>
-              <a:t>2023/2/3</a:t>
+              <a:t>2023/2/9</a:t>
             </a:fld>
             <a:endParaRPr lang="zh-CN" altLang="en-US"/>
           </a:p>
@@ -1745,7 +2181,7 @@
           <a:p>
             <a:fld id="{D2B4B1F1-4DA7-425D-9E74-9CCF332327A2}" type="datetimeFigureOut">
               <a:rPr lang="zh-CN" altLang="en-US" smtClean="0"/>
-              <a:t>2023/2/3</a:t>
+              <a:t>2023/2/9</a:t>
             </a:fld>
             <a:endParaRPr lang="zh-CN" altLang="en-US"/>
           </a:p>
@@ -1840,7 +2276,7 @@
           <a:p>
             <a:fld id="{D2B4B1F1-4DA7-425D-9E74-9CCF332327A2}" type="datetimeFigureOut">
               <a:rPr lang="zh-CN" altLang="en-US" smtClean="0"/>
-              <a:t>2023/2/3</a:t>
+              <a:t>2023/2/9</a:t>
             </a:fld>
             <a:endParaRPr lang="zh-CN" altLang="en-US"/>
           </a:p>
@@ -2115,7 +2551,7 @@
           <a:p>
             <a:fld id="{D2B4B1F1-4DA7-425D-9E74-9CCF332327A2}" type="datetimeFigureOut">
               <a:rPr lang="zh-CN" altLang="en-US" smtClean="0"/>
-              <a:t>2023/2/3</a:t>
+              <a:t>2023/2/9</a:t>
             </a:fld>
             <a:endParaRPr lang="zh-CN" altLang="en-US"/>
           </a:p>
@@ -2367,7 +2803,7 @@
           <a:p>
             <a:fld id="{D2B4B1F1-4DA7-425D-9E74-9CCF332327A2}" type="datetimeFigureOut">
               <a:rPr lang="zh-CN" altLang="en-US" smtClean="0"/>
-              <a:t>2023/2/3</a:t>
+              <a:t>2023/2/9</a:t>
             </a:fld>
             <a:endParaRPr lang="zh-CN" altLang="en-US"/>
           </a:p>
@@ -2578,7 +3014,7 @@
           <a:p>
             <a:fld id="{D2B4B1F1-4DA7-425D-9E74-9CCF332327A2}" type="datetimeFigureOut">
               <a:rPr lang="zh-CN" altLang="en-US" smtClean="0"/>
-              <a:t>2023/2/3</a:t>
+              <a:t>2023/2/9</a:t>
             </a:fld>
             <a:endParaRPr lang="zh-CN" altLang="en-US"/>
           </a:p>
@@ -3056,7 +3492,7 @@
           <p:nvPr/>
         </p:nvPicPr>
         <p:blipFill>
-          <a:blip r:embed="rId2" cstate="print">
+          <a:blip r:embed="rId3" cstate="print">
             <a:extLst>
               <a:ext uri="{28A0092B-C50C-407E-A947-70E740481C1C}">
                 <a14:useLocalDpi xmlns:a14="http://schemas.microsoft.com/office/drawing/2010/main" val="0"/>
@@ -3190,7 +3626,7 @@
         <p:spPr>
           <a:xfrm>
             <a:off x="474695" y="6309836"/>
-            <a:ext cx="2115067" cy="246221"/>
+            <a:ext cx="2534835" cy="246221"/>
           </a:xfrm>
           <a:prstGeom prst="rect">
             <a:avLst/>
@@ -3242,7 +3678,7 @@
               <a:defRPr/>
             </a:pPr>
             <a:r>
-              <a:rPr kumimoji="0" lang="en-US" altLang="zh-CN" sz="1600" i="0" u="none" strike="noStrike" kern="1200" cap="none" spc="0" normalizeH="0" baseline="0" noProof="0" dirty="0">
+              <a:rPr kumimoji="0" lang="en-US" altLang="zh-CN" sz="1600" b="1" i="0" u="none" strike="noStrike" kern="1200" cap="none" spc="0" normalizeH="0" baseline="0" noProof="0">
                 <a:ln>
                   <a:noFill/>
                 </a:ln>
@@ -3258,7 +3694,7 @@
               </a:rPr>
               <a:t>Mineself BRP Shader</a:t>
             </a:r>
-            <a:endParaRPr kumimoji="0" lang="zh-CN" altLang="en-US" sz="1600" i="0" u="none" strike="noStrike" kern="1200" cap="none" spc="0" normalizeH="0" baseline="0" noProof="0" dirty="0">
+            <a:endParaRPr kumimoji="0" lang="zh-CN" altLang="en-US" sz="1600" b="1" i="0" u="none" strike="noStrike" kern="1200" cap="none" spc="0" normalizeH="0" baseline="0" noProof="0" dirty="0">
               <a:ln>
                 <a:noFill/>
               </a:ln>
@@ -3331,7 +3767,7 @@
                 <a:ea typeface="阿里巴巴普惠体 2.0 95 ExtraBold" panose="00020600040101010101" pitchFamily="18" charset="-122"/>
                 <a:cs typeface="阿里巴巴普惠体 2.0 95 ExtraBold" panose="00020600040101010101" pitchFamily="18" charset="-122"/>
               </a:rPr>
-              <a:t>-0-</a:t>
+              <a:t>-MBRP-</a:t>
             </a:r>
             <a:endParaRPr lang="zh-CN" altLang="en-US" sz="8000" b="1" dirty="0">
               <a:solidFill>
@@ -3705,7 +4141,7 @@
           <p:nvPr/>
         </p:nvPicPr>
         <p:blipFill>
-          <a:blip r:embed="rId3">
+          <a:blip r:embed="rId4">
             <a:extLst>
               <a:ext uri="{28A0092B-C50C-407E-A947-70E740481C1C}">
                 <a14:useLocalDpi xmlns:a14="http://schemas.microsoft.com/office/drawing/2010/main" val="0"/>
@@ -5813,7 +6249,7 @@
                 <a:ea typeface="阿里巴巴普惠体 2.0 95 ExtraBold" panose="00020600040101010101" pitchFamily="18" charset="-122"/>
                 <a:cs typeface="阿里巴巴普惠体 2.0 95 ExtraBold" panose="00020600040101010101" pitchFamily="18" charset="-122"/>
               </a:rPr>
-              <a:t>1.</a:t>
+              <a:t>P1---</a:t>
             </a:r>
             <a:r>
               <a:rPr kumimoji="0" lang="zh-CN" altLang="en-US" sz="4000" i="0" u="none" strike="noStrike" kern="1200" cap="none" spc="0" normalizeH="0" baseline="0" noProof="0" dirty="0">
@@ -5960,17 +6396,6 @@
               <a:defRPr/>
             </a:pPr>
             <a:r>
-              <a:rPr lang="en-US" altLang="zh-CN" sz="4000" spc="0" dirty="0">
-                <a:solidFill>
-                  <a:schemeClr val="accent1"/>
-                </a:solidFill>
-                <a:latin typeface="阿里巴巴普惠体 2.0 95 ExtraBold" panose="00020600040101010101" pitchFamily="18" charset="-122"/>
-                <a:ea typeface="阿里巴巴普惠体 2.0 95 ExtraBold" panose="00020600040101010101" pitchFamily="18" charset="-122"/>
-                <a:cs typeface="阿里巴巴普惠体 2.0 95 ExtraBold" panose="00020600040101010101" pitchFamily="18" charset="-122"/>
-              </a:rPr>
-              <a:t>2</a:t>
-            </a:r>
-            <a:r>
               <a:rPr kumimoji="0" lang="en-US" altLang="zh-CN" sz="4000" i="0" u="none" strike="noStrike" kern="1200" cap="none" spc="0" normalizeH="0" baseline="0" noProof="0" dirty="0">
                 <a:ln>
                   <a:noFill/>
@@ -5985,7 +6410,7 @@
                 <a:ea typeface="阿里巴巴普惠体 2.0 95 ExtraBold" panose="00020600040101010101" pitchFamily="18" charset="-122"/>
                 <a:cs typeface="阿里巴巴普惠体 2.0 95 ExtraBold" panose="00020600040101010101" pitchFamily="18" charset="-122"/>
               </a:rPr>
-              <a:t>.</a:t>
+              <a:t>P2---</a:t>
             </a:r>
             <a:r>
               <a:rPr kumimoji="0" lang="zh-CN" altLang="en-US" sz="4000" i="0" u="none" strike="noStrike" kern="1200" cap="none" spc="0" normalizeH="0" baseline="0" noProof="0" dirty="0">
@@ -6088,18 +6513,7 @@
               <a:defRPr/>
             </a:pPr>
             <a:r>
-              <a:rPr lang="en-US" altLang="zh-CN" sz="4000" spc="0" noProof="0" dirty="0">
-                <a:solidFill>
-                  <a:schemeClr val="accent1"/>
-                </a:solidFill>
-                <a:latin typeface="阿里巴巴普惠体 2.0 95 ExtraBold" panose="00020600040101010101" pitchFamily="18" charset="-122"/>
-                <a:ea typeface="阿里巴巴普惠体 2.0 95 ExtraBold" panose="00020600040101010101" pitchFamily="18" charset="-122"/>
-                <a:cs typeface="阿里巴巴普惠体 2.0 95 ExtraBold" panose="00020600040101010101" pitchFamily="18" charset="-122"/>
-              </a:rPr>
-              <a:t>3</a:t>
-            </a:r>
-            <a:r>
-              <a:rPr kumimoji="0" lang="en-US" altLang="zh-CN" sz="4000" i="0" u="none" strike="noStrike" kern="1200" cap="none" spc="0" normalizeH="0" baseline="0" noProof="0" dirty="0">
+              <a:rPr kumimoji="0" lang="en-US" altLang="zh-CN" sz="4000" i="0" u="none" strike="noStrike" kern="1200" cap="none" spc="0" normalizeH="0" baseline="0" dirty="0">
                 <a:ln>
                   <a:noFill/>
                 </a:ln>
@@ -6113,7 +6527,7 @@
                 <a:ea typeface="阿里巴巴普惠体 2.0 95 ExtraBold" panose="00020600040101010101" pitchFamily="18" charset="-122"/>
                 <a:cs typeface="阿里巴巴普惠体 2.0 95 ExtraBold" panose="00020600040101010101" pitchFamily="18" charset="-122"/>
               </a:rPr>
-              <a:t>.</a:t>
+              <a:t>P3---</a:t>
             </a:r>
             <a:r>
               <a:rPr kumimoji="0" lang="zh-CN" altLang="en-US" sz="4000" i="0" u="none" strike="noStrike" kern="1200" cap="none" spc="0" normalizeH="0" baseline="0" dirty="0">
@@ -6131,6 +6545,17 @@
                 <a:cs typeface="阿里巴巴普惠体 2.0 95 ExtraBold" panose="00020600040101010101" pitchFamily="18" charset="-122"/>
               </a:rPr>
               <a:t>手写</a:t>
+            </a:r>
+            <a:r>
+              <a:rPr lang="zh-CN" altLang="en-US" sz="4000" spc="0" dirty="0">
+                <a:solidFill>
+                  <a:schemeClr val="accent1"/>
+                </a:solidFill>
+                <a:latin typeface="阿里巴巴普惠体 2.0 95 ExtraBold" panose="00020600040101010101" pitchFamily="18" charset="-122"/>
+                <a:ea typeface="阿里巴巴普惠体 2.0 95 ExtraBold" panose="00020600040101010101" pitchFamily="18" charset="-122"/>
+                <a:cs typeface="阿里巴巴普惠体 2.0 95 ExtraBold" panose="00020600040101010101" pitchFamily="18" charset="-122"/>
+              </a:rPr>
+              <a:t>代码</a:t>
             </a:r>
             <a:endParaRPr kumimoji="0" lang="en-US" altLang="zh-CN" sz="4000" i="0" u="none" strike="noStrike" kern="1200" cap="none" spc="0" normalizeH="0" baseline="0" noProof="0" dirty="0">
               <a:ln>
@@ -6323,10 +6748,10 @@
       </p:sp>
       <p:sp>
         <p:nvSpPr>
-          <p:cNvPr id="2" name="iSHEJI-8">
+          <p:cNvPr id="3" name="iSHEJI-8">
             <a:extLst>
               <a:ext uri="{FF2B5EF4-FFF2-40B4-BE49-F238E27FC236}">
-                <a16:creationId xmlns:a16="http://schemas.microsoft.com/office/drawing/2014/main" id="{260CF7CD-E4AE-762F-DA19-50F9F6B1DA4A}"/>
+                <a16:creationId xmlns:a16="http://schemas.microsoft.com/office/drawing/2014/main" id="{B6B7C880-1FFD-0027-ECF5-2C3A9D801127}"/>
               </a:ext>
             </a:extLst>
           </p:cNvPr>
@@ -6335,8 +6760,8 @@
         </p:nvSpPr>
         <p:spPr>
           <a:xfrm>
-            <a:off x="8504329" y="5385907"/>
-            <a:ext cx="3314977" cy="1107996"/>
+            <a:off x="1425135" y="5624217"/>
+            <a:ext cx="7907124" cy="615553"/>
           </a:xfrm>
           <a:prstGeom prst="rect">
             <a:avLst/>
@@ -6388,24 +6813,7 @@
               <a:defRPr/>
             </a:pPr>
             <a:r>
-              <a:rPr kumimoji="0" lang="zh-CN" altLang="en-US" sz="2400" i="0" u="none" strike="noStrike" kern="1200" cap="none" spc="0" normalizeH="0" baseline="0" noProof="0" dirty="0">
-                <a:ln>
-                  <a:noFill/>
-                </a:ln>
-                <a:solidFill>
-                  <a:schemeClr val="tx1"/>
-                </a:solidFill>
-                <a:effectLst/>
-                <a:uLnTx/>
-                <a:uFillTx/>
-                <a:latin typeface="阿里巴巴普惠体 2.0 95 ExtraBold" panose="00020600040101010101" pitchFamily="18" charset="-122"/>
-                <a:ea typeface="阿里巴巴普惠体 2.0 95 ExtraBold" panose="00020600040101010101" pitchFamily="18" charset="-122"/>
-                <a:cs typeface="阿里巴巴普惠体 2.0 95 ExtraBold" panose="00020600040101010101" pitchFamily="18" charset="-122"/>
-              </a:rPr>
-              <a:t>做了</a:t>
-            </a:r>
-            <a:r>
-              <a:rPr lang="zh-CN" altLang="en-US" sz="2400" spc="0" dirty="0">
+              <a:rPr lang="zh-CN" altLang="en-US" sz="4000" b="1" spc="0" noProof="0" dirty="0">
                 <a:solidFill>
                   <a:schemeClr val="tx1"/>
                 </a:solidFill>
@@ -6413,10 +6821,10 @@
                 <a:ea typeface="阿里巴巴普惠体 2.0 95 ExtraBold" panose="00020600040101010101" pitchFamily="18" charset="-122"/>
                 <a:cs typeface="阿里巴巴普惠体 2.0 95 ExtraBold" panose="00020600040101010101" pitchFamily="18" charset="-122"/>
               </a:rPr>
-              <a:t>几个</a:t>
-            </a:r>
-            <a:r>
-              <a:rPr lang="en-US" altLang="zh-CN" sz="2400" spc="0" dirty="0">
+              <a:t>使用版本</a:t>
+            </a:r>
+            <a:r>
+              <a:rPr lang="zh-CN" altLang="en-US" sz="4000" b="1" spc="0" dirty="0">
                 <a:solidFill>
                   <a:schemeClr val="tx1"/>
                 </a:solidFill>
@@ -6424,10 +6832,10 @@
                 <a:ea typeface="阿里巴巴普惠体 2.0 95 ExtraBold" panose="00020600040101010101" pitchFamily="18" charset="-122"/>
                 <a:cs typeface="阿里巴巴普惠体 2.0 95 ExtraBold" panose="00020600040101010101" pitchFamily="18" charset="-122"/>
               </a:rPr>
-              <a:t>PPT</a:t>
-            </a:r>
-            <a:r>
-              <a:rPr lang="zh-CN" altLang="en-US" sz="2400" spc="0" dirty="0">
+              <a:t>：</a:t>
+            </a:r>
+            <a:r>
+              <a:rPr lang="en-US" altLang="zh-CN" sz="4000" b="1" spc="0" dirty="0">
                 <a:solidFill>
                   <a:schemeClr val="tx1"/>
                 </a:solidFill>
@@ -6435,22 +6843,8 @@
                 <a:ea typeface="阿里巴巴普惠体 2.0 95 ExtraBold" panose="00020600040101010101" pitchFamily="18" charset="-122"/>
                 <a:cs typeface="阿里巴巴普惠体 2.0 95 ExtraBold" panose="00020600040101010101" pitchFamily="18" charset="-122"/>
               </a:rPr>
-              <a:t>发现内容几乎和文档的一致，可能考虑直接跟着文档讲解</a:t>
-            </a:r>
-            <a:endParaRPr kumimoji="0" lang="en-US" altLang="zh-CN" sz="2400" i="0" u="none" strike="noStrike" kern="1200" cap="none" spc="0" normalizeH="0" baseline="0" noProof="0" dirty="0">
-              <a:ln>
-                <a:noFill/>
-              </a:ln>
-              <a:solidFill>
-                <a:schemeClr val="tx1"/>
-              </a:solidFill>
-              <a:effectLst/>
-              <a:uLnTx/>
-              <a:uFillTx/>
-              <a:latin typeface="阿里巴巴普惠体 2.0 95 ExtraBold" panose="00020600040101010101" pitchFamily="18" charset="-122"/>
-              <a:ea typeface="阿里巴巴普惠体 2.0 95 ExtraBold" panose="00020600040101010101" pitchFamily="18" charset="-122"/>
-              <a:cs typeface="阿里巴巴普惠体 2.0 95 ExtraBold" panose="00020600040101010101" pitchFamily="18" charset="-122"/>
-            </a:endParaRPr>
+              <a:t>2021.3.8f1c1</a:t>
+            </a:r>
           </a:p>
         </p:txBody>
       </p:sp>
@@ -7805,4 +8199,299 @@
     </a:ext>
   </a:extLst>
 </a:theme>
+</file>
+
+<file path=ppt/theme/theme2.xml><?xml version="1.0" encoding="utf-8"?>
+<a:theme xmlns:a="http://schemas.openxmlformats.org/drawingml/2006/main" name="Office 主题​​">
+  <a:themeElements>
+    <a:clrScheme name="Office">
+      <a:dk1>
+        <a:sysClr val="windowText" lastClr="000000"/>
+      </a:dk1>
+      <a:lt1>
+        <a:sysClr val="window" lastClr="FFFFFF"/>
+      </a:lt1>
+      <a:dk2>
+        <a:srgbClr val="44546A"/>
+      </a:dk2>
+      <a:lt2>
+        <a:srgbClr val="E7E6E6"/>
+      </a:lt2>
+      <a:accent1>
+        <a:srgbClr val="4472C4"/>
+      </a:accent1>
+      <a:accent2>
+        <a:srgbClr val="ED7D31"/>
+      </a:accent2>
+      <a:accent3>
+        <a:srgbClr val="A5A5A5"/>
+      </a:accent3>
+      <a:accent4>
+        <a:srgbClr val="FFC000"/>
+      </a:accent4>
+      <a:accent5>
+        <a:srgbClr val="5B9BD5"/>
+      </a:accent5>
+      <a:accent6>
+        <a:srgbClr val="70AD47"/>
+      </a:accent6>
+      <a:hlink>
+        <a:srgbClr val="0563C1"/>
+      </a:hlink>
+      <a:folHlink>
+        <a:srgbClr val="954F72"/>
+      </a:folHlink>
+    </a:clrScheme>
+    <a:fontScheme name="Office">
+      <a:majorFont>
+        <a:latin typeface="等线 Light" panose="020F0302020204030204"/>
+        <a:ea typeface=""/>
+        <a:cs typeface=""/>
+        <a:font script="Jpan" typeface="游ゴシック Light"/>
+        <a:font script="Hang" typeface="맑은 고딕"/>
+        <a:font script="Hans" typeface="等线 Light"/>
+        <a:font script="Hant" typeface="新細明體"/>
+        <a:font script="Arab" typeface="Times New Roman"/>
+        <a:font script="Hebr" typeface="Times New Roman"/>
+        <a:font script="Thai" typeface="Angsana New"/>
+        <a:font script="Ethi" typeface="Nyala"/>
+        <a:font script="Beng" typeface="Vrinda"/>
+        <a:font script="Gujr" typeface="Shruti"/>
+        <a:font script="Khmr" typeface="MoolBoran"/>
+        <a:font script="Knda" typeface="Tunga"/>
+        <a:font script="Guru" typeface="Raavi"/>
+        <a:font script="Cans" typeface="Euphemia"/>
+        <a:font script="Cher" typeface="Plantagenet Cherokee"/>
+        <a:font script="Yiii" typeface="Microsoft Yi Baiti"/>
+        <a:font script="Tibt" typeface="Microsoft Himalaya"/>
+        <a:font script="Thaa" typeface="MV Boli"/>
+        <a:font script="Deva" typeface="Mangal"/>
+        <a:font script="Telu" typeface="Gautami"/>
+        <a:font script="Taml" typeface="Latha"/>
+        <a:font script="Syrc" typeface="Estrangelo Edessa"/>
+        <a:font script="Orya" typeface="Kalinga"/>
+        <a:font script="Mlym" typeface="Kartika"/>
+        <a:font script="Laoo" typeface="DokChampa"/>
+        <a:font script="Sinh" typeface="Iskoola Pota"/>
+        <a:font script="Mong" typeface="Mongolian Baiti"/>
+        <a:font script="Viet" typeface="Times New Roman"/>
+        <a:font script="Uigh" typeface="Microsoft Uighur"/>
+        <a:font script="Geor" typeface="Sylfaen"/>
+        <a:font script="Armn" typeface="Arial"/>
+        <a:font script="Bugi" typeface="Leelawadee UI"/>
+        <a:font script="Bopo" typeface="Microsoft JhengHei"/>
+        <a:font script="Java" typeface="Javanese Text"/>
+        <a:font script="Lisu" typeface="Segoe UI"/>
+        <a:font script="Mymr" typeface="Myanmar Text"/>
+        <a:font script="Nkoo" typeface="Ebrima"/>
+        <a:font script="Olck" typeface="Nirmala UI"/>
+        <a:font script="Osma" typeface="Ebrima"/>
+        <a:font script="Phag" typeface="Phagspa"/>
+        <a:font script="Syrn" typeface="Estrangelo Edessa"/>
+        <a:font script="Syrj" typeface="Estrangelo Edessa"/>
+        <a:font script="Syre" typeface="Estrangelo Edessa"/>
+        <a:font script="Sora" typeface="Nirmala UI"/>
+        <a:font script="Tale" typeface="Microsoft Tai Le"/>
+        <a:font script="Talu" typeface="Microsoft New Tai Lue"/>
+        <a:font script="Tfng" typeface="Ebrima"/>
+      </a:majorFont>
+      <a:minorFont>
+        <a:latin typeface="等线" panose="020F0502020204030204"/>
+        <a:ea typeface=""/>
+        <a:cs typeface=""/>
+        <a:font script="Jpan" typeface="游ゴシック"/>
+        <a:font script="Hang" typeface="맑은 고딕"/>
+        <a:font script="Hans" typeface="等线"/>
+        <a:font script="Hant" typeface="新細明體"/>
+        <a:font script="Arab" typeface="Arial"/>
+        <a:font script="Hebr" typeface="Arial"/>
+        <a:font script="Thai" typeface="Cordia New"/>
+        <a:font script="Ethi" typeface="Nyala"/>
+        <a:font script="Beng" typeface="Vrinda"/>
+        <a:font script="Gujr" typeface="Shruti"/>
+        <a:font script="Khmr" typeface="DaunPenh"/>
+        <a:font script="Knda" typeface="Tunga"/>
+        <a:font script="Guru" typeface="Raavi"/>
+        <a:font script="Cans" typeface="Euphemia"/>
+        <a:font script="Cher" typeface="Plantagenet Cherokee"/>
+        <a:font script="Yiii" typeface="Microsoft Yi Baiti"/>
+        <a:font script="Tibt" typeface="Microsoft Himalaya"/>
+        <a:font script="Thaa" typeface="MV Boli"/>
+        <a:font script="Deva" typeface="Mangal"/>
+        <a:font script="Telu" typeface="Gautami"/>
+        <a:font script="Taml" typeface="Latha"/>
+        <a:font script="Syrc" typeface="Estrangelo Edessa"/>
+        <a:font script="Orya" typeface="Kalinga"/>
+        <a:font script="Mlym" typeface="Kartika"/>
+        <a:font script="Laoo" typeface="DokChampa"/>
+        <a:font script="Sinh" typeface="Iskoola Pota"/>
+        <a:font script="Mong" typeface="Mongolian Baiti"/>
+        <a:font script="Viet" typeface="Arial"/>
+        <a:font script="Uigh" typeface="Microsoft Uighur"/>
+        <a:font script="Geor" typeface="Sylfaen"/>
+        <a:font script="Armn" typeface="Arial"/>
+        <a:font script="Bugi" typeface="Leelawadee UI"/>
+        <a:font script="Bopo" typeface="Microsoft JhengHei"/>
+        <a:font script="Java" typeface="Javanese Text"/>
+        <a:font script="Lisu" typeface="Segoe UI"/>
+        <a:font script="Mymr" typeface="Myanmar Text"/>
+        <a:font script="Nkoo" typeface="Ebrima"/>
+        <a:font script="Olck" typeface="Nirmala UI"/>
+        <a:font script="Osma" typeface="Ebrima"/>
+        <a:font script="Phag" typeface="Phagspa"/>
+        <a:font script="Syrn" typeface="Estrangelo Edessa"/>
+        <a:font script="Syrj" typeface="Estrangelo Edessa"/>
+        <a:font script="Syre" typeface="Estrangelo Edessa"/>
+        <a:font script="Sora" typeface="Nirmala UI"/>
+        <a:font script="Tale" typeface="Microsoft Tai Le"/>
+        <a:font script="Talu" typeface="Microsoft New Tai Lue"/>
+        <a:font script="Tfng" typeface="Ebrima"/>
+      </a:minorFont>
+    </a:fontScheme>
+    <a:fmtScheme name="Office">
+      <a:fillStyleLst>
+        <a:solidFill>
+          <a:schemeClr val="phClr"/>
+        </a:solidFill>
+        <a:gradFill rotWithShape="1">
+          <a:gsLst>
+            <a:gs pos="0">
+              <a:schemeClr val="phClr">
+                <a:lumMod val="110000"/>
+                <a:satMod val="105000"/>
+                <a:tint val="67000"/>
+              </a:schemeClr>
+            </a:gs>
+            <a:gs pos="50000">
+              <a:schemeClr val="phClr">
+                <a:lumMod val="105000"/>
+                <a:satMod val="103000"/>
+                <a:tint val="73000"/>
+              </a:schemeClr>
+            </a:gs>
+            <a:gs pos="100000">
+              <a:schemeClr val="phClr">
+                <a:lumMod val="105000"/>
+                <a:satMod val="109000"/>
+                <a:tint val="81000"/>
+              </a:schemeClr>
+            </a:gs>
+          </a:gsLst>
+          <a:lin ang="5400000" scaled="0"/>
+        </a:gradFill>
+        <a:gradFill rotWithShape="1">
+          <a:gsLst>
+            <a:gs pos="0">
+              <a:schemeClr val="phClr">
+                <a:satMod val="103000"/>
+                <a:lumMod val="102000"/>
+                <a:tint val="94000"/>
+              </a:schemeClr>
+            </a:gs>
+            <a:gs pos="50000">
+              <a:schemeClr val="phClr">
+                <a:satMod val="110000"/>
+                <a:lumMod val="100000"/>
+                <a:shade val="100000"/>
+              </a:schemeClr>
+            </a:gs>
+            <a:gs pos="100000">
+              <a:schemeClr val="phClr">
+                <a:lumMod val="99000"/>
+                <a:satMod val="120000"/>
+                <a:shade val="78000"/>
+              </a:schemeClr>
+            </a:gs>
+          </a:gsLst>
+          <a:lin ang="5400000" scaled="0"/>
+        </a:gradFill>
+      </a:fillStyleLst>
+      <a:lnStyleLst>
+        <a:ln w="6350" cap="flat" cmpd="sng" algn="ctr">
+          <a:solidFill>
+            <a:schemeClr val="phClr"/>
+          </a:solidFill>
+          <a:prstDash val="solid"/>
+          <a:miter lim="800000"/>
+        </a:ln>
+        <a:ln w="12700" cap="flat" cmpd="sng" algn="ctr">
+          <a:solidFill>
+            <a:schemeClr val="phClr"/>
+          </a:solidFill>
+          <a:prstDash val="solid"/>
+          <a:miter lim="800000"/>
+        </a:ln>
+        <a:ln w="19050" cap="flat" cmpd="sng" algn="ctr">
+          <a:solidFill>
+            <a:schemeClr val="phClr"/>
+          </a:solidFill>
+          <a:prstDash val="solid"/>
+          <a:miter lim="800000"/>
+        </a:ln>
+      </a:lnStyleLst>
+      <a:effectStyleLst>
+        <a:effectStyle>
+          <a:effectLst/>
+        </a:effectStyle>
+        <a:effectStyle>
+          <a:effectLst/>
+        </a:effectStyle>
+        <a:effectStyle>
+          <a:effectLst>
+            <a:outerShdw blurRad="57150" dist="19050" dir="5400000" algn="ctr" rotWithShape="0">
+              <a:srgbClr val="000000">
+                <a:alpha val="63000"/>
+              </a:srgbClr>
+            </a:outerShdw>
+          </a:effectLst>
+        </a:effectStyle>
+      </a:effectStyleLst>
+      <a:bgFillStyleLst>
+        <a:solidFill>
+          <a:schemeClr val="phClr"/>
+        </a:solidFill>
+        <a:solidFill>
+          <a:schemeClr val="phClr">
+            <a:tint val="95000"/>
+            <a:satMod val="170000"/>
+          </a:schemeClr>
+        </a:solidFill>
+        <a:gradFill rotWithShape="1">
+          <a:gsLst>
+            <a:gs pos="0">
+              <a:schemeClr val="phClr">
+                <a:tint val="93000"/>
+                <a:satMod val="150000"/>
+                <a:shade val="98000"/>
+                <a:lumMod val="102000"/>
+              </a:schemeClr>
+            </a:gs>
+            <a:gs pos="50000">
+              <a:schemeClr val="phClr">
+                <a:tint val="98000"/>
+                <a:satMod val="130000"/>
+                <a:shade val="90000"/>
+                <a:lumMod val="103000"/>
+              </a:schemeClr>
+            </a:gs>
+            <a:gs pos="100000">
+              <a:schemeClr val="phClr">
+                <a:shade val="63000"/>
+                <a:satMod val="120000"/>
+              </a:schemeClr>
+            </a:gs>
+          </a:gsLst>
+          <a:lin ang="5400000" scaled="0"/>
+        </a:gradFill>
+      </a:bgFillStyleLst>
+    </a:fmtScheme>
+  </a:themeElements>
+  <a:objectDefaults/>
+  <a:extraClrSchemeLst/>
+  <a:extLst>
+    <a:ext uri="{05A4C25C-085E-4340-85A3-A5531E510DB2}">
+      <thm15:themeFamily xmlns:thm15="http://schemas.microsoft.com/office/thememl/2012/main" name="Office Theme" id="{62F939B6-93AF-4DB8-9C6B-D6C7DFDC589F}" vid="{4A3C46E8-61CC-4603-A589-7422A47A8E4A}"/>
+    </a:ext>
+  </a:extLst>
+</a:theme>
 </file>
--- a/PPT/0-前言.pptx
+++ b/PPT/0-前言.pptx
@@ -5628,21 +5628,15 @@
               <a:t>.</a:t>
             </a:r>
             <a:r>
-              <a:rPr kumimoji="0" lang="zh-CN" altLang="en-US" sz="4000" i="0" u="none" strike="noStrike" kern="1200" cap="none" spc="0" normalizeH="0" baseline="0" noProof="0" dirty="0">
-                <a:ln>
-                  <a:noFill/>
-                </a:ln>
+              <a:rPr lang="zh-CN" altLang="en-US" sz="4000" spc="0" dirty="0">
                 <a:solidFill>
                   <a:schemeClr val="accent1"/>
                 </a:solidFill>
-                <a:effectLst/>
-                <a:uLnTx/>
-                <a:uFillTx/>
                 <a:latin typeface="阿里巴巴普惠体 2.0 95 ExtraBold" panose="00020600040101010101" pitchFamily="18" charset="-122"/>
                 <a:ea typeface="阿里巴巴普惠体 2.0 95 ExtraBold" panose="00020600040101010101" pitchFamily="18" charset="-122"/>
                 <a:cs typeface="阿里巴巴普惠体 2.0 95 ExtraBold" panose="00020600040101010101" pitchFamily="18" charset="-122"/>
               </a:rPr>
-              <a:t>讲解</a:t>
+              <a:t>作品集</a:t>
             </a:r>
             <a:endParaRPr kumimoji="0" lang="en-US" altLang="zh-CN" sz="4000" i="0" u="none" strike="noStrike" kern="1200" cap="none" spc="0" normalizeH="0" baseline="0" noProof="0" dirty="0">
               <a:ln>
@@ -5756,15 +5750,21 @@
               <a:t>.</a:t>
             </a:r>
             <a:r>
-              <a:rPr lang="zh-CN" altLang="en-US" sz="4000" spc="0" dirty="0">
+              <a:rPr kumimoji="0" lang="zh-CN" altLang="en-US" sz="4000" i="0" u="none" strike="noStrike" kern="1200" cap="none" spc="0" normalizeH="0" baseline="0" noProof="0" dirty="0">
+                <a:ln>
+                  <a:noFill/>
+                </a:ln>
                 <a:solidFill>
                   <a:schemeClr val="accent1"/>
                 </a:solidFill>
+                <a:effectLst/>
+                <a:uLnTx/>
+                <a:uFillTx/>
                 <a:latin typeface="阿里巴巴普惠体 2.0 95 ExtraBold" panose="00020600040101010101" pitchFamily="18" charset="-122"/>
                 <a:ea typeface="阿里巴巴普惠体 2.0 95 ExtraBold" panose="00020600040101010101" pitchFamily="18" charset="-122"/>
                 <a:cs typeface="阿里巴巴普惠体 2.0 95 ExtraBold" panose="00020600040101010101" pitchFamily="18" charset="-122"/>
               </a:rPr>
-              <a:t>作品集</a:t>
+              <a:t>讲解</a:t>
             </a:r>
             <a:endParaRPr kumimoji="0" lang="en-US" altLang="zh-CN" sz="4000" i="0" u="none" strike="noStrike" kern="1200" cap="none" spc="0" normalizeH="0" baseline="0" noProof="0" dirty="0">
               <a:ln>
